--- a/assets/images/Images.pptx
+++ b/assets/images/Images.pptx
@@ -5,7 +5,9 @@
     <p:sldMasterId id="2147483648" r:id="rId1"/>
   </p:sldMasterIdLst>
   <p:sldIdLst>
-    <p:sldId id="256" r:id="rId2"/>
+    <p:sldId id="270" r:id="rId2"/>
+    <p:sldId id="271" r:id="rId3"/>
+    <p:sldId id="269" r:id="rId4"/>
   </p:sldIdLst>
   <p:sldSz cx="12192000" cy="6858000"/>
   <p:notesSz cx="6858000" cy="9144000"/>
@@ -3321,10 +3323,2555 @@
           <a:chExt cx="0" cy="0"/>
         </a:xfrm>
       </p:grpSpPr>
+      <p:sp>
+        <p:nvSpPr>
+          <p:cNvPr id="4" name="Rectangle 3">
+            <a:extLst>
+              <a:ext uri="{FF2B5EF4-FFF2-40B4-BE49-F238E27FC236}">
+                <a16:creationId xmlns:a16="http://schemas.microsoft.com/office/drawing/2014/main" id="{275BFEC2-1AC8-A043-B2E9-C8367D6CF6D7}"/>
+              </a:ext>
+            </a:extLst>
+          </p:cNvPr>
+          <p:cNvSpPr/>
+          <p:nvPr/>
+        </p:nvSpPr>
+        <p:spPr>
+          <a:xfrm>
+            <a:off x="3232087" y="778598"/>
+            <a:ext cx="1647730" cy="1158843"/>
+          </a:xfrm>
+          <a:prstGeom prst="rect">
+            <a:avLst/>
+          </a:prstGeom>
+          <a:solidFill>
+            <a:schemeClr val="accent2"/>
+          </a:solidFill>
+          <a:ln>
+            <a:solidFill>
+              <a:schemeClr val="tx1">
+                <a:lumMod val="75000"/>
+                <a:lumOff val="25000"/>
+              </a:schemeClr>
+            </a:solidFill>
+          </a:ln>
+        </p:spPr>
+        <p:style>
+          <a:lnRef idx="2">
+            <a:schemeClr val="accent1">
+              <a:shade val="50000"/>
+            </a:schemeClr>
+          </a:lnRef>
+          <a:fillRef idx="1">
+            <a:schemeClr val="accent1"/>
+          </a:fillRef>
+          <a:effectRef idx="0">
+            <a:schemeClr val="accent1"/>
+          </a:effectRef>
+          <a:fontRef idx="minor">
+            <a:schemeClr val="lt1"/>
+          </a:fontRef>
+        </p:style>
+        <p:txBody>
+          <a:bodyPr rtlCol="0" anchor="ctr"/>
+          <a:lstStyle/>
+          <a:p>
+            <a:pPr algn="ctr"/>
+            <a:r>
+              <a:rPr lang="en-GB" dirty="0"/>
+              <a:t>Application</a:t>
+            </a:r>
+          </a:p>
+        </p:txBody>
+      </p:sp>
+      <p:sp>
+        <p:nvSpPr>
+          <p:cNvPr id="5" name="Rectangle 4">
+            <a:extLst>
+              <a:ext uri="{FF2B5EF4-FFF2-40B4-BE49-F238E27FC236}">
+                <a16:creationId xmlns:a16="http://schemas.microsoft.com/office/drawing/2014/main" id="{B25BC462-F36B-254C-B6EA-9D3B98175773}"/>
+              </a:ext>
+            </a:extLst>
+          </p:cNvPr>
+          <p:cNvSpPr/>
+          <p:nvPr/>
+        </p:nvSpPr>
+        <p:spPr>
+          <a:xfrm>
+            <a:off x="2126055" y="2740936"/>
+            <a:ext cx="1647730" cy="1158843"/>
+          </a:xfrm>
+          <a:prstGeom prst="rect">
+            <a:avLst/>
+          </a:prstGeom>
+          <a:solidFill>
+            <a:schemeClr val="accent6">
+              <a:lumMod val="75000"/>
+            </a:schemeClr>
+          </a:solidFill>
+          <a:ln>
+            <a:solidFill>
+              <a:schemeClr val="tx1">
+                <a:lumMod val="75000"/>
+                <a:lumOff val="25000"/>
+              </a:schemeClr>
+            </a:solidFill>
+          </a:ln>
+        </p:spPr>
+        <p:style>
+          <a:lnRef idx="2">
+            <a:schemeClr val="accent1">
+              <a:shade val="50000"/>
+            </a:schemeClr>
+          </a:lnRef>
+          <a:fillRef idx="1">
+            <a:schemeClr val="accent1"/>
+          </a:fillRef>
+          <a:effectRef idx="0">
+            <a:schemeClr val="accent1"/>
+          </a:effectRef>
+          <a:fontRef idx="minor">
+            <a:schemeClr val="lt1"/>
+          </a:fontRef>
+        </p:style>
+        <p:txBody>
+          <a:bodyPr rtlCol="0" anchor="ctr"/>
+          <a:lstStyle/>
+          <a:p>
+            <a:pPr algn="ctr"/>
+            <a:r>
+              <a:rPr lang="en-GB" dirty="0"/>
+              <a:t>Dependencies</a:t>
+            </a:r>
+          </a:p>
+        </p:txBody>
+      </p:sp>
+      <p:sp>
+        <p:nvSpPr>
+          <p:cNvPr id="6" name="Rectangle 5">
+            <a:extLst>
+              <a:ext uri="{FF2B5EF4-FFF2-40B4-BE49-F238E27FC236}">
+                <a16:creationId xmlns:a16="http://schemas.microsoft.com/office/drawing/2014/main" id="{D3BAD91E-190D-7D4E-ADDA-A13122979E61}"/>
+              </a:ext>
+            </a:extLst>
+          </p:cNvPr>
+          <p:cNvSpPr/>
+          <p:nvPr/>
+        </p:nvSpPr>
+        <p:spPr>
+          <a:xfrm>
+            <a:off x="3165695" y="4876046"/>
+            <a:ext cx="1647730" cy="1158843"/>
+          </a:xfrm>
+          <a:prstGeom prst="rect">
+            <a:avLst/>
+          </a:prstGeom>
+          <a:solidFill>
+            <a:schemeClr val="accent4">
+              <a:lumMod val="75000"/>
+            </a:schemeClr>
+          </a:solidFill>
+          <a:ln>
+            <a:solidFill>
+              <a:schemeClr val="tx1">
+                <a:lumMod val="75000"/>
+                <a:lumOff val="25000"/>
+              </a:schemeClr>
+            </a:solidFill>
+          </a:ln>
+        </p:spPr>
+        <p:style>
+          <a:lnRef idx="2">
+            <a:schemeClr val="accent1">
+              <a:shade val="50000"/>
+            </a:schemeClr>
+          </a:lnRef>
+          <a:fillRef idx="1">
+            <a:schemeClr val="accent1"/>
+          </a:fillRef>
+          <a:effectRef idx="0">
+            <a:schemeClr val="accent1"/>
+          </a:effectRef>
+          <a:fontRef idx="minor">
+            <a:schemeClr val="lt1"/>
+          </a:fontRef>
+        </p:style>
+        <p:txBody>
+          <a:bodyPr rtlCol="0" anchor="ctr"/>
+          <a:lstStyle/>
+          <a:p>
+            <a:pPr algn="ctr"/>
+            <a:r>
+              <a:rPr lang="en-GB" dirty="0"/>
+              <a:t>Configuration</a:t>
+            </a:r>
+          </a:p>
+        </p:txBody>
+      </p:sp>
+      <p:sp>
+        <p:nvSpPr>
+          <p:cNvPr id="7" name="Rectangle 6">
+            <a:extLst>
+              <a:ext uri="{FF2B5EF4-FFF2-40B4-BE49-F238E27FC236}">
+                <a16:creationId xmlns:a16="http://schemas.microsoft.com/office/drawing/2014/main" id="{DBB721BF-3B47-BF44-8FDF-E55D63C1F5AA}"/>
+              </a:ext>
+            </a:extLst>
+          </p:cNvPr>
+          <p:cNvSpPr/>
+          <p:nvPr/>
+        </p:nvSpPr>
+        <p:spPr>
+          <a:xfrm>
+            <a:off x="6987009" y="1224480"/>
+            <a:ext cx="3079687" cy="4644429"/>
+          </a:xfrm>
+          <a:prstGeom prst="rect">
+            <a:avLst/>
+          </a:prstGeom>
+          <a:solidFill>
+            <a:schemeClr val="tx2">
+              <a:lumMod val="75000"/>
+            </a:schemeClr>
+          </a:solidFill>
+          <a:ln>
+            <a:solidFill>
+              <a:schemeClr val="tx1">
+                <a:lumMod val="75000"/>
+                <a:lumOff val="25000"/>
+              </a:schemeClr>
+            </a:solidFill>
+          </a:ln>
+        </p:spPr>
+        <p:style>
+          <a:lnRef idx="2">
+            <a:schemeClr val="accent1">
+              <a:shade val="50000"/>
+            </a:schemeClr>
+          </a:lnRef>
+          <a:fillRef idx="1">
+            <a:schemeClr val="accent1"/>
+          </a:fillRef>
+          <a:effectRef idx="0">
+            <a:schemeClr val="accent1"/>
+          </a:effectRef>
+          <a:fontRef idx="minor">
+            <a:schemeClr val="lt1"/>
+          </a:fontRef>
+        </p:style>
+        <p:txBody>
+          <a:bodyPr rtlCol="0" anchor="ctr"/>
+          <a:lstStyle/>
+          <a:p>
+            <a:pPr algn="ctr"/>
+            <a:r>
+              <a:rPr lang="en-GB" dirty="0"/>
+              <a:t>Docker Container</a:t>
+            </a:r>
+          </a:p>
+        </p:txBody>
+      </p:sp>
+      <p:sp>
+        <p:nvSpPr>
+          <p:cNvPr id="8" name="Striped Right Arrow 7">
+            <a:extLst>
+              <a:ext uri="{FF2B5EF4-FFF2-40B4-BE49-F238E27FC236}">
+                <a16:creationId xmlns:a16="http://schemas.microsoft.com/office/drawing/2014/main" id="{E8D03A01-CB89-4144-8500-D3D480DFE156}"/>
+              </a:ext>
+            </a:extLst>
+          </p:cNvPr>
+          <p:cNvSpPr/>
+          <p:nvPr/>
+        </p:nvSpPr>
+        <p:spPr>
+          <a:xfrm rot="2006652">
+            <a:off x="5249876" y="1919334"/>
+            <a:ext cx="1367073" cy="595265"/>
+          </a:xfrm>
+          <a:prstGeom prst="stripedRightArrow">
+            <a:avLst/>
+          </a:prstGeom>
+          <a:solidFill>
+            <a:schemeClr val="accent3">
+              <a:lumMod val="60000"/>
+              <a:lumOff val="40000"/>
+            </a:schemeClr>
+          </a:solidFill>
+          <a:ln>
+            <a:solidFill>
+              <a:schemeClr val="tx1">
+                <a:lumMod val="75000"/>
+                <a:lumOff val="25000"/>
+              </a:schemeClr>
+            </a:solidFill>
+          </a:ln>
+        </p:spPr>
+        <p:style>
+          <a:lnRef idx="2">
+            <a:schemeClr val="accent1">
+              <a:shade val="50000"/>
+            </a:schemeClr>
+          </a:lnRef>
+          <a:fillRef idx="1">
+            <a:schemeClr val="accent1"/>
+          </a:fillRef>
+          <a:effectRef idx="0">
+            <a:schemeClr val="accent1"/>
+          </a:effectRef>
+          <a:fontRef idx="minor">
+            <a:schemeClr val="lt1"/>
+          </a:fontRef>
+        </p:style>
+        <p:txBody>
+          <a:bodyPr rtlCol="0" anchor="ctr"/>
+          <a:lstStyle/>
+          <a:p>
+            <a:pPr algn="ctr"/>
+            <a:endParaRPr lang="en-GB"/>
+          </a:p>
+        </p:txBody>
+      </p:sp>
+      <p:sp>
+        <p:nvSpPr>
+          <p:cNvPr id="9" name="Striped Right Arrow 8">
+            <a:extLst>
+              <a:ext uri="{FF2B5EF4-FFF2-40B4-BE49-F238E27FC236}">
+                <a16:creationId xmlns:a16="http://schemas.microsoft.com/office/drawing/2014/main" id="{96649629-4BAA-7B4D-A324-F5A59EE3DD3E}"/>
+              </a:ext>
+            </a:extLst>
+          </p:cNvPr>
+          <p:cNvSpPr/>
+          <p:nvPr/>
+        </p:nvSpPr>
+        <p:spPr>
+          <a:xfrm>
+            <a:off x="4696860" y="3109111"/>
+            <a:ext cx="1367073" cy="595265"/>
+          </a:xfrm>
+          <a:prstGeom prst="stripedRightArrow">
+            <a:avLst/>
+          </a:prstGeom>
+          <a:solidFill>
+            <a:schemeClr val="accent3">
+              <a:lumMod val="60000"/>
+              <a:lumOff val="40000"/>
+            </a:schemeClr>
+          </a:solidFill>
+          <a:ln>
+            <a:solidFill>
+              <a:schemeClr val="tx1">
+                <a:lumMod val="75000"/>
+                <a:lumOff val="25000"/>
+              </a:schemeClr>
+            </a:solidFill>
+          </a:ln>
+        </p:spPr>
+        <p:style>
+          <a:lnRef idx="2">
+            <a:schemeClr val="accent1">
+              <a:shade val="50000"/>
+            </a:schemeClr>
+          </a:lnRef>
+          <a:fillRef idx="1">
+            <a:schemeClr val="accent1"/>
+          </a:fillRef>
+          <a:effectRef idx="0">
+            <a:schemeClr val="accent1"/>
+          </a:effectRef>
+          <a:fontRef idx="minor">
+            <a:schemeClr val="lt1"/>
+          </a:fontRef>
+        </p:style>
+        <p:txBody>
+          <a:bodyPr rtlCol="0" anchor="ctr"/>
+          <a:lstStyle/>
+          <a:p>
+            <a:pPr algn="ctr"/>
+            <a:endParaRPr lang="en-GB"/>
+          </a:p>
+        </p:txBody>
+      </p:sp>
+      <p:sp>
+        <p:nvSpPr>
+          <p:cNvPr id="10" name="Striped Right Arrow 9">
+            <a:extLst>
+              <a:ext uri="{FF2B5EF4-FFF2-40B4-BE49-F238E27FC236}">
+                <a16:creationId xmlns:a16="http://schemas.microsoft.com/office/drawing/2014/main" id="{29C76671-696B-8C4E-8562-5DDA25AC17A1}"/>
+              </a:ext>
+            </a:extLst>
+          </p:cNvPr>
+          <p:cNvSpPr/>
+          <p:nvPr/>
+        </p:nvSpPr>
+        <p:spPr>
+          <a:xfrm rot="20054453">
+            <a:off x="5096974" y="4518840"/>
+            <a:ext cx="1367073" cy="595265"/>
+          </a:xfrm>
+          <a:prstGeom prst="stripedRightArrow">
+            <a:avLst/>
+          </a:prstGeom>
+          <a:solidFill>
+            <a:schemeClr val="accent3">
+              <a:lumMod val="60000"/>
+              <a:lumOff val="40000"/>
+            </a:schemeClr>
+          </a:solidFill>
+          <a:ln>
+            <a:solidFill>
+              <a:schemeClr val="tx1">
+                <a:lumMod val="75000"/>
+                <a:lumOff val="25000"/>
+              </a:schemeClr>
+            </a:solidFill>
+          </a:ln>
+        </p:spPr>
+        <p:style>
+          <a:lnRef idx="2">
+            <a:schemeClr val="accent1">
+              <a:shade val="50000"/>
+            </a:schemeClr>
+          </a:lnRef>
+          <a:fillRef idx="1">
+            <a:schemeClr val="accent1"/>
+          </a:fillRef>
+          <a:effectRef idx="0">
+            <a:schemeClr val="accent1"/>
+          </a:effectRef>
+          <a:fontRef idx="minor">
+            <a:schemeClr val="lt1"/>
+          </a:fontRef>
+        </p:style>
+        <p:txBody>
+          <a:bodyPr rtlCol="0" anchor="ctr"/>
+          <a:lstStyle/>
+          <a:p>
+            <a:pPr algn="ctr"/>
+            <a:endParaRPr lang="en-GB"/>
+          </a:p>
+        </p:txBody>
+      </p:sp>
+      <p:pic>
+        <p:nvPicPr>
+          <p:cNvPr id="1028" name="Picture 4" descr="How To Make A Executable File From Your Java Code | by Sulabh ...">
+            <a:extLst>
+              <a:ext uri="{FF2B5EF4-FFF2-40B4-BE49-F238E27FC236}">
+                <a16:creationId xmlns:a16="http://schemas.microsoft.com/office/drawing/2014/main" id="{0FEF15F0-1032-CD45-B300-9D8C58EAD0C6}"/>
+              </a:ext>
+            </a:extLst>
+          </p:cNvPr>
+          <p:cNvPicPr>
+            <a:picLocks noChangeAspect="1" noChangeArrowheads="1"/>
+          </p:cNvPicPr>
+          <p:nvPr/>
+        </p:nvPicPr>
+        <p:blipFill>
+          <a:blip r:embed="rId2">
+            <a:extLst>
+              <a:ext uri="{28A0092B-C50C-407E-A947-70E740481C1C}">
+                <a14:useLocalDpi xmlns:a14="http://schemas.microsoft.com/office/drawing/2010/main" val="0"/>
+              </a:ext>
+            </a:extLst>
+          </a:blip>
+          <a:srcRect/>
+          <a:stretch>
+            <a:fillRect/>
+          </a:stretch>
+        </p:blipFill>
+        <p:spPr bwMode="auto">
+          <a:xfrm>
+            <a:off x="1342733" y="767815"/>
+            <a:ext cx="894032" cy="536419"/>
+          </a:xfrm>
+          <a:prstGeom prst="rect">
+            <a:avLst/>
+          </a:prstGeom>
+          <a:noFill/>
+          <a:extLst>
+            <a:ext uri="{909E8E84-426E-40DD-AFC4-6F175D3DCCD1}">
+              <a14:hiddenFill xmlns:a14="http://schemas.microsoft.com/office/drawing/2010/main">
+                <a:solidFill>
+                  <a:srgbClr val="FFFFFF"/>
+                </a:solidFill>
+              </a14:hiddenFill>
+            </a:ext>
+          </a:extLst>
+        </p:spPr>
+      </p:pic>
+      <p:pic>
+        <p:nvPicPr>
+          <p:cNvPr id="1030" name="Picture 6" descr="What does the Python logo stand for? - Quora">
+            <a:extLst>
+              <a:ext uri="{FF2B5EF4-FFF2-40B4-BE49-F238E27FC236}">
+                <a16:creationId xmlns:a16="http://schemas.microsoft.com/office/drawing/2014/main" id="{DAF795F1-8F3A-2248-88A4-387D111E6C40}"/>
+              </a:ext>
+            </a:extLst>
+          </p:cNvPr>
+          <p:cNvPicPr>
+            <a:picLocks noChangeAspect="1" noChangeArrowheads="1"/>
+          </p:cNvPicPr>
+          <p:nvPr/>
+        </p:nvPicPr>
+        <p:blipFill>
+          <a:blip r:embed="rId3">
+            <a:extLst>
+              <a:ext uri="{28A0092B-C50C-407E-A947-70E740481C1C}">
+                <a14:useLocalDpi xmlns:a14="http://schemas.microsoft.com/office/drawing/2010/main" val="0"/>
+              </a:ext>
+            </a:extLst>
+          </a:blip>
+          <a:srcRect/>
+          <a:stretch>
+            <a:fillRect/>
+          </a:stretch>
+        </p:blipFill>
+        <p:spPr bwMode="auto">
+          <a:xfrm>
+            <a:off x="2446726" y="767815"/>
+            <a:ext cx="559640" cy="536420"/>
+          </a:xfrm>
+          <a:prstGeom prst="rect">
+            <a:avLst/>
+          </a:prstGeom>
+          <a:noFill/>
+          <a:extLst>
+            <a:ext uri="{909E8E84-426E-40DD-AFC4-6F175D3DCCD1}">
+              <a14:hiddenFill xmlns:a14="http://schemas.microsoft.com/office/drawing/2010/main">
+                <a:solidFill>
+                  <a:srgbClr val="FFFFFF"/>
+                </a:solidFill>
+              </a14:hiddenFill>
+            </a:ext>
+          </a:extLst>
+        </p:spPr>
+      </p:pic>
+      <p:pic>
+        <p:nvPicPr>
+          <p:cNvPr id="1034" name="Picture 10" descr="How Golang is thriving in the software industry - NewGenApps">
+            <a:extLst>
+              <a:ext uri="{FF2B5EF4-FFF2-40B4-BE49-F238E27FC236}">
+                <a16:creationId xmlns:a16="http://schemas.microsoft.com/office/drawing/2014/main" id="{92AC75BB-F757-FA48-95CA-9EE934EDAA1B}"/>
+              </a:ext>
+            </a:extLst>
+          </p:cNvPr>
+          <p:cNvPicPr>
+            <a:picLocks noChangeAspect="1" noChangeArrowheads="1"/>
+          </p:cNvPicPr>
+          <p:nvPr/>
+        </p:nvPicPr>
+        <p:blipFill>
+          <a:blip r:embed="rId4">
+            <a:extLst>
+              <a:ext uri="{28A0092B-C50C-407E-A947-70E740481C1C}">
+                <a14:useLocalDpi xmlns:a14="http://schemas.microsoft.com/office/drawing/2010/main" val="0"/>
+              </a:ext>
+            </a:extLst>
+          </a:blip>
+          <a:srcRect/>
+          <a:stretch>
+            <a:fillRect/>
+          </a:stretch>
+        </p:blipFill>
+        <p:spPr bwMode="auto">
+          <a:xfrm>
+            <a:off x="2251287" y="1456539"/>
+            <a:ext cx="665052" cy="443368"/>
+          </a:xfrm>
+          <a:prstGeom prst="rect">
+            <a:avLst/>
+          </a:prstGeom>
+          <a:noFill/>
+          <a:extLst>
+            <a:ext uri="{909E8E84-426E-40DD-AFC4-6F175D3DCCD1}">
+              <a14:hiddenFill xmlns:a14="http://schemas.microsoft.com/office/drawing/2010/main">
+                <a:solidFill>
+                  <a:srgbClr val="FFFFFF"/>
+                </a:solidFill>
+              </a14:hiddenFill>
+            </a:ext>
+          </a:extLst>
+        </p:spPr>
+      </p:pic>
+      <p:pic>
+        <p:nvPicPr>
+          <p:cNvPr id="14" name="Picture 13">
+            <a:extLst>
+              <a:ext uri="{FF2B5EF4-FFF2-40B4-BE49-F238E27FC236}">
+                <a16:creationId xmlns:a16="http://schemas.microsoft.com/office/drawing/2014/main" id="{F8E80C94-FAC0-EA44-A1EA-118513856665}"/>
+              </a:ext>
+            </a:extLst>
+          </p:cNvPr>
+          <p:cNvPicPr>
+            <a:picLocks noChangeAspect="1"/>
+          </p:cNvPicPr>
+          <p:nvPr/>
+        </p:nvPicPr>
+        <p:blipFill>
+          <a:blip r:embed="rId5"/>
+          <a:stretch>
+            <a:fillRect/>
+          </a:stretch>
+        </p:blipFill>
+        <p:spPr>
+          <a:xfrm>
+            <a:off x="1537913" y="1542861"/>
+            <a:ext cx="503673" cy="270724"/>
+          </a:xfrm>
+          <a:prstGeom prst="rect">
+            <a:avLst/>
+          </a:prstGeom>
+        </p:spPr>
+      </p:pic>
     </p:spTree>
     <p:extLst>
       <p:ext uri="{BB962C8B-B14F-4D97-AF65-F5344CB8AC3E}">
-        <p14:creationId xmlns:p14="http://schemas.microsoft.com/office/powerpoint/2010/main" val="4241618355"/>
+        <p14:creationId xmlns:p14="http://schemas.microsoft.com/office/powerpoint/2010/main" val="972996793"/>
+      </p:ext>
+    </p:extLst>
+  </p:cSld>
+  <p:clrMapOvr>
+    <a:masterClrMapping/>
+  </p:clrMapOvr>
+</p:sld>
+</file>
+
+<file path=ppt/slides/slide2.xml><?xml version="1.0" encoding="utf-8"?>
+<p:sld xmlns:a="http://schemas.openxmlformats.org/drawingml/2006/main" xmlns:r="http://schemas.openxmlformats.org/officeDocument/2006/relationships" xmlns:p="http://schemas.openxmlformats.org/presentationml/2006/main">
+  <p:cSld>
+    <p:spTree>
+      <p:nvGrpSpPr>
+        <p:cNvPr id="1" name=""/>
+        <p:cNvGrpSpPr/>
+        <p:nvPr/>
+      </p:nvGrpSpPr>
+      <p:grpSpPr>
+        <a:xfrm>
+          <a:off x="0" y="0"/>
+          <a:ext cx="0" cy="0"/>
+          <a:chOff x="0" y="0"/>
+          <a:chExt cx="0" cy="0"/>
+        </a:xfrm>
+      </p:grpSpPr>
+      <p:sp>
+        <p:nvSpPr>
+          <p:cNvPr id="4" name="Rectangle 3">
+            <a:extLst>
+              <a:ext uri="{FF2B5EF4-FFF2-40B4-BE49-F238E27FC236}">
+                <a16:creationId xmlns:a16="http://schemas.microsoft.com/office/drawing/2014/main" id="{905DDCBA-A257-DF43-9605-C4CFB4B9C67F}"/>
+              </a:ext>
+            </a:extLst>
+          </p:cNvPr>
+          <p:cNvSpPr/>
+          <p:nvPr/>
+        </p:nvSpPr>
+        <p:spPr>
+          <a:xfrm>
+            <a:off x="613369" y="1586620"/>
+            <a:ext cx="3079687" cy="4062742"/>
+          </a:xfrm>
+          <a:prstGeom prst="rect">
+            <a:avLst/>
+          </a:prstGeom>
+          <a:solidFill>
+            <a:schemeClr val="tx2">
+              <a:lumMod val="40000"/>
+              <a:lumOff val="60000"/>
+            </a:schemeClr>
+          </a:solidFill>
+          <a:ln>
+            <a:solidFill>
+              <a:schemeClr val="tx1">
+                <a:lumMod val="75000"/>
+                <a:lumOff val="25000"/>
+              </a:schemeClr>
+            </a:solidFill>
+          </a:ln>
+        </p:spPr>
+        <p:style>
+          <a:lnRef idx="2">
+            <a:schemeClr val="accent1">
+              <a:shade val="50000"/>
+            </a:schemeClr>
+          </a:lnRef>
+          <a:fillRef idx="1">
+            <a:schemeClr val="accent1"/>
+          </a:fillRef>
+          <a:effectRef idx="0">
+            <a:schemeClr val="accent1"/>
+          </a:effectRef>
+          <a:fontRef idx="minor">
+            <a:schemeClr val="lt1"/>
+          </a:fontRef>
+        </p:style>
+        <p:txBody>
+          <a:bodyPr rtlCol="0" anchor="ctr"/>
+          <a:lstStyle/>
+          <a:p>
+            <a:pPr algn="ctr"/>
+            <a:r>
+              <a:rPr lang="en-GB" dirty="0">
+                <a:solidFill>
+                  <a:schemeClr val="tx1">
+                    <a:lumMod val="75000"/>
+                    <a:lumOff val="25000"/>
+                  </a:schemeClr>
+                </a:solidFill>
+              </a:rPr>
+              <a:t>Docker File</a:t>
+            </a:r>
+          </a:p>
+        </p:txBody>
+      </p:sp>
+      <p:sp>
+        <p:nvSpPr>
+          <p:cNvPr id="5" name="Rectangle 4">
+            <a:extLst>
+              <a:ext uri="{FF2B5EF4-FFF2-40B4-BE49-F238E27FC236}">
+                <a16:creationId xmlns:a16="http://schemas.microsoft.com/office/drawing/2014/main" id="{75D68286-4AB6-2444-A4AD-E23F4EA139B6}"/>
+              </a:ext>
+            </a:extLst>
+          </p:cNvPr>
+          <p:cNvSpPr/>
+          <p:nvPr/>
+        </p:nvSpPr>
+        <p:spPr>
+          <a:xfrm>
+            <a:off x="4654232" y="1586619"/>
+            <a:ext cx="3079687" cy="4062742"/>
+          </a:xfrm>
+          <a:prstGeom prst="rect">
+            <a:avLst/>
+          </a:prstGeom>
+          <a:solidFill>
+            <a:schemeClr val="tx2">
+              <a:lumMod val="60000"/>
+              <a:lumOff val="40000"/>
+            </a:schemeClr>
+          </a:solidFill>
+          <a:ln>
+            <a:solidFill>
+              <a:schemeClr val="tx1">
+                <a:lumMod val="75000"/>
+                <a:lumOff val="25000"/>
+              </a:schemeClr>
+            </a:solidFill>
+          </a:ln>
+        </p:spPr>
+        <p:style>
+          <a:lnRef idx="2">
+            <a:schemeClr val="accent1">
+              <a:shade val="50000"/>
+            </a:schemeClr>
+          </a:lnRef>
+          <a:fillRef idx="1">
+            <a:schemeClr val="accent1"/>
+          </a:fillRef>
+          <a:effectRef idx="0">
+            <a:schemeClr val="accent1"/>
+          </a:effectRef>
+          <a:fontRef idx="minor">
+            <a:schemeClr val="lt1"/>
+          </a:fontRef>
+        </p:style>
+        <p:txBody>
+          <a:bodyPr rtlCol="0" anchor="ctr"/>
+          <a:lstStyle/>
+          <a:p>
+            <a:pPr algn="ctr"/>
+            <a:r>
+              <a:rPr lang="en-GB" dirty="0">
+                <a:solidFill>
+                  <a:schemeClr val="tx1">
+                    <a:lumMod val="75000"/>
+                    <a:lumOff val="25000"/>
+                  </a:schemeClr>
+                </a:solidFill>
+              </a:rPr>
+              <a:t>Docker Container</a:t>
+            </a:r>
+          </a:p>
+        </p:txBody>
+      </p:sp>
+      <p:sp>
+        <p:nvSpPr>
+          <p:cNvPr id="6" name="Rectangle 5">
+            <a:extLst>
+              <a:ext uri="{FF2B5EF4-FFF2-40B4-BE49-F238E27FC236}">
+                <a16:creationId xmlns:a16="http://schemas.microsoft.com/office/drawing/2014/main" id="{A282A700-591D-9843-932A-4BC2C9611216}"/>
+              </a:ext>
+            </a:extLst>
+          </p:cNvPr>
+          <p:cNvSpPr/>
+          <p:nvPr/>
+        </p:nvSpPr>
+        <p:spPr>
+          <a:xfrm>
+            <a:off x="8695094" y="1586618"/>
+            <a:ext cx="3079687" cy="4062742"/>
+          </a:xfrm>
+          <a:prstGeom prst="rect">
+            <a:avLst/>
+          </a:prstGeom>
+          <a:solidFill>
+            <a:schemeClr val="tx2">
+              <a:lumMod val="75000"/>
+            </a:schemeClr>
+          </a:solidFill>
+          <a:ln>
+            <a:solidFill>
+              <a:schemeClr val="tx1">
+                <a:lumMod val="75000"/>
+                <a:lumOff val="25000"/>
+              </a:schemeClr>
+            </a:solidFill>
+          </a:ln>
+        </p:spPr>
+        <p:style>
+          <a:lnRef idx="2">
+            <a:schemeClr val="accent1">
+              <a:shade val="50000"/>
+            </a:schemeClr>
+          </a:lnRef>
+          <a:fillRef idx="1">
+            <a:schemeClr val="accent1"/>
+          </a:fillRef>
+          <a:effectRef idx="0">
+            <a:schemeClr val="accent1"/>
+          </a:effectRef>
+          <a:fontRef idx="minor">
+            <a:schemeClr val="lt1"/>
+          </a:fontRef>
+        </p:style>
+        <p:txBody>
+          <a:bodyPr rtlCol="0" anchor="ctr"/>
+          <a:lstStyle/>
+          <a:p>
+            <a:pPr algn="ctr"/>
+            <a:r>
+              <a:rPr lang="en-GB" dirty="0"/>
+              <a:t>Docker Container</a:t>
+            </a:r>
+          </a:p>
+        </p:txBody>
+      </p:sp>
+      <p:sp>
+        <p:nvSpPr>
+          <p:cNvPr id="9" name="Striped Right Arrow 8">
+            <a:extLst>
+              <a:ext uri="{FF2B5EF4-FFF2-40B4-BE49-F238E27FC236}">
+                <a16:creationId xmlns:a16="http://schemas.microsoft.com/office/drawing/2014/main" id="{A9654879-FA68-444C-935E-62A0FB39EB2E}"/>
+              </a:ext>
+            </a:extLst>
+          </p:cNvPr>
+          <p:cNvSpPr/>
+          <p:nvPr/>
+        </p:nvSpPr>
+        <p:spPr>
+          <a:xfrm>
+            <a:off x="2676601" y="4627452"/>
+            <a:ext cx="2994086" cy="595265"/>
+          </a:xfrm>
+          <a:prstGeom prst="stripedRightArrow">
+            <a:avLst/>
+          </a:prstGeom>
+          <a:solidFill>
+            <a:schemeClr val="accent3">
+              <a:lumMod val="60000"/>
+              <a:lumOff val="40000"/>
+            </a:schemeClr>
+          </a:solidFill>
+          <a:ln>
+            <a:solidFill>
+              <a:schemeClr val="tx1">
+                <a:lumMod val="75000"/>
+                <a:lumOff val="25000"/>
+              </a:schemeClr>
+            </a:solidFill>
+          </a:ln>
+        </p:spPr>
+        <p:style>
+          <a:lnRef idx="2">
+            <a:schemeClr val="accent1">
+              <a:shade val="50000"/>
+            </a:schemeClr>
+          </a:lnRef>
+          <a:fillRef idx="1">
+            <a:schemeClr val="accent1"/>
+          </a:fillRef>
+          <a:effectRef idx="0">
+            <a:schemeClr val="accent1"/>
+          </a:effectRef>
+          <a:fontRef idx="minor">
+            <a:schemeClr val="lt1"/>
+          </a:fontRef>
+        </p:style>
+        <p:txBody>
+          <a:bodyPr rtlCol="0" anchor="ctr"/>
+          <a:lstStyle/>
+          <a:p>
+            <a:pPr algn="ctr"/>
+            <a:r>
+              <a:rPr lang="en-GB" dirty="0">
+                <a:solidFill>
+                  <a:schemeClr val="tx1">
+                    <a:lumMod val="75000"/>
+                    <a:lumOff val="25000"/>
+                  </a:schemeClr>
+                </a:solidFill>
+                <a:latin typeface="Courier New" panose="02070309020205020404" pitchFamily="49" charset="0"/>
+                <a:cs typeface="Courier New" panose="02070309020205020404" pitchFamily="49" charset="0"/>
+              </a:rPr>
+              <a:t>docker build …</a:t>
+            </a:r>
+          </a:p>
+        </p:txBody>
+      </p:sp>
+      <p:sp>
+        <p:nvSpPr>
+          <p:cNvPr id="10" name="Striped Right Arrow 9">
+            <a:extLst>
+              <a:ext uri="{FF2B5EF4-FFF2-40B4-BE49-F238E27FC236}">
+                <a16:creationId xmlns:a16="http://schemas.microsoft.com/office/drawing/2014/main" id="{19C34611-AEC8-F241-B1E9-14C0DCC956E3}"/>
+              </a:ext>
+            </a:extLst>
+          </p:cNvPr>
+          <p:cNvSpPr/>
+          <p:nvPr/>
+        </p:nvSpPr>
+        <p:spPr>
+          <a:xfrm>
+            <a:off x="6631862" y="4627452"/>
+            <a:ext cx="2994086" cy="595265"/>
+          </a:xfrm>
+          <a:prstGeom prst="stripedRightArrow">
+            <a:avLst/>
+          </a:prstGeom>
+          <a:solidFill>
+            <a:schemeClr val="accent3">
+              <a:lumMod val="60000"/>
+              <a:lumOff val="40000"/>
+            </a:schemeClr>
+          </a:solidFill>
+          <a:ln>
+            <a:solidFill>
+              <a:schemeClr val="tx1">
+                <a:lumMod val="75000"/>
+                <a:lumOff val="25000"/>
+              </a:schemeClr>
+            </a:solidFill>
+          </a:ln>
+        </p:spPr>
+        <p:style>
+          <a:lnRef idx="2">
+            <a:schemeClr val="accent1">
+              <a:shade val="50000"/>
+            </a:schemeClr>
+          </a:lnRef>
+          <a:fillRef idx="1">
+            <a:schemeClr val="accent1"/>
+          </a:fillRef>
+          <a:effectRef idx="0">
+            <a:schemeClr val="accent1"/>
+          </a:effectRef>
+          <a:fontRef idx="minor">
+            <a:schemeClr val="lt1"/>
+          </a:fontRef>
+        </p:style>
+        <p:txBody>
+          <a:bodyPr rtlCol="0" anchor="ctr"/>
+          <a:lstStyle/>
+          <a:p>
+            <a:pPr algn="ctr"/>
+            <a:r>
+              <a:rPr lang="en-GB" dirty="0">
+                <a:solidFill>
+                  <a:schemeClr val="tx1">
+                    <a:lumMod val="75000"/>
+                    <a:lumOff val="25000"/>
+                  </a:schemeClr>
+                </a:solidFill>
+                <a:latin typeface="Courier New" panose="02070309020205020404" pitchFamily="49" charset="0"/>
+                <a:cs typeface="Courier New" panose="02070309020205020404" pitchFamily="49" charset="0"/>
+              </a:rPr>
+              <a:t>docker run …</a:t>
+            </a:r>
+          </a:p>
+        </p:txBody>
+      </p:sp>
+    </p:spTree>
+    <p:extLst>
+      <p:ext uri="{BB962C8B-B14F-4D97-AF65-F5344CB8AC3E}">
+        <p14:creationId xmlns:p14="http://schemas.microsoft.com/office/powerpoint/2010/main" val="3283215940"/>
+      </p:ext>
+    </p:extLst>
+  </p:cSld>
+  <p:clrMapOvr>
+    <a:masterClrMapping/>
+  </p:clrMapOvr>
+</p:sld>
+</file>
+
+<file path=ppt/slides/slide3.xml><?xml version="1.0" encoding="utf-8"?>
+<p:sld xmlns:a="http://schemas.openxmlformats.org/drawingml/2006/main" xmlns:r="http://schemas.openxmlformats.org/officeDocument/2006/relationships" xmlns:p="http://schemas.openxmlformats.org/presentationml/2006/main">
+  <p:cSld>
+    <p:spTree>
+      <p:nvGrpSpPr>
+        <p:cNvPr id="1" name=""/>
+        <p:cNvGrpSpPr/>
+        <p:nvPr/>
+      </p:nvGrpSpPr>
+      <p:grpSpPr>
+        <a:xfrm>
+          <a:off x="0" y="0"/>
+          <a:ext cx="0" cy="0"/>
+          <a:chOff x="0" y="0"/>
+          <a:chExt cx="0" cy="0"/>
+        </a:xfrm>
+      </p:grpSpPr>
+      <p:cxnSp>
+        <p:nvCxnSpPr>
+          <p:cNvPr id="26" name="Straight Connector 25">
+            <a:extLst>
+              <a:ext uri="{FF2B5EF4-FFF2-40B4-BE49-F238E27FC236}">
+                <a16:creationId xmlns:a16="http://schemas.microsoft.com/office/drawing/2014/main" id="{B4E63344-BAA0-C448-BB6D-3BE0EC00AE19}"/>
+              </a:ext>
+            </a:extLst>
+          </p:cNvPr>
+          <p:cNvCxnSpPr>
+            <a:cxnSpLocks/>
+          </p:cNvCxnSpPr>
+          <p:nvPr/>
+        </p:nvCxnSpPr>
+        <p:spPr>
+          <a:xfrm>
+            <a:off x="4670607" y="430306"/>
+            <a:ext cx="0" cy="6194612"/>
+          </a:xfrm>
+          <a:prstGeom prst="line">
+            <a:avLst/>
+          </a:prstGeom>
+          <a:ln>
+            <a:solidFill>
+              <a:schemeClr val="tx1">
+                <a:lumMod val="75000"/>
+                <a:lumOff val="25000"/>
+              </a:schemeClr>
+            </a:solidFill>
+            <a:prstDash val="dash"/>
+          </a:ln>
+        </p:spPr>
+        <p:style>
+          <a:lnRef idx="1">
+            <a:schemeClr val="accent1"/>
+          </a:lnRef>
+          <a:fillRef idx="0">
+            <a:schemeClr val="accent1"/>
+          </a:fillRef>
+          <a:effectRef idx="0">
+            <a:schemeClr val="accent1"/>
+          </a:effectRef>
+          <a:fontRef idx="minor">
+            <a:schemeClr val="tx1"/>
+          </a:fontRef>
+        </p:style>
+      </p:cxnSp>
+      <p:cxnSp>
+        <p:nvCxnSpPr>
+          <p:cNvPr id="37" name="Straight Connector 36">
+            <a:extLst>
+              <a:ext uri="{FF2B5EF4-FFF2-40B4-BE49-F238E27FC236}">
+                <a16:creationId xmlns:a16="http://schemas.microsoft.com/office/drawing/2014/main" id="{48F03F53-3104-2747-AD2E-DABC40F907E5}"/>
+              </a:ext>
+            </a:extLst>
+          </p:cNvPr>
+          <p:cNvCxnSpPr>
+            <a:cxnSpLocks/>
+          </p:cNvCxnSpPr>
+          <p:nvPr/>
+        </p:nvCxnSpPr>
+        <p:spPr>
+          <a:xfrm>
+            <a:off x="8889245" y="430306"/>
+            <a:ext cx="0" cy="6194612"/>
+          </a:xfrm>
+          <a:prstGeom prst="line">
+            <a:avLst/>
+          </a:prstGeom>
+          <a:ln>
+            <a:solidFill>
+              <a:schemeClr val="tx1">
+                <a:lumMod val="75000"/>
+                <a:lumOff val="25000"/>
+              </a:schemeClr>
+            </a:solidFill>
+            <a:prstDash val="dash"/>
+          </a:ln>
+        </p:spPr>
+        <p:style>
+          <a:lnRef idx="1">
+            <a:schemeClr val="accent1"/>
+          </a:lnRef>
+          <a:fillRef idx="0">
+            <a:schemeClr val="accent1"/>
+          </a:fillRef>
+          <a:effectRef idx="0">
+            <a:schemeClr val="accent1"/>
+          </a:effectRef>
+          <a:fontRef idx="minor">
+            <a:schemeClr val="tx1"/>
+          </a:fontRef>
+        </p:style>
+      </p:cxnSp>
+      <p:sp>
+        <p:nvSpPr>
+          <p:cNvPr id="4" name="Rectangle 3">
+            <a:extLst>
+              <a:ext uri="{FF2B5EF4-FFF2-40B4-BE49-F238E27FC236}">
+                <a16:creationId xmlns:a16="http://schemas.microsoft.com/office/drawing/2014/main" id="{D7EED4F8-254C-6E49-8F0D-2FFD1334D45B}"/>
+              </a:ext>
+            </a:extLst>
+          </p:cNvPr>
+          <p:cNvSpPr/>
+          <p:nvPr/>
+        </p:nvSpPr>
+        <p:spPr>
+          <a:xfrm>
+            <a:off x="9044302" y="1337023"/>
+            <a:ext cx="1800000" cy="446314"/>
+          </a:xfrm>
+          <a:prstGeom prst="rect">
+            <a:avLst/>
+          </a:prstGeom>
+          <a:solidFill>
+            <a:schemeClr val="accent6">
+              <a:lumMod val="75000"/>
+            </a:schemeClr>
+          </a:solidFill>
+        </p:spPr>
+        <p:style>
+          <a:lnRef idx="2">
+            <a:schemeClr val="accent1">
+              <a:shade val="50000"/>
+            </a:schemeClr>
+          </a:lnRef>
+          <a:fillRef idx="1">
+            <a:schemeClr val="accent1"/>
+          </a:fillRef>
+          <a:effectRef idx="0">
+            <a:schemeClr val="accent1"/>
+          </a:effectRef>
+          <a:fontRef idx="minor">
+            <a:schemeClr val="lt1"/>
+          </a:fontRef>
+        </p:style>
+        <p:txBody>
+          <a:bodyPr rtlCol="0" anchor="ctr"/>
+          <a:lstStyle/>
+          <a:p>
+            <a:pPr algn="ctr"/>
+            <a:endParaRPr lang="en-GB"/>
+          </a:p>
+        </p:txBody>
+      </p:sp>
+      <p:sp>
+        <p:nvSpPr>
+          <p:cNvPr id="5" name="Rectangle 4">
+            <a:extLst>
+              <a:ext uri="{FF2B5EF4-FFF2-40B4-BE49-F238E27FC236}">
+                <a16:creationId xmlns:a16="http://schemas.microsoft.com/office/drawing/2014/main" id="{03698F7D-B159-804D-89CF-FDF6E9737634}"/>
+              </a:ext>
+            </a:extLst>
+          </p:cNvPr>
+          <p:cNvSpPr/>
+          <p:nvPr/>
+        </p:nvSpPr>
+        <p:spPr>
+          <a:xfrm>
+            <a:off x="4814039" y="2657954"/>
+            <a:ext cx="1800000" cy="446314"/>
+          </a:xfrm>
+          <a:prstGeom prst="rect">
+            <a:avLst/>
+          </a:prstGeom>
+          <a:solidFill>
+            <a:schemeClr val="accent5">
+              <a:lumMod val="75000"/>
+            </a:schemeClr>
+          </a:solidFill>
+        </p:spPr>
+        <p:style>
+          <a:lnRef idx="2">
+            <a:schemeClr val="accent1">
+              <a:shade val="50000"/>
+            </a:schemeClr>
+          </a:lnRef>
+          <a:fillRef idx="1">
+            <a:schemeClr val="accent1"/>
+          </a:fillRef>
+          <a:effectRef idx="0">
+            <a:schemeClr val="accent1"/>
+          </a:effectRef>
+          <a:fontRef idx="minor">
+            <a:schemeClr val="lt1"/>
+          </a:fontRef>
+        </p:style>
+        <p:txBody>
+          <a:bodyPr rtlCol="0" anchor="ctr"/>
+          <a:lstStyle/>
+          <a:p>
+            <a:pPr algn="ctr"/>
+            <a:endParaRPr lang="en-GB"/>
+          </a:p>
+        </p:txBody>
+      </p:sp>
+      <p:sp>
+        <p:nvSpPr>
+          <p:cNvPr id="6" name="Rectangle 5">
+            <a:extLst>
+              <a:ext uri="{FF2B5EF4-FFF2-40B4-BE49-F238E27FC236}">
+                <a16:creationId xmlns:a16="http://schemas.microsoft.com/office/drawing/2014/main" id="{59B9917D-3002-3541-8D0A-59761E90FCC6}"/>
+              </a:ext>
+            </a:extLst>
+          </p:cNvPr>
+          <p:cNvSpPr/>
+          <p:nvPr/>
+        </p:nvSpPr>
+        <p:spPr>
+          <a:xfrm>
+            <a:off x="6934187" y="2657954"/>
+            <a:ext cx="1800000" cy="446314"/>
+          </a:xfrm>
+          <a:prstGeom prst="rect">
+            <a:avLst/>
+          </a:prstGeom>
+          <a:solidFill>
+            <a:schemeClr val="accent6">
+              <a:lumMod val="75000"/>
+            </a:schemeClr>
+          </a:solidFill>
+        </p:spPr>
+        <p:style>
+          <a:lnRef idx="2">
+            <a:schemeClr val="accent1">
+              <a:shade val="50000"/>
+            </a:schemeClr>
+          </a:lnRef>
+          <a:fillRef idx="1">
+            <a:schemeClr val="accent1"/>
+          </a:fillRef>
+          <a:effectRef idx="0">
+            <a:schemeClr val="accent1"/>
+          </a:effectRef>
+          <a:fontRef idx="minor">
+            <a:schemeClr val="lt1"/>
+          </a:fontRef>
+        </p:style>
+        <p:txBody>
+          <a:bodyPr rtlCol="0" anchor="ctr"/>
+          <a:lstStyle/>
+          <a:p>
+            <a:pPr algn="ctr"/>
+            <a:endParaRPr lang="en-GB"/>
+          </a:p>
+        </p:txBody>
+      </p:sp>
+      <p:sp>
+        <p:nvSpPr>
+          <p:cNvPr id="10" name="TextBox 9">
+            <a:extLst>
+              <a:ext uri="{FF2B5EF4-FFF2-40B4-BE49-F238E27FC236}">
+                <a16:creationId xmlns:a16="http://schemas.microsoft.com/office/drawing/2014/main" id="{4F2C4C3C-84BE-C047-BEE2-AED410FC0E4F}"/>
+              </a:ext>
+            </a:extLst>
+          </p:cNvPr>
+          <p:cNvSpPr txBox="1"/>
+          <p:nvPr/>
+        </p:nvSpPr>
+        <p:spPr>
+          <a:xfrm>
+            <a:off x="6624072" y="2696445"/>
+            <a:ext cx="300082" cy="369332"/>
+          </a:xfrm>
+          <a:prstGeom prst="rect">
+            <a:avLst/>
+          </a:prstGeom>
+          <a:noFill/>
+        </p:spPr>
+        <p:txBody>
+          <a:bodyPr wrap="none" rtlCol="0">
+            <a:spAutoFit/>
+          </a:bodyPr>
+          <a:lstStyle/>
+          <a:p>
+            <a:r>
+              <a:rPr lang="en-GB" dirty="0"/>
+              <a:t>+</a:t>
+            </a:r>
+          </a:p>
+        </p:txBody>
+      </p:sp>
+      <p:sp>
+        <p:nvSpPr>
+          <p:cNvPr id="11" name="Rectangle 10">
+            <a:extLst>
+              <a:ext uri="{FF2B5EF4-FFF2-40B4-BE49-F238E27FC236}">
+                <a16:creationId xmlns:a16="http://schemas.microsoft.com/office/drawing/2014/main" id="{C98D8FEA-C354-5A46-8AA9-49CFCB51BD59}"/>
+              </a:ext>
+            </a:extLst>
+          </p:cNvPr>
+          <p:cNvSpPr/>
+          <p:nvPr/>
+        </p:nvSpPr>
+        <p:spPr>
+          <a:xfrm>
+            <a:off x="9054334" y="2657954"/>
+            <a:ext cx="1800000" cy="446314"/>
+          </a:xfrm>
+          <a:prstGeom prst="rect">
+            <a:avLst/>
+          </a:prstGeom>
+          <a:solidFill>
+            <a:schemeClr val="accent4">
+              <a:lumMod val="75000"/>
+            </a:schemeClr>
+          </a:solidFill>
+        </p:spPr>
+        <p:style>
+          <a:lnRef idx="2">
+            <a:schemeClr val="accent1">
+              <a:shade val="50000"/>
+            </a:schemeClr>
+          </a:lnRef>
+          <a:fillRef idx="1">
+            <a:schemeClr val="accent1"/>
+          </a:fillRef>
+          <a:effectRef idx="0">
+            <a:schemeClr val="accent1"/>
+          </a:effectRef>
+          <a:fontRef idx="minor">
+            <a:schemeClr val="lt1"/>
+          </a:fontRef>
+        </p:style>
+        <p:txBody>
+          <a:bodyPr rtlCol="0" anchor="ctr"/>
+          <a:lstStyle/>
+          <a:p>
+            <a:pPr algn="ctr"/>
+            <a:endParaRPr lang="en-GB"/>
+          </a:p>
+        </p:txBody>
+      </p:sp>
+      <p:sp>
+        <p:nvSpPr>
+          <p:cNvPr id="12" name="TextBox 11">
+            <a:extLst>
+              <a:ext uri="{FF2B5EF4-FFF2-40B4-BE49-F238E27FC236}">
+                <a16:creationId xmlns:a16="http://schemas.microsoft.com/office/drawing/2014/main" id="{896795EF-7BE9-6046-A32C-D39F3A70C4F9}"/>
+              </a:ext>
+            </a:extLst>
+          </p:cNvPr>
+          <p:cNvSpPr txBox="1"/>
+          <p:nvPr/>
+        </p:nvSpPr>
+        <p:spPr>
+          <a:xfrm>
+            <a:off x="8744220" y="2696445"/>
+            <a:ext cx="300082" cy="369332"/>
+          </a:xfrm>
+          <a:prstGeom prst="rect">
+            <a:avLst/>
+          </a:prstGeom>
+          <a:noFill/>
+        </p:spPr>
+        <p:txBody>
+          <a:bodyPr wrap="none" rtlCol="0">
+            <a:spAutoFit/>
+          </a:bodyPr>
+          <a:lstStyle/>
+          <a:p>
+            <a:r>
+              <a:rPr lang="en-GB" dirty="0"/>
+              <a:t>=</a:t>
+            </a:r>
+          </a:p>
+        </p:txBody>
+      </p:sp>
+      <p:sp>
+        <p:nvSpPr>
+          <p:cNvPr id="13" name="Rectangle 12">
+            <a:extLst>
+              <a:ext uri="{FF2B5EF4-FFF2-40B4-BE49-F238E27FC236}">
+                <a16:creationId xmlns:a16="http://schemas.microsoft.com/office/drawing/2014/main" id="{964CA0FD-CDFC-ED48-86E1-CD2FC04BB77C}"/>
+              </a:ext>
+            </a:extLst>
+          </p:cNvPr>
+          <p:cNvSpPr/>
+          <p:nvPr/>
+        </p:nvSpPr>
+        <p:spPr>
+          <a:xfrm>
+            <a:off x="4814039" y="3978885"/>
+            <a:ext cx="1800000" cy="446314"/>
+          </a:xfrm>
+          <a:prstGeom prst="rect">
+            <a:avLst/>
+          </a:prstGeom>
+          <a:solidFill>
+            <a:schemeClr val="accent3">
+              <a:lumMod val="75000"/>
+            </a:schemeClr>
+          </a:solidFill>
+        </p:spPr>
+        <p:style>
+          <a:lnRef idx="2">
+            <a:schemeClr val="accent1">
+              <a:shade val="50000"/>
+            </a:schemeClr>
+          </a:lnRef>
+          <a:fillRef idx="1">
+            <a:schemeClr val="accent1"/>
+          </a:fillRef>
+          <a:effectRef idx="0">
+            <a:schemeClr val="accent1"/>
+          </a:effectRef>
+          <a:fontRef idx="minor">
+            <a:schemeClr val="lt1"/>
+          </a:fontRef>
+        </p:style>
+        <p:txBody>
+          <a:bodyPr rtlCol="0" anchor="ctr"/>
+          <a:lstStyle/>
+          <a:p>
+            <a:pPr algn="ctr"/>
+            <a:endParaRPr lang="en-GB"/>
+          </a:p>
+        </p:txBody>
+      </p:sp>
+      <p:sp>
+        <p:nvSpPr>
+          <p:cNvPr id="14" name="Rectangle 13">
+            <a:extLst>
+              <a:ext uri="{FF2B5EF4-FFF2-40B4-BE49-F238E27FC236}">
+                <a16:creationId xmlns:a16="http://schemas.microsoft.com/office/drawing/2014/main" id="{3F2AB00D-ED15-9A40-BC11-9C7A4577A846}"/>
+              </a:ext>
+            </a:extLst>
+          </p:cNvPr>
+          <p:cNvSpPr/>
+          <p:nvPr/>
+        </p:nvSpPr>
+        <p:spPr>
+          <a:xfrm>
+            <a:off x="6934187" y="3978885"/>
+            <a:ext cx="1800000" cy="446314"/>
+          </a:xfrm>
+          <a:prstGeom prst="rect">
+            <a:avLst/>
+          </a:prstGeom>
+          <a:solidFill>
+            <a:schemeClr val="accent4">
+              <a:lumMod val="75000"/>
+            </a:schemeClr>
+          </a:solidFill>
+        </p:spPr>
+        <p:style>
+          <a:lnRef idx="2">
+            <a:schemeClr val="accent1">
+              <a:shade val="50000"/>
+            </a:schemeClr>
+          </a:lnRef>
+          <a:fillRef idx="1">
+            <a:schemeClr val="accent1"/>
+          </a:fillRef>
+          <a:effectRef idx="0">
+            <a:schemeClr val="accent1"/>
+          </a:effectRef>
+          <a:fontRef idx="minor">
+            <a:schemeClr val="lt1"/>
+          </a:fontRef>
+        </p:style>
+        <p:txBody>
+          <a:bodyPr rtlCol="0" anchor="ctr"/>
+          <a:lstStyle/>
+          <a:p>
+            <a:pPr algn="ctr"/>
+            <a:endParaRPr lang="en-GB"/>
+          </a:p>
+        </p:txBody>
+      </p:sp>
+      <p:sp>
+        <p:nvSpPr>
+          <p:cNvPr id="15" name="TextBox 14">
+            <a:extLst>
+              <a:ext uri="{FF2B5EF4-FFF2-40B4-BE49-F238E27FC236}">
+                <a16:creationId xmlns:a16="http://schemas.microsoft.com/office/drawing/2014/main" id="{4CC763C5-9376-2047-9FB9-494B70D3DB9D}"/>
+              </a:ext>
+            </a:extLst>
+          </p:cNvPr>
+          <p:cNvSpPr txBox="1"/>
+          <p:nvPr/>
+        </p:nvSpPr>
+        <p:spPr>
+          <a:xfrm>
+            <a:off x="6624072" y="4017376"/>
+            <a:ext cx="300082" cy="369332"/>
+          </a:xfrm>
+          <a:prstGeom prst="rect">
+            <a:avLst/>
+          </a:prstGeom>
+          <a:noFill/>
+        </p:spPr>
+        <p:txBody>
+          <a:bodyPr wrap="none" rtlCol="0">
+            <a:spAutoFit/>
+          </a:bodyPr>
+          <a:lstStyle/>
+          <a:p>
+            <a:r>
+              <a:rPr lang="en-GB" dirty="0"/>
+              <a:t>+</a:t>
+            </a:r>
+          </a:p>
+        </p:txBody>
+      </p:sp>
+      <p:sp>
+        <p:nvSpPr>
+          <p:cNvPr id="16" name="Rectangle 15">
+            <a:extLst>
+              <a:ext uri="{FF2B5EF4-FFF2-40B4-BE49-F238E27FC236}">
+                <a16:creationId xmlns:a16="http://schemas.microsoft.com/office/drawing/2014/main" id="{8412F3F9-2BE5-9A48-945A-A5A8B136F6FB}"/>
+              </a:ext>
+            </a:extLst>
+          </p:cNvPr>
+          <p:cNvSpPr/>
+          <p:nvPr/>
+        </p:nvSpPr>
+        <p:spPr>
+          <a:xfrm>
+            <a:off x="9054334" y="3978885"/>
+            <a:ext cx="1800000" cy="446314"/>
+          </a:xfrm>
+          <a:prstGeom prst="rect">
+            <a:avLst/>
+          </a:prstGeom>
+          <a:solidFill>
+            <a:schemeClr val="accent2">
+              <a:lumMod val="75000"/>
+            </a:schemeClr>
+          </a:solidFill>
+        </p:spPr>
+        <p:style>
+          <a:lnRef idx="2">
+            <a:schemeClr val="accent1">
+              <a:shade val="50000"/>
+            </a:schemeClr>
+          </a:lnRef>
+          <a:fillRef idx="1">
+            <a:schemeClr val="accent1"/>
+          </a:fillRef>
+          <a:effectRef idx="0">
+            <a:schemeClr val="accent1"/>
+          </a:effectRef>
+          <a:fontRef idx="minor">
+            <a:schemeClr val="lt1"/>
+          </a:fontRef>
+        </p:style>
+        <p:txBody>
+          <a:bodyPr rtlCol="0" anchor="ctr"/>
+          <a:lstStyle/>
+          <a:p>
+            <a:pPr algn="ctr"/>
+            <a:endParaRPr lang="en-GB"/>
+          </a:p>
+        </p:txBody>
+      </p:sp>
+      <p:sp>
+        <p:nvSpPr>
+          <p:cNvPr id="17" name="TextBox 16">
+            <a:extLst>
+              <a:ext uri="{FF2B5EF4-FFF2-40B4-BE49-F238E27FC236}">
+                <a16:creationId xmlns:a16="http://schemas.microsoft.com/office/drawing/2014/main" id="{940871FA-A434-344C-AF9A-90A75A50E19A}"/>
+              </a:ext>
+            </a:extLst>
+          </p:cNvPr>
+          <p:cNvSpPr txBox="1"/>
+          <p:nvPr/>
+        </p:nvSpPr>
+        <p:spPr>
+          <a:xfrm>
+            <a:off x="8744220" y="4017376"/>
+            <a:ext cx="300082" cy="369332"/>
+          </a:xfrm>
+          <a:prstGeom prst="rect">
+            <a:avLst/>
+          </a:prstGeom>
+          <a:noFill/>
+        </p:spPr>
+        <p:txBody>
+          <a:bodyPr wrap="none" rtlCol="0">
+            <a:spAutoFit/>
+          </a:bodyPr>
+          <a:lstStyle/>
+          <a:p>
+            <a:r>
+              <a:rPr lang="en-GB" dirty="0"/>
+              <a:t>=</a:t>
+            </a:r>
+          </a:p>
+        </p:txBody>
+      </p:sp>
+      <p:sp>
+        <p:nvSpPr>
+          <p:cNvPr id="21" name="Rectangle 20">
+            <a:extLst>
+              <a:ext uri="{FF2B5EF4-FFF2-40B4-BE49-F238E27FC236}">
+                <a16:creationId xmlns:a16="http://schemas.microsoft.com/office/drawing/2014/main" id="{6D5A33C1-30E3-CA47-85F0-E265AD6EB1B5}"/>
+              </a:ext>
+            </a:extLst>
+          </p:cNvPr>
+          <p:cNvSpPr/>
+          <p:nvPr/>
+        </p:nvSpPr>
+        <p:spPr>
+          <a:xfrm>
+            <a:off x="4814039" y="5299816"/>
+            <a:ext cx="1800000" cy="446314"/>
+          </a:xfrm>
+          <a:prstGeom prst="rect">
+            <a:avLst/>
+          </a:prstGeom>
+          <a:solidFill>
+            <a:schemeClr val="accent1">
+              <a:lumMod val="75000"/>
+            </a:schemeClr>
+          </a:solidFill>
+        </p:spPr>
+        <p:style>
+          <a:lnRef idx="2">
+            <a:schemeClr val="accent1">
+              <a:shade val="50000"/>
+            </a:schemeClr>
+          </a:lnRef>
+          <a:fillRef idx="1">
+            <a:schemeClr val="accent1"/>
+          </a:fillRef>
+          <a:effectRef idx="0">
+            <a:schemeClr val="accent1"/>
+          </a:effectRef>
+          <a:fontRef idx="minor">
+            <a:schemeClr val="lt1"/>
+          </a:fontRef>
+        </p:style>
+        <p:txBody>
+          <a:bodyPr rtlCol="0" anchor="ctr"/>
+          <a:lstStyle/>
+          <a:p>
+            <a:pPr algn="ctr"/>
+            <a:endParaRPr lang="en-GB"/>
+          </a:p>
+        </p:txBody>
+      </p:sp>
+      <p:sp>
+        <p:nvSpPr>
+          <p:cNvPr id="22" name="Rectangle 21">
+            <a:extLst>
+              <a:ext uri="{FF2B5EF4-FFF2-40B4-BE49-F238E27FC236}">
+                <a16:creationId xmlns:a16="http://schemas.microsoft.com/office/drawing/2014/main" id="{8CC83B01-F587-E148-8EF5-2C3FEC47E1CE}"/>
+              </a:ext>
+            </a:extLst>
+          </p:cNvPr>
+          <p:cNvSpPr/>
+          <p:nvPr/>
+        </p:nvSpPr>
+        <p:spPr>
+          <a:xfrm>
+            <a:off x="6934187" y="5299816"/>
+            <a:ext cx="1800000" cy="446314"/>
+          </a:xfrm>
+          <a:prstGeom prst="rect">
+            <a:avLst/>
+          </a:prstGeom>
+          <a:solidFill>
+            <a:schemeClr val="accent2">
+              <a:lumMod val="75000"/>
+            </a:schemeClr>
+          </a:solidFill>
+        </p:spPr>
+        <p:style>
+          <a:lnRef idx="2">
+            <a:schemeClr val="accent1">
+              <a:shade val="50000"/>
+            </a:schemeClr>
+          </a:lnRef>
+          <a:fillRef idx="1">
+            <a:schemeClr val="accent1"/>
+          </a:fillRef>
+          <a:effectRef idx="0">
+            <a:schemeClr val="accent1"/>
+          </a:effectRef>
+          <a:fontRef idx="minor">
+            <a:schemeClr val="lt1"/>
+          </a:fontRef>
+        </p:style>
+        <p:txBody>
+          <a:bodyPr rtlCol="0" anchor="ctr"/>
+          <a:lstStyle/>
+          <a:p>
+            <a:pPr algn="ctr"/>
+            <a:endParaRPr lang="en-GB"/>
+          </a:p>
+        </p:txBody>
+      </p:sp>
+      <p:sp>
+        <p:nvSpPr>
+          <p:cNvPr id="23" name="TextBox 22">
+            <a:extLst>
+              <a:ext uri="{FF2B5EF4-FFF2-40B4-BE49-F238E27FC236}">
+                <a16:creationId xmlns:a16="http://schemas.microsoft.com/office/drawing/2014/main" id="{B9B33217-19D7-7B45-A42F-5BFB567FCE13}"/>
+              </a:ext>
+            </a:extLst>
+          </p:cNvPr>
+          <p:cNvSpPr txBox="1"/>
+          <p:nvPr/>
+        </p:nvSpPr>
+        <p:spPr>
+          <a:xfrm>
+            <a:off x="6624072" y="5338307"/>
+            <a:ext cx="300082" cy="369332"/>
+          </a:xfrm>
+          <a:prstGeom prst="rect">
+            <a:avLst/>
+          </a:prstGeom>
+          <a:noFill/>
+        </p:spPr>
+        <p:txBody>
+          <a:bodyPr wrap="none" rtlCol="0">
+            <a:spAutoFit/>
+          </a:bodyPr>
+          <a:lstStyle/>
+          <a:p>
+            <a:r>
+              <a:rPr lang="en-GB" dirty="0"/>
+              <a:t>+</a:t>
+            </a:r>
+          </a:p>
+        </p:txBody>
+      </p:sp>
+      <p:sp>
+        <p:nvSpPr>
+          <p:cNvPr id="24" name="Rectangle 23">
+            <a:extLst>
+              <a:ext uri="{FF2B5EF4-FFF2-40B4-BE49-F238E27FC236}">
+                <a16:creationId xmlns:a16="http://schemas.microsoft.com/office/drawing/2014/main" id="{CFBE67C0-F650-E246-826B-95DE02F3C412}"/>
+              </a:ext>
+            </a:extLst>
+          </p:cNvPr>
+          <p:cNvSpPr/>
+          <p:nvPr/>
+        </p:nvSpPr>
+        <p:spPr>
+          <a:xfrm>
+            <a:off x="9054334" y="5299816"/>
+            <a:ext cx="1800000" cy="446314"/>
+          </a:xfrm>
+          <a:prstGeom prst="rect">
+            <a:avLst/>
+          </a:prstGeom>
+          <a:solidFill>
+            <a:schemeClr val="tx2">
+              <a:lumMod val="75000"/>
+            </a:schemeClr>
+          </a:solidFill>
+        </p:spPr>
+        <p:style>
+          <a:lnRef idx="2">
+            <a:schemeClr val="accent1">
+              <a:shade val="50000"/>
+            </a:schemeClr>
+          </a:lnRef>
+          <a:fillRef idx="1">
+            <a:schemeClr val="accent1"/>
+          </a:fillRef>
+          <a:effectRef idx="0">
+            <a:schemeClr val="accent1"/>
+          </a:effectRef>
+          <a:fontRef idx="minor">
+            <a:schemeClr val="lt1"/>
+          </a:fontRef>
+        </p:style>
+        <p:txBody>
+          <a:bodyPr rtlCol="0" anchor="ctr"/>
+          <a:lstStyle/>
+          <a:p>
+            <a:pPr algn="ctr"/>
+            <a:endParaRPr lang="en-GB"/>
+          </a:p>
+        </p:txBody>
+      </p:sp>
+      <p:sp>
+        <p:nvSpPr>
+          <p:cNvPr id="25" name="TextBox 24">
+            <a:extLst>
+              <a:ext uri="{FF2B5EF4-FFF2-40B4-BE49-F238E27FC236}">
+                <a16:creationId xmlns:a16="http://schemas.microsoft.com/office/drawing/2014/main" id="{3A71BCAB-6D88-464A-A1D7-C59E9891A6C1}"/>
+              </a:ext>
+            </a:extLst>
+          </p:cNvPr>
+          <p:cNvSpPr txBox="1"/>
+          <p:nvPr/>
+        </p:nvSpPr>
+        <p:spPr>
+          <a:xfrm>
+            <a:off x="8744220" y="5338307"/>
+            <a:ext cx="300082" cy="369332"/>
+          </a:xfrm>
+          <a:prstGeom prst="rect">
+            <a:avLst/>
+          </a:prstGeom>
+          <a:noFill/>
+        </p:spPr>
+        <p:txBody>
+          <a:bodyPr wrap="none" rtlCol="0">
+            <a:spAutoFit/>
+          </a:bodyPr>
+          <a:lstStyle/>
+          <a:p>
+            <a:r>
+              <a:rPr lang="en-GB" dirty="0"/>
+              <a:t>=</a:t>
+            </a:r>
+          </a:p>
+        </p:txBody>
+      </p:sp>
+      <p:cxnSp>
+        <p:nvCxnSpPr>
+          <p:cNvPr id="27" name="Curved Connector 26">
+            <a:extLst>
+              <a:ext uri="{FF2B5EF4-FFF2-40B4-BE49-F238E27FC236}">
+                <a16:creationId xmlns:a16="http://schemas.microsoft.com/office/drawing/2014/main" id="{3E1BDEFE-6D43-6046-8E21-86D111D32E85}"/>
+              </a:ext>
+            </a:extLst>
+          </p:cNvPr>
+          <p:cNvCxnSpPr>
+            <a:cxnSpLocks/>
+            <a:stCxn id="11" idx="2"/>
+            <a:endCxn id="14" idx="0"/>
+          </p:cNvCxnSpPr>
+          <p:nvPr/>
+        </p:nvCxnSpPr>
+        <p:spPr>
+          <a:xfrm rot="5400000">
+            <a:off x="8456953" y="2481503"/>
+            <a:ext cx="874617" cy="2120147"/>
+          </a:xfrm>
+          <a:prstGeom prst="curvedConnector3">
+            <a:avLst/>
+          </a:prstGeom>
+          <a:ln w="12700">
+            <a:solidFill>
+              <a:schemeClr val="tx1">
+                <a:lumMod val="75000"/>
+                <a:lumOff val="25000"/>
+              </a:schemeClr>
+            </a:solidFill>
+            <a:tailEnd type="triangle"/>
+          </a:ln>
+        </p:spPr>
+        <p:style>
+          <a:lnRef idx="1">
+            <a:schemeClr val="accent1"/>
+          </a:lnRef>
+          <a:fillRef idx="0">
+            <a:schemeClr val="accent1"/>
+          </a:fillRef>
+          <a:effectRef idx="0">
+            <a:schemeClr val="accent1"/>
+          </a:effectRef>
+          <a:fontRef idx="minor">
+            <a:schemeClr val="tx1"/>
+          </a:fontRef>
+        </p:style>
+      </p:cxnSp>
+      <p:cxnSp>
+        <p:nvCxnSpPr>
+          <p:cNvPr id="28" name="Curved Connector 27">
+            <a:extLst>
+              <a:ext uri="{FF2B5EF4-FFF2-40B4-BE49-F238E27FC236}">
+                <a16:creationId xmlns:a16="http://schemas.microsoft.com/office/drawing/2014/main" id="{F74B0729-A913-9243-9C97-B72FA176B78E}"/>
+              </a:ext>
+            </a:extLst>
+          </p:cNvPr>
+          <p:cNvCxnSpPr>
+            <a:cxnSpLocks/>
+            <a:stCxn id="16" idx="2"/>
+            <a:endCxn id="22" idx="0"/>
+          </p:cNvCxnSpPr>
+          <p:nvPr/>
+        </p:nvCxnSpPr>
+        <p:spPr>
+          <a:xfrm rot="5400000">
+            <a:off x="8456953" y="3802434"/>
+            <a:ext cx="874617" cy="2120147"/>
+          </a:xfrm>
+          <a:prstGeom prst="curvedConnector3">
+            <a:avLst>
+              <a:gd name="adj1" fmla="val 50000"/>
+            </a:avLst>
+          </a:prstGeom>
+          <a:ln w="12700">
+            <a:solidFill>
+              <a:schemeClr val="tx1">
+                <a:lumMod val="75000"/>
+                <a:lumOff val="25000"/>
+              </a:schemeClr>
+            </a:solidFill>
+            <a:tailEnd type="triangle"/>
+          </a:ln>
+        </p:spPr>
+        <p:style>
+          <a:lnRef idx="1">
+            <a:schemeClr val="accent1"/>
+          </a:lnRef>
+          <a:fillRef idx="0">
+            <a:schemeClr val="accent1"/>
+          </a:fillRef>
+          <a:effectRef idx="0">
+            <a:schemeClr val="accent1"/>
+          </a:effectRef>
+          <a:fontRef idx="minor">
+            <a:schemeClr val="tx1"/>
+          </a:fontRef>
+        </p:style>
+      </p:cxnSp>
+      <p:sp>
+        <p:nvSpPr>
+          <p:cNvPr id="33" name="Rectangle 32">
+            <a:extLst>
+              <a:ext uri="{FF2B5EF4-FFF2-40B4-BE49-F238E27FC236}">
+                <a16:creationId xmlns:a16="http://schemas.microsoft.com/office/drawing/2014/main" id="{CA9CBFC7-0177-0A44-80B9-5329E708FB8A}"/>
+              </a:ext>
+            </a:extLst>
+          </p:cNvPr>
+          <p:cNvSpPr/>
+          <p:nvPr/>
+        </p:nvSpPr>
+        <p:spPr>
+          <a:xfrm>
+            <a:off x="344443" y="1337023"/>
+            <a:ext cx="4191936" cy="446314"/>
+          </a:xfrm>
+          <a:prstGeom prst="rect">
+            <a:avLst/>
+          </a:prstGeom>
+          <a:solidFill>
+            <a:schemeClr val="accent6">
+              <a:lumMod val="75000"/>
+            </a:schemeClr>
+          </a:solidFill>
+          <a:ln>
+            <a:solidFill>
+              <a:schemeClr val="tx1">
+                <a:lumMod val="75000"/>
+                <a:lumOff val="25000"/>
+              </a:schemeClr>
+            </a:solidFill>
+          </a:ln>
+        </p:spPr>
+        <p:style>
+          <a:lnRef idx="2">
+            <a:schemeClr val="accent1">
+              <a:shade val="50000"/>
+            </a:schemeClr>
+          </a:lnRef>
+          <a:fillRef idx="1">
+            <a:schemeClr val="accent1"/>
+          </a:fillRef>
+          <a:effectRef idx="0">
+            <a:schemeClr val="accent1"/>
+          </a:effectRef>
+          <a:fontRef idx="minor">
+            <a:schemeClr val="lt1"/>
+          </a:fontRef>
+        </p:style>
+        <p:txBody>
+          <a:bodyPr rtlCol="0" anchor="ctr"/>
+          <a:lstStyle/>
+          <a:p>
+            <a:r>
+              <a:rPr lang="en-GB" sz="1100" b="1" dirty="0">
+                <a:solidFill>
+                  <a:schemeClr val="bg1"/>
+                </a:solidFill>
+                <a:latin typeface="Courier New" panose="02070309020205020404" pitchFamily="49" charset="0"/>
+                <a:cs typeface="Courier New" panose="02070309020205020404" pitchFamily="49" charset="0"/>
+              </a:rPr>
+              <a:t>FROM</a:t>
+            </a:r>
+            <a:r>
+              <a:rPr lang="en-GB" sz="1100" dirty="0">
+                <a:solidFill>
+                  <a:schemeClr val="bg1"/>
+                </a:solidFill>
+                <a:latin typeface="Courier New" panose="02070309020205020404" pitchFamily="49" charset="0"/>
+                <a:cs typeface="Courier New" panose="02070309020205020404" pitchFamily="49" charset="0"/>
+              </a:rPr>
+              <a:t> adoptopenjdk/openjdk14:jre-14.0.1_7-alpine</a:t>
+            </a:r>
+          </a:p>
+        </p:txBody>
+      </p:sp>
+      <p:sp>
+        <p:nvSpPr>
+          <p:cNvPr id="34" name="Rectangle 33">
+            <a:extLst>
+              <a:ext uri="{FF2B5EF4-FFF2-40B4-BE49-F238E27FC236}">
+                <a16:creationId xmlns:a16="http://schemas.microsoft.com/office/drawing/2014/main" id="{9E1AB184-AA86-7647-A1C7-2C4C641AFDBA}"/>
+              </a:ext>
+            </a:extLst>
+          </p:cNvPr>
+          <p:cNvSpPr/>
+          <p:nvPr/>
+        </p:nvSpPr>
+        <p:spPr>
+          <a:xfrm>
+            <a:off x="344443" y="2657954"/>
+            <a:ext cx="4191936" cy="446314"/>
+          </a:xfrm>
+          <a:prstGeom prst="rect">
+            <a:avLst/>
+          </a:prstGeom>
+          <a:solidFill>
+            <a:schemeClr val="accent5">
+              <a:lumMod val="75000"/>
+            </a:schemeClr>
+          </a:solidFill>
+          <a:ln>
+            <a:solidFill>
+              <a:schemeClr val="tx1">
+                <a:lumMod val="75000"/>
+                <a:lumOff val="25000"/>
+              </a:schemeClr>
+            </a:solidFill>
+          </a:ln>
+        </p:spPr>
+        <p:style>
+          <a:lnRef idx="2">
+            <a:schemeClr val="accent1">
+              <a:shade val="50000"/>
+            </a:schemeClr>
+          </a:lnRef>
+          <a:fillRef idx="1">
+            <a:schemeClr val="accent1"/>
+          </a:fillRef>
+          <a:effectRef idx="0">
+            <a:schemeClr val="accent1"/>
+          </a:effectRef>
+          <a:fontRef idx="minor">
+            <a:schemeClr val="lt1"/>
+          </a:fontRef>
+        </p:style>
+        <p:txBody>
+          <a:bodyPr rtlCol="0" anchor="ctr"/>
+          <a:lstStyle/>
+          <a:p>
+            <a:r>
+              <a:rPr lang="en-GB" sz="1100" b="1" dirty="0">
+                <a:solidFill>
+                  <a:schemeClr val="bg1"/>
+                </a:solidFill>
+                <a:latin typeface="Courier New" panose="02070309020205020404" pitchFamily="49" charset="0"/>
+                <a:cs typeface="Courier New" panose="02070309020205020404" pitchFamily="49" charset="0"/>
+              </a:rPr>
+              <a:t>WORKDIR</a:t>
+            </a:r>
+            <a:r>
+              <a:rPr lang="en-GB" sz="1100" dirty="0">
+                <a:solidFill>
+                  <a:schemeClr val="bg1"/>
+                </a:solidFill>
+                <a:latin typeface="Courier New" panose="02070309020205020404" pitchFamily="49" charset="0"/>
+                <a:cs typeface="Courier New" panose="02070309020205020404" pitchFamily="49" charset="0"/>
+              </a:rPr>
+              <a:t> /opt/app</a:t>
+            </a:r>
+          </a:p>
+        </p:txBody>
+      </p:sp>
+      <p:sp>
+        <p:nvSpPr>
+          <p:cNvPr id="35" name="Rectangle 34">
+            <a:extLst>
+              <a:ext uri="{FF2B5EF4-FFF2-40B4-BE49-F238E27FC236}">
+                <a16:creationId xmlns:a16="http://schemas.microsoft.com/office/drawing/2014/main" id="{91F41E0D-452E-5141-A83B-002B2536543C}"/>
+              </a:ext>
+            </a:extLst>
+          </p:cNvPr>
+          <p:cNvSpPr/>
+          <p:nvPr/>
+        </p:nvSpPr>
+        <p:spPr>
+          <a:xfrm>
+            <a:off x="344443" y="3978812"/>
+            <a:ext cx="4191936" cy="446314"/>
+          </a:xfrm>
+          <a:prstGeom prst="rect">
+            <a:avLst/>
+          </a:prstGeom>
+          <a:solidFill>
+            <a:schemeClr val="accent3">
+              <a:lumMod val="75000"/>
+            </a:schemeClr>
+          </a:solidFill>
+          <a:ln>
+            <a:solidFill>
+              <a:schemeClr val="tx1">
+                <a:lumMod val="75000"/>
+                <a:lumOff val="25000"/>
+              </a:schemeClr>
+            </a:solidFill>
+          </a:ln>
+        </p:spPr>
+        <p:style>
+          <a:lnRef idx="2">
+            <a:schemeClr val="accent1">
+              <a:shade val="50000"/>
+            </a:schemeClr>
+          </a:lnRef>
+          <a:fillRef idx="1">
+            <a:schemeClr val="accent1"/>
+          </a:fillRef>
+          <a:effectRef idx="0">
+            <a:schemeClr val="accent1"/>
+          </a:effectRef>
+          <a:fontRef idx="minor">
+            <a:schemeClr val="lt1"/>
+          </a:fontRef>
+        </p:style>
+        <p:txBody>
+          <a:bodyPr rtlCol="0" anchor="ctr"/>
+          <a:lstStyle/>
+          <a:p>
+            <a:r>
+              <a:rPr lang="en-GB" sz="1100" b="1" dirty="0">
+                <a:solidFill>
+                  <a:schemeClr val="bg1"/>
+                </a:solidFill>
+                <a:latin typeface="Courier New" panose="02070309020205020404" pitchFamily="49" charset="0"/>
+                <a:cs typeface="Courier New" panose="02070309020205020404" pitchFamily="49" charset="0"/>
+              </a:rPr>
+              <a:t>ADD</a:t>
+            </a:r>
+            <a:r>
+              <a:rPr lang="en-GB" sz="1100" dirty="0">
+                <a:solidFill>
+                  <a:schemeClr val="bg1"/>
+                </a:solidFill>
+                <a:latin typeface="Courier New" panose="02070309020205020404" pitchFamily="49" charset="0"/>
+                <a:cs typeface="Courier New" panose="02070309020205020404" pitchFamily="49" charset="0"/>
+              </a:rPr>
+              <a:t> ./build/libs/*.jar ./application.jar</a:t>
+            </a:r>
+          </a:p>
+        </p:txBody>
+      </p:sp>
+      <p:sp>
+        <p:nvSpPr>
+          <p:cNvPr id="36" name="Rectangle 35">
+            <a:extLst>
+              <a:ext uri="{FF2B5EF4-FFF2-40B4-BE49-F238E27FC236}">
+                <a16:creationId xmlns:a16="http://schemas.microsoft.com/office/drawing/2014/main" id="{D452236F-ADA6-1A4C-A0B9-B05412FBD8BF}"/>
+              </a:ext>
+            </a:extLst>
+          </p:cNvPr>
+          <p:cNvSpPr/>
+          <p:nvPr/>
+        </p:nvSpPr>
+        <p:spPr>
+          <a:xfrm>
+            <a:off x="344443" y="5299816"/>
+            <a:ext cx="4191936" cy="446314"/>
+          </a:xfrm>
+          <a:prstGeom prst="rect">
+            <a:avLst/>
+          </a:prstGeom>
+          <a:solidFill>
+            <a:schemeClr val="accent1">
+              <a:lumMod val="75000"/>
+            </a:schemeClr>
+          </a:solidFill>
+          <a:ln>
+            <a:solidFill>
+              <a:schemeClr val="tx1">
+                <a:lumMod val="75000"/>
+                <a:lumOff val="25000"/>
+              </a:schemeClr>
+            </a:solidFill>
+          </a:ln>
+        </p:spPr>
+        <p:style>
+          <a:lnRef idx="2">
+            <a:schemeClr val="accent1">
+              <a:shade val="50000"/>
+            </a:schemeClr>
+          </a:lnRef>
+          <a:fillRef idx="1">
+            <a:schemeClr val="accent1"/>
+          </a:fillRef>
+          <a:effectRef idx="0">
+            <a:schemeClr val="accent1"/>
+          </a:effectRef>
+          <a:fontRef idx="minor">
+            <a:schemeClr val="lt1"/>
+          </a:fontRef>
+        </p:style>
+        <p:txBody>
+          <a:bodyPr rtlCol="0" anchor="ctr"/>
+          <a:lstStyle/>
+          <a:p>
+            <a:r>
+              <a:rPr lang="en-GB" sz="1100" b="1" dirty="0">
+                <a:solidFill>
+                  <a:schemeClr val="bg1"/>
+                </a:solidFill>
+                <a:latin typeface="Courier New" panose="02070309020205020404" pitchFamily="49" charset="0"/>
+                <a:cs typeface="Courier New" panose="02070309020205020404" pitchFamily="49" charset="0"/>
+              </a:rPr>
+              <a:t>CMD</a:t>
+            </a:r>
+            <a:r>
+              <a:rPr lang="en-GB" sz="1100" dirty="0">
+                <a:solidFill>
+                  <a:schemeClr val="bg1"/>
+                </a:solidFill>
+                <a:latin typeface="Courier New" panose="02070309020205020404" pitchFamily="49" charset="0"/>
+                <a:cs typeface="Courier New" panose="02070309020205020404" pitchFamily="49" charset="0"/>
+              </a:rPr>
+              <a:t> ["java", "-jar", "application.jar"]</a:t>
+            </a:r>
+          </a:p>
+        </p:txBody>
+      </p:sp>
+      <p:cxnSp>
+        <p:nvCxnSpPr>
+          <p:cNvPr id="3" name="Curved Connector 2">
+            <a:extLst>
+              <a:ext uri="{FF2B5EF4-FFF2-40B4-BE49-F238E27FC236}">
+                <a16:creationId xmlns:a16="http://schemas.microsoft.com/office/drawing/2014/main" id="{B7DFD106-892D-6546-8A52-62AE1B69FCD4}"/>
+              </a:ext>
+            </a:extLst>
+          </p:cNvPr>
+          <p:cNvCxnSpPr>
+            <a:stCxn id="4" idx="2"/>
+            <a:endCxn id="6" idx="0"/>
+          </p:cNvCxnSpPr>
+          <p:nvPr/>
+        </p:nvCxnSpPr>
+        <p:spPr>
+          <a:xfrm rot="5400000">
+            <a:off x="8451937" y="1165588"/>
+            <a:ext cx="874617" cy="2110115"/>
+          </a:xfrm>
+          <a:prstGeom prst="curvedConnector3">
+            <a:avLst/>
+          </a:prstGeom>
+          <a:ln w="12700">
+            <a:solidFill>
+              <a:schemeClr val="tx1">
+                <a:lumMod val="75000"/>
+                <a:lumOff val="25000"/>
+              </a:schemeClr>
+            </a:solidFill>
+            <a:tailEnd type="triangle"/>
+          </a:ln>
+        </p:spPr>
+        <p:style>
+          <a:lnRef idx="1">
+            <a:schemeClr val="accent1"/>
+          </a:lnRef>
+          <a:fillRef idx="0">
+            <a:schemeClr val="accent1"/>
+          </a:fillRef>
+          <a:effectRef idx="0">
+            <a:schemeClr val="accent1"/>
+          </a:effectRef>
+          <a:fontRef idx="minor">
+            <a:schemeClr val="tx1"/>
+          </a:fontRef>
+        </p:style>
+      </p:cxnSp>
+      <p:sp>
+        <p:nvSpPr>
+          <p:cNvPr id="18" name="TextBox 17">
+            <a:extLst>
+              <a:ext uri="{FF2B5EF4-FFF2-40B4-BE49-F238E27FC236}">
+                <a16:creationId xmlns:a16="http://schemas.microsoft.com/office/drawing/2014/main" id="{6819A2CD-CF32-064F-8CD3-52B20C0A30CE}"/>
+              </a:ext>
+            </a:extLst>
+          </p:cNvPr>
+          <p:cNvSpPr txBox="1"/>
+          <p:nvPr/>
+        </p:nvSpPr>
+        <p:spPr>
+          <a:xfrm>
+            <a:off x="1736341" y="531329"/>
+            <a:ext cx="1860381" cy="369332"/>
+          </a:xfrm>
+          <a:prstGeom prst="rect">
+            <a:avLst/>
+          </a:prstGeom>
+          <a:noFill/>
+        </p:spPr>
+        <p:txBody>
+          <a:bodyPr wrap="none" rtlCol="0">
+            <a:spAutoFit/>
+          </a:bodyPr>
+          <a:lstStyle/>
+          <a:p>
+            <a:r>
+              <a:rPr lang="en-GB" dirty="0"/>
+              <a:t>Docker Command</a:t>
+            </a:r>
+          </a:p>
+        </p:txBody>
+      </p:sp>
+      <p:sp>
+        <p:nvSpPr>
+          <p:cNvPr id="19" name="TextBox 18">
+            <a:extLst>
+              <a:ext uri="{FF2B5EF4-FFF2-40B4-BE49-F238E27FC236}">
+                <a16:creationId xmlns:a16="http://schemas.microsoft.com/office/drawing/2014/main" id="{67E11339-3DCF-E640-A3BE-8F9F108CD95B}"/>
+              </a:ext>
+            </a:extLst>
+          </p:cNvPr>
+          <p:cNvSpPr txBox="1"/>
+          <p:nvPr/>
+        </p:nvSpPr>
+        <p:spPr>
+          <a:xfrm>
+            <a:off x="9601451" y="531329"/>
+            <a:ext cx="685701" cy="369332"/>
+          </a:xfrm>
+          <a:prstGeom prst="rect">
+            <a:avLst/>
+          </a:prstGeom>
+          <a:noFill/>
+        </p:spPr>
+        <p:txBody>
+          <a:bodyPr wrap="none" rtlCol="0">
+            <a:spAutoFit/>
+          </a:bodyPr>
+          <a:lstStyle/>
+          <a:p>
+            <a:r>
+              <a:rPr lang="en-GB" dirty="0"/>
+              <a:t>Layer</a:t>
+            </a:r>
+          </a:p>
+        </p:txBody>
+      </p:sp>
+      <p:sp>
+        <p:nvSpPr>
+          <p:cNvPr id="31" name="TextBox 30">
+            <a:extLst>
+              <a:ext uri="{FF2B5EF4-FFF2-40B4-BE49-F238E27FC236}">
+                <a16:creationId xmlns:a16="http://schemas.microsoft.com/office/drawing/2014/main" id="{EE6E8899-6461-B240-8176-A4BF1FB94EE1}"/>
+              </a:ext>
+            </a:extLst>
+          </p:cNvPr>
+          <p:cNvSpPr txBox="1"/>
+          <p:nvPr/>
+        </p:nvSpPr>
+        <p:spPr>
+          <a:xfrm>
+            <a:off x="5384982" y="531329"/>
+            <a:ext cx="2778261" cy="369332"/>
+          </a:xfrm>
+          <a:prstGeom prst="rect">
+            <a:avLst/>
+          </a:prstGeom>
+          <a:noFill/>
+        </p:spPr>
+        <p:txBody>
+          <a:bodyPr wrap="none" rtlCol="0">
+            <a:spAutoFit/>
+          </a:bodyPr>
+          <a:lstStyle/>
+          <a:p>
+            <a:r>
+              <a:rPr lang="en-GB" dirty="0"/>
+              <a:t>Builds on the previous layer</a:t>
+            </a:r>
+          </a:p>
+        </p:txBody>
+      </p:sp>
+      <p:sp>
+        <p:nvSpPr>
+          <p:cNvPr id="29" name="Left Brace 28">
+            <a:extLst>
+              <a:ext uri="{FF2B5EF4-FFF2-40B4-BE49-F238E27FC236}">
+                <a16:creationId xmlns:a16="http://schemas.microsoft.com/office/drawing/2014/main" id="{B5830641-39E6-6144-A84B-266EDB0936BC}"/>
+              </a:ext>
+            </a:extLst>
+          </p:cNvPr>
+          <p:cNvSpPr/>
+          <p:nvPr/>
+        </p:nvSpPr>
+        <p:spPr>
+          <a:xfrm rot="10800000">
+            <a:off x="10814082" y="1249060"/>
+            <a:ext cx="657415" cy="3287082"/>
+          </a:xfrm>
+          <a:prstGeom prst="leftBrace">
+            <a:avLst/>
+          </a:prstGeom>
+          <a:ln>
+            <a:solidFill>
+              <a:schemeClr val="tx1">
+                <a:lumMod val="75000"/>
+                <a:lumOff val="25000"/>
+              </a:schemeClr>
+            </a:solidFill>
+          </a:ln>
+        </p:spPr>
+        <p:style>
+          <a:lnRef idx="1">
+            <a:schemeClr val="accent1"/>
+          </a:lnRef>
+          <a:fillRef idx="0">
+            <a:schemeClr val="accent1"/>
+          </a:fillRef>
+          <a:effectRef idx="0">
+            <a:schemeClr val="accent1"/>
+          </a:effectRef>
+          <a:fontRef idx="minor">
+            <a:schemeClr val="tx1"/>
+          </a:fontRef>
+        </p:style>
+        <p:txBody>
+          <a:bodyPr rtlCol="0" anchor="ctr"/>
+          <a:lstStyle/>
+          <a:p>
+            <a:pPr algn="ctr"/>
+            <a:endParaRPr lang="en-GB"/>
+          </a:p>
+        </p:txBody>
+      </p:sp>
+      <p:sp>
+        <p:nvSpPr>
+          <p:cNvPr id="30" name="TextBox 29">
+            <a:extLst>
+              <a:ext uri="{FF2B5EF4-FFF2-40B4-BE49-F238E27FC236}">
+                <a16:creationId xmlns:a16="http://schemas.microsoft.com/office/drawing/2014/main" id="{20D78786-F621-0F4A-A5B2-1C26EB2510A7}"/>
+              </a:ext>
+            </a:extLst>
+          </p:cNvPr>
+          <p:cNvSpPr txBox="1"/>
+          <p:nvPr/>
+        </p:nvSpPr>
+        <p:spPr>
+          <a:xfrm rot="5400000">
+            <a:off x="10597187" y="2614721"/>
+            <a:ext cx="2117952" cy="369332"/>
+          </a:xfrm>
+          <a:prstGeom prst="rect">
+            <a:avLst/>
+          </a:prstGeom>
+          <a:noFill/>
+        </p:spPr>
+        <p:txBody>
+          <a:bodyPr wrap="none" rtlCol="0">
+            <a:spAutoFit/>
+          </a:bodyPr>
+          <a:lstStyle/>
+          <a:p>
+            <a:r>
+              <a:rPr lang="en-GB" dirty="0"/>
+              <a:t>Intermediate images</a:t>
+            </a:r>
+          </a:p>
+        </p:txBody>
+      </p:sp>
+      <p:sp>
+        <p:nvSpPr>
+          <p:cNvPr id="32" name="TextBox 31">
+            <a:extLst>
+              <a:ext uri="{FF2B5EF4-FFF2-40B4-BE49-F238E27FC236}">
+                <a16:creationId xmlns:a16="http://schemas.microsoft.com/office/drawing/2014/main" id="{55977FE0-8076-694D-ABB9-FC6D94E74884}"/>
+              </a:ext>
+            </a:extLst>
+          </p:cNvPr>
+          <p:cNvSpPr txBox="1"/>
+          <p:nvPr/>
+        </p:nvSpPr>
+        <p:spPr>
+          <a:xfrm>
+            <a:off x="10404217" y="6140472"/>
+            <a:ext cx="1251946" cy="369332"/>
+          </a:xfrm>
+          <a:prstGeom prst="rect">
+            <a:avLst/>
+          </a:prstGeom>
+          <a:noFill/>
+        </p:spPr>
+        <p:txBody>
+          <a:bodyPr wrap="none" rtlCol="0">
+            <a:spAutoFit/>
+          </a:bodyPr>
+          <a:lstStyle/>
+          <a:p>
+            <a:r>
+              <a:rPr lang="en-GB" dirty="0"/>
+              <a:t>Final image</a:t>
+            </a:r>
+          </a:p>
+        </p:txBody>
+      </p:sp>
+      <p:cxnSp>
+        <p:nvCxnSpPr>
+          <p:cNvPr id="39" name="Straight Arrow Connector 38">
+            <a:extLst>
+              <a:ext uri="{FF2B5EF4-FFF2-40B4-BE49-F238E27FC236}">
+                <a16:creationId xmlns:a16="http://schemas.microsoft.com/office/drawing/2014/main" id="{3B1182ED-EB3C-0B46-8232-2C4A0EE8D9BE}"/>
+              </a:ext>
+            </a:extLst>
+          </p:cNvPr>
+          <p:cNvCxnSpPr/>
+          <p:nvPr/>
+        </p:nvCxnSpPr>
+        <p:spPr>
+          <a:xfrm flipH="1" flipV="1">
+            <a:off x="10479741" y="5827059"/>
+            <a:ext cx="268941" cy="313413"/>
+          </a:xfrm>
+          <a:prstGeom prst="straightConnector1">
+            <a:avLst/>
+          </a:prstGeom>
+          <a:ln>
+            <a:solidFill>
+              <a:schemeClr val="tx1">
+                <a:lumMod val="75000"/>
+                <a:lumOff val="25000"/>
+              </a:schemeClr>
+            </a:solidFill>
+            <a:tailEnd type="triangle"/>
+          </a:ln>
+        </p:spPr>
+        <p:style>
+          <a:lnRef idx="1">
+            <a:schemeClr val="accent1"/>
+          </a:lnRef>
+          <a:fillRef idx="0">
+            <a:schemeClr val="accent1"/>
+          </a:fillRef>
+          <a:effectRef idx="0">
+            <a:schemeClr val="accent1"/>
+          </a:effectRef>
+          <a:fontRef idx="minor">
+            <a:schemeClr val="tx1"/>
+          </a:fontRef>
+        </p:style>
+      </p:cxnSp>
+    </p:spTree>
+    <p:extLst>
+      <p:ext uri="{BB962C8B-B14F-4D97-AF65-F5344CB8AC3E}">
+        <p14:creationId xmlns:p14="http://schemas.microsoft.com/office/powerpoint/2010/main" val="4099738580"/>
       </p:ext>
     </p:extLst>
   </p:cSld>

--- a/assets/images/Images.pptx
+++ b/assets/images/Images.pptx
@@ -3337,8 +3337,8 @@
         </p:nvSpPr>
         <p:spPr>
           <a:xfrm>
-            <a:off x="3232087" y="778598"/>
-            <a:ext cx="1647730" cy="1158843"/>
+            <a:off x="2633194" y="3158662"/>
+            <a:ext cx="1647730" cy="808557"/>
           </a:xfrm>
           <a:prstGeom prst="rect">
             <a:avLst/>
@@ -3397,8 +3397,8 @@
         </p:nvSpPr>
         <p:spPr>
           <a:xfrm>
-            <a:off x="2126055" y="2740936"/>
-            <a:ext cx="1647730" cy="1158843"/>
+            <a:off x="1325231" y="4045973"/>
+            <a:ext cx="1647730" cy="877052"/>
           </a:xfrm>
           <a:prstGeom prst="rect">
             <a:avLst/>
@@ -3459,8 +3459,8 @@
         </p:nvSpPr>
         <p:spPr>
           <a:xfrm>
-            <a:off x="3165695" y="4876046"/>
-            <a:ext cx="1647730" cy="1158843"/>
+            <a:off x="3627131" y="4311981"/>
+            <a:ext cx="1647730" cy="904497"/>
           </a:xfrm>
           <a:prstGeom prst="rect">
             <a:avLst/>
@@ -3521,8 +3521,8 @@
         </p:nvSpPr>
         <p:spPr>
           <a:xfrm>
-            <a:off x="6987009" y="1224480"/>
-            <a:ext cx="3079687" cy="4644429"/>
+            <a:off x="8170131" y="1636760"/>
+            <a:ext cx="3079687" cy="3460687"/>
           </a:xfrm>
           <a:prstGeom prst="rect">
             <a:avLst/>
@@ -3582,8 +3582,8 @@
           <p:nvPr/>
         </p:nvSpPr>
         <p:spPr>
-          <a:xfrm rot="2006652">
-            <a:off x="5249876" y="1919334"/>
+          <a:xfrm rot="628541">
+            <a:off x="6145402" y="2226248"/>
             <a:ext cx="1367073" cy="595265"/>
           </a:xfrm>
           <a:prstGeom prst="stripedRightArrow">
@@ -3643,7 +3643,7 @@
         </p:nvSpPr>
         <p:spPr>
           <a:xfrm>
-            <a:off x="4696860" y="3109111"/>
+            <a:off x="6145402" y="3190526"/>
             <a:ext cx="1367073" cy="595265"/>
           </a:xfrm>
           <a:prstGeom prst="stripedRightArrow">
@@ -3703,7 +3703,7 @@
         </p:nvSpPr>
         <p:spPr>
           <a:xfrm rot="20054453">
-            <a:off x="5096974" y="4518840"/>
+            <a:off x="6145402" y="4234700"/>
             <a:ext cx="1367073" cy="595265"/>
           </a:xfrm>
           <a:prstGeom prst="stripedRightArrow">
@@ -3778,7 +3778,7 @@
         </p:blipFill>
         <p:spPr bwMode="auto">
           <a:xfrm>
-            <a:off x="1342733" y="767815"/>
+            <a:off x="826901" y="2175388"/>
             <a:ext cx="894032" cy="536419"/>
           </a:xfrm>
           <a:prstGeom prst="rect">
@@ -3825,7 +3825,7 @@
         </p:blipFill>
         <p:spPr bwMode="auto">
           <a:xfrm>
-            <a:off x="2446726" y="767815"/>
+            <a:off x="562524" y="2505753"/>
             <a:ext cx="559640" cy="536420"/>
           </a:xfrm>
           <a:prstGeom prst="rect">
@@ -3845,10 +3845,194 @@
       </p:pic>
       <p:pic>
         <p:nvPicPr>
-          <p:cNvPr id="1034" name="Picture 10" descr="How Golang is thriving in the software industry - NewGenApps">
-            <a:extLst>
-              <a:ext uri="{FF2B5EF4-FFF2-40B4-BE49-F238E27FC236}">
-                <a16:creationId xmlns:a16="http://schemas.microsoft.com/office/drawing/2014/main" id="{92AC75BB-F757-FA48-95CA-9EE934EDAA1B}"/>
+          <p:cNvPr id="14" name="Picture 13">
+            <a:extLst>
+              <a:ext uri="{FF2B5EF4-FFF2-40B4-BE49-F238E27FC236}">
+                <a16:creationId xmlns:a16="http://schemas.microsoft.com/office/drawing/2014/main" id="{F8E80C94-FAC0-EA44-A1EA-118513856665}"/>
+              </a:ext>
+            </a:extLst>
+          </p:cNvPr>
+          <p:cNvPicPr>
+            <a:picLocks noChangeAspect="1"/>
+          </p:cNvPicPr>
+          <p:nvPr/>
+        </p:nvPicPr>
+        <p:blipFill>
+          <a:blip r:embed="rId4"/>
+          <a:stretch>
+            <a:fillRect/>
+          </a:stretch>
+        </p:blipFill>
+        <p:spPr>
+          <a:xfrm>
+            <a:off x="1026162" y="2820813"/>
+            <a:ext cx="503673" cy="270724"/>
+          </a:xfrm>
+          <a:prstGeom prst="rect">
+            <a:avLst/>
+          </a:prstGeom>
+        </p:spPr>
+      </p:pic>
+      <p:sp>
+        <p:nvSpPr>
+          <p:cNvPr id="19" name="Rectangle 18">
+            <a:extLst>
+              <a:ext uri="{FF2B5EF4-FFF2-40B4-BE49-F238E27FC236}">
+                <a16:creationId xmlns:a16="http://schemas.microsoft.com/office/drawing/2014/main" id="{9911C182-B31B-F449-B3F6-7CF065634586}"/>
+              </a:ext>
+            </a:extLst>
+          </p:cNvPr>
+          <p:cNvSpPr/>
+          <p:nvPr/>
+        </p:nvSpPr>
+        <p:spPr>
+          <a:xfrm>
+            <a:off x="3833604" y="1452663"/>
+            <a:ext cx="1647730" cy="808557"/>
+          </a:xfrm>
+          <a:prstGeom prst="rect">
+            <a:avLst/>
+          </a:prstGeom>
+          <a:solidFill>
+            <a:schemeClr val="accent5">
+              <a:lumMod val="75000"/>
+            </a:schemeClr>
+          </a:solidFill>
+          <a:ln>
+            <a:solidFill>
+              <a:schemeClr val="tx1">
+                <a:lumMod val="75000"/>
+                <a:lumOff val="25000"/>
+              </a:schemeClr>
+            </a:solidFill>
+          </a:ln>
+        </p:spPr>
+        <p:style>
+          <a:lnRef idx="2">
+            <a:schemeClr val="accent1">
+              <a:shade val="50000"/>
+            </a:schemeClr>
+          </a:lnRef>
+          <a:fillRef idx="1">
+            <a:schemeClr val="accent1"/>
+          </a:fillRef>
+          <a:effectRef idx="0">
+            <a:schemeClr val="accent1"/>
+          </a:effectRef>
+          <a:fontRef idx="minor">
+            <a:schemeClr val="lt1"/>
+          </a:fontRef>
+        </p:style>
+        <p:txBody>
+          <a:bodyPr rtlCol="0" anchor="ctr"/>
+          <a:lstStyle/>
+          <a:p>
+            <a:pPr algn="ctr"/>
+            <a:r>
+              <a:rPr lang="en-GB" dirty="0"/>
+              <a:t>Operating System</a:t>
+            </a:r>
+          </a:p>
+        </p:txBody>
+      </p:sp>
+      <p:sp>
+        <p:nvSpPr>
+          <p:cNvPr id="20" name="Rectangle 19">
+            <a:extLst>
+              <a:ext uri="{FF2B5EF4-FFF2-40B4-BE49-F238E27FC236}">
+                <a16:creationId xmlns:a16="http://schemas.microsoft.com/office/drawing/2014/main" id="{4E891CA3-FD08-6349-8DFD-E9F21F21EE46}"/>
+              </a:ext>
+            </a:extLst>
+          </p:cNvPr>
+          <p:cNvSpPr/>
+          <p:nvPr/>
+        </p:nvSpPr>
+        <p:spPr>
+          <a:xfrm>
+            <a:off x="1606834" y="2221785"/>
+            <a:ext cx="1647730" cy="808557"/>
+          </a:xfrm>
+          <a:prstGeom prst="rect">
+            <a:avLst/>
+          </a:prstGeom>
+          <a:solidFill>
+            <a:schemeClr val="accent3">
+              <a:lumMod val="75000"/>
+            </a:schemeClr>
+          </a:solidFill>
+          <a:ln>
+            <a:solidFill>
+              <a:schemeClr val="tx1">
+                <a:lumMod val="75000"/>
+                <a:lumOff val="25000"/>
+              </a:schemeClr>
+            </a:solidFill>
+          </a:ln>
+        </p:spPr>
+        <p:style>
+          <a:lnRef idx="2">
+            <a:schemeClr val="accent1">
+              <a:shade val="50000"/>
+            </a:schemeClr>
+          </a:lnRef>
+          <a:fillRef idx="1">
+            <a:schemeClr val="accent1"/>
+          </a:fillRef>
+          <a:effectRef idx="0">
+            <a:schemeClr val="accent1"/>
+          </a:effectRef>
+          <a:fontRef idx="minor">
+            <a:schemeClr val="lt1"/>
+          </a:fontRef>
+        </p:style>
+        <p:txBody>
+          <a:bodyPr rtlCol="0" anchor="ctr"/>
+          <a:lstStyle/>
+          <a:p>
+            <a:pPr algn="ctr"/>
+            <a:r>
+              <a:rPr lang="en-GB" dirty="0"/>
+              <a:t>Runtime Environment</a:t>
+            </a:r>
+          </a:p>
+        </p:txBody>
+      </p:sp>
+      <p:pic>
+        <p:nvPicPr>
+          <p:cNvPr id="15" name="Picture 14">
+            <a:extLst>
+              <a:ext uri="{FF2B5EF4-FFF2-40B4-BE49-F238E27FC236}">
+                <a16:creationId xmlns:a16="http://schemas.microsoft.com/office/drawing/2014/main" id="{E545672F-15F4-C14B-A755-906A0E4803C1}"/>
+              </a:ext>
+            </a:extLst>
+          </p:cNvPr>
+          <p:cNvPicPr>
+            <a:picLocks noChangeAspect="1"/>
+          </p:cNvPicPr>
+          <p:nvPr/>
+        </p:nvPicPr>
+        <p:blipFill>
+          <a:blip r:embed="rId5"/>
+          <a:stretch>
+            <a:fillRect/>
+          </a:stretch>
+        </p:blipFill>
+        <p:spPr>
+          <a:xfrm>
+            <a:off x="3421445" y="1999962"/>
+            <a:ext cx="356712" cy="312123"/>
+          </a:xfrm>
+          <a:prstGeom prst="rect">
+            <a:avLst/>
+          </a:prstGeom>
+        </p:spPr>
+      </p:pic>
+      <p:pic>
+        <p:nvPicPr>
+          <p:cNvPr id="1036" name="Picture 12" descr="branding - What's the meaning of the Ubuntu logo? Where does it ...">
+            <a:extLst>
+              <a:ext uri="{FF2B5EF4-FFF2-40B4-BE49-F238E27FC236}">
+                <a16:creationId xmlns:a16="http://schemas.microsoft.com/office/drawing/2014/main" id="{4229CEC3-D127-8D4C-BC1F-F3A3C055CAC1}"/>
               </a:ext>
             </a:extLst>
           </p:cNvPr>
@@ -3858,7 +4042,7 @@
           <p:nvPr/>
         </p:nvPicPr>
         <p:blipFill>
-          <a:blip r:embed="rId4">
+          <a:blip r:embed="rId6">
             <a:extLst>
               <a:ext uri="{28A0092B-C50C-407E-A947-70E740481C1C}">
                 <a14:useLocalDpi xmlns:a14="http://schemas.microsoft.com/office/drawing/2010/main" val="0"/>
@@ -3872,8 +4056,8 @@
         </p:blipFill>
         <p:spPr bwMode="auto">
           <a:xfrm>
-            <a:off x="2251287" y="1456539"/>
-            <a:ext cx="665052" cy="443368"/>
+            <a:off x="3084492" y="1766787"/>
+            <a:ext cx="340144" cy="340144"/>
           </a:xfrm>
           <a:prstGeom prst="rect">
             <a:avLst/>
@@ -3892,32 +4076,190 @@
       </p:pic>
       <p:pic>
         <p:nvPicPr>
-          <p:cNvPr id="14" name="Picture 13">
-            <a:extLst>
-              <a:ext uri="{FF2B5EF4-FFF2-40B4-BE49-F238E27FC236}">
-                <a16:creationId xmlns:a16="http://schemas.microsoft.com/office/drawing/2014/main" id="{F8E80C94-FAC0-EA44-A1EA-118513856665}"/>
+          <p:cNvPr id="1038" name="Picture 14">
+            <a:extLst>
+              <a:ext uri="{FF2B5EF4-FFF2-40B4-BE49-F238E27FC236}">
+                <a16:creationId xmlns:a16="http://schemas.microsoft.com/office/drawing/2014/main" id="{E73408E7-C798-1443-AD7B-FBC2EDA74FD6}"/>
               </a:ext>
             </a:extLst>
           </p:cNvPr>
           <p:cNvPicPr>
-            <a:picLocks noChangeAspect="1"/>
+            <a:picLocks noChangeAspect="1" noChangeArrowheads="1"/>
           </p:cNvPicPr>
           <p:nvPr/>
         </p:nvPicPr>
         <p:blipFill>
-          <a:blip r:embed="rId5"/>
+          <a:blip r:embed="rId7">
+            <a:extLst>
+              <a:ext uri="{28A0092B-C50C-407E-A947-70E740481C1C}">
+                <a14:useLocalDpi xmlns:a14="http://schemas.microsoft.com/office/drawing/2010/main" val="0"/>
+              </a:ext>
+            </a:extLst>
+          </a:blip>
+          <a:srcRect/>
           <a:stretch>
             <a:fillRect/>
           </a:stretch>
         </p:blipFill>
-        <p:spPr>
-          <a:xfrm>
-            <a:off x="1537913" y="1542861"/>
-            <a:ext cx="503673" cy="270724"/>
+        <p:spPr bwMode="auto">
+          <a:xfrm>
+            <a:off x="3286987" y="1426643"/>
+            <a:ext cx="340144" cy="340144"/>
           </a:xfrm>
           <a:prstGeom prst="rect">
             <a:avLst/>
           </a:prstGeom>
+          <a:noFill/>
+          <a:extLst>
+            <a:ext uri="{909E8E84-426E-40DD-AFC4-6F175D3DCCD1}">
+              <a14:hiddenFill xmlns:a14="http://schemas.microsoft.com/office/drawing/2010/main">
+                <a:solidFill>
+                  <a:srgbClr val="FFFFFF"/>
+                </a:solidFill>
+              </a14:hiddenFill>
+            </a:ext>
+          </a:extLst>
+        </p:spPr>
+      </p:pic>
+      <p:pic>
+        <p:nvPicPr>
+          <p:cNvPr id="1040" name="Picture 16">
+            <a:extLst>
+              <a:ext uri="{FF2B5EF4-FFF2-40B4-BE49-F238E27FC236}">
+                <a16:creationId xmlns:a16="http://schemas.microsoft.com/office/drawing/2014/main" id="{366F4E68-873E-A74D-BE12-72B839C4A3F1}"/>
+              </a:ext>
+            </a:extLst>
+          </p:cNvPr>
+          <p:cNvPicPr>
+            <a:picLocks noChangeAspect="1" noChangeArrowheads="1"/>
+          </p:cNvPicPr>
+          <p:nvPr/>
+        </p:nvPicPr>
+        <p:blipFill>
+          <a:blip r:embed="rId8">
+            <a:extLst>
+              <a:ext uri="{28A0092B-C50C-407E-A947-70E740481C1C}">
+                <a14:useLocalDpi xmlns:a14="http://schemas.microsoft.com/office/drawing/2010/main" val="0"/>
+              </a:ext>
+            </a:extLst>
+          </a:blip>
+          <a:srcRect/>
+          <a:stretch>
+            <a:fillRect/>
+          </a:stretch>
+        </p:blipFill>
+        <p:spPr bwMode="auto">
+          <a:xfrm>
+            <a:off x="669393" y="2240424"/>
+            <a:ext cx="452771" cy="301708"/>
+          </a:xfrm>
+          <a:prstGeom prst="rect">
+            <a:avLst/>
+          </a:prstGeom>
+          <a:noFill/>
+          <a:extLst>
+            <a:ext uri="{909E8E84-426E-40DD-AFC4-6F175D3DCCD1}">
+              <a14:hiddenFill xmlns:a14="http://schemas.microsoft.com/office/drawing/2010/main">
+                <a:solidFill>
+                  <a:srgbClr val="FFFFFF"/>
+                </a:solidFill>
+              </a14:hiddenFill>
+            </a:ext>
+          </a:extLst>
+        </p:spPr>
+      </p:pic>
+      <p:pic>
+        <p:nvPicPr>
+          <p:cNvPr id="1042" name="Picture 18" descr="Trademarks">
+            <a:extLst>
+              <a:ext uri="{FF2B5EF4-FFF2-40B4-BE49-F238E27FC236}">
+                <a16:creationId xmlns:a16="http://schemas.microsoft.com/office/drawing/2014/main" id="{BBBAB1B7-8664-7D47-8E14-8FDBF0B007F6}"/>
+              </a:ext>
+            </a:extLst>
+          </p:cNvPr>
+          <p:cNvPicPr>
+            <a:picLocks noChangeAspect="1" noChangeArrowheads="1"/>
+          </p:cNvPicPr>
+          <p:nvPr/>
+        </p:nvPicPr>
+        <p:blipFill>
+          <a:blip r:embed="rId9">
+            <a:extLst>
+              <a:ext uri="{28A0092B-C50C-407E-A947-70E740481C1C}">
+                <a14:useLocalDpi xmlns:a14="http://schemas.microsoft.com/office/drawing/2010/main" val="0"/>
+              </a:ext>
+            </a:extLst>
+          </a:blip>
+          <a:srcRect/>
+          <a:stretch>
+            <a:fillRect/>
+          </a:stretch>
+        </p:blipFill>
+        <p:spPr bwMode="auto">
+          <a:xfrm>
+            <a:off x="942182" y="4045973"/>
+            <a:ext cx="301565" cy="301565"/>
+          </a:xfrm>
+          <a:prstGeom prst="rect">
+            <a:avLst/>
+          </a:prstGeom>
+          <a:noFill/>
+          <a:extLst>
+            <a:ext uri="{909E8E84-426E-40DD-AFC4-6F175D3DCCD1}">
+              <a14:hiddenFill xmlns:a14="http://schemas.microsoft.com/office/drawing/2010/main">
+                <a:solidFill>
+                  <a:srgbClr val="FFFFFF"/>
+                </a:solidFill>
+              </a14:hiddenFill>
+            </a:ext>
+          </a:extLst>
+        </p:spPr>
+      </p:pic>
+      <p:pic>
+        <p:nvPicPr>
+          <p:cNvPr id="1044" name="Picture 20" descr="Technical, support, config, configure, tools, orange Free Icon of ...">
+            <a:extLst>
+              <a:ext uri="{FF2B5EF4-FFF2-40B4-BE49-F238E27FC236}">
+                <a16:creationId xmlns:a16="http://schemas.microsoft.com/office/drawing/2014/main" id="{E4E38EEF-819E-3B4A-A6A0-65978D34B900}"/>
+              </a:ext>
+            </a:extLst>
+          </p:cNvPr>
+          <p:cNvPicPr>
+            <a:picLocks noChangeAspect="1" noChangeArrowheads="1"/>
+          </p:cNvPicPr>
+          <p:nvPr/>
+        </p:nvPicPr>
+        <p:blipFill>
+          <a:blip r:embed="rId10">
+            <a:extLst>
+              <a:ext uri="{28A0092B-C50C-407E-A947-70E740481C1C}">
+                <a14:useLocalDpi xmlns:a14="http://schemas.microsoft.com/office/drawing/2010/main" val="0"/>
+              </a:ext>
+            </a:extLst>
+          </a:blip>
+          <a:srcRect/>
+          <a:stretch>
+            <a:fillRect/>
+          </a:stretch>
+        </p:blipFill>
+        <p:spPr bwMode="auto">
+          <a:xfrm>
+            <a:off x="3279120" y="4324158"/>
+            <a:ext cx="320681" cy="320681"/>
+          </a:xfrm>
+          <a:prstGeom prst="rect">
+            <a:avLst/>
+          </a:prstGeom>
+          <a:noFill/>
+          <a:extLst>
+            <a:ext uri="{909E8E84-426E-40DD-AFC4-6F175D3DCCD1}">
+              <a14:hiddenFill xmlns:a14="http://schemas.microsoft.com/office/drawing/2010/main">
+                <a:solidFill>
+                  <a:srgbClr val="FFFFFF"/>
+                </a:solidFill>
+              </a14:hiddenFill>
+            </a:ext>
+          </a:extLst>
         </p:spPr>
       </p:pic>
     </p:spTree>

--- a/assets/images/Images.pptx
+++ b/assets/images/Images.pptx
@@ -4776,7 +4776,7 @@
         </p:nvSpPr>
         <p:spPr>
           <a:xfrm>
-            <a:off x="9044302" y="1337023"/>
+            <a:off x="9054334" y="1382288"/>
             <a:ext cx="1800000" cy="446314"/>
           </a:xfrm>
           <a:prstGeom prst="rect">
@@ -4827,7 +4827,7 @@
         </p:nvSpPr>
         <p:spPr>
           <a:xfrm>
-            <a:off x="4814039" y="2657954"/>
+            <a:off x="4814039" y="2341080"/>
             <a:ext cx="1800000" cy="446314"/>
           </a:xfrm>
           <a:prstGeom prst="rect">
@@ -4878,7 +4878,7 @@
         </p:nvSpPr>
         <p:spPr>
           <a:xfrm>
-            <a:off x="6934187" y="2657954"/>
+            <a:off x="6934187" y="2341080"/>
             <a:ext cx="1800000" cy="446314"/>
           </a:xfrm>
           <a:prstGeom prst="rect">
@@ -4929,7 +4929,7 @@
         </p:nvSpPr>
         <p:spPr>
           <a:xfrm>
-            <a:off x="6624072" y="2696445"/>
+            <a:off x="6624072" y="2379571"/>
             <a:ext cx="300082" cy="369332"/>
           </a:xfrm>
           <a:prstGeom prst="rect">
@@ -4964,7 +4964,7 @@
         </p:nvSpPr>
         <p:spPr>
           <a:xfrm>
-            <a:off x="9054334" y="2657954"/>
+            <a:off x="9054334" y="2341080"/>
             <a:ext cx="1800000" cy="446314"/>
           </a:xfrm>
           <a:prstGeom prst="rect">
@@ -5015,7 +5015,7 @@
         </p:nvSpPr>
         <p:spPr>
           <a:xfrm>
-            <a:off x="8744220" y="2696445"/>
+            <a:off x="8744220" y="2379571"/>
             <a:ext cx="300082" cy="369332"/>
           </a:xfrm>
           <a:prstGeom prst="rect">
@@ -5050,7 +5050,7 @@
         </p:nvSpPr>
         <p:spPr>
           <a:xfrm>
-            <a:off x="4814039" y="3978885"/>
+            <a:off x="4814039" y="3298742"/>
             <a:ext cx="1800000" cy="446314"/>
           </a:xfrm>
           <a:prstGeom prst="rect">
@@ -5101,7 +5101,7 @@
         </p:nvSpPr>
         <p:spPr>
           <a:xfrm>
-            <a:off x="6934187" y="3978885"/>
+            <a:off x="6934187" y="3298742"/>
             <a:ext cx="1800000" cy="446314"/>
           </a:xfrm>
           <a:prstGeom prst="rect">
@@ -5152,7 +5152,7 @@
         </p:nvSpPr>
         <p:spPr>
           <a:xfrm>
-            <a:off x="6624072" y="4017376"/>
+            <a:off x="6624072" y="3337233"/>
             <a:ext cx="300082" cy="369332"/>
           </a:xfrm>
           <a:prstGeom prst="rect">
@@ -5187,7 +5187,7 @@
         </p:nvSpPr>
         <p:spPr>
           <a:xfrm>
-            <a:off x="9054334" y="3978885"/>
+            <a:off x="9044302" y="3298742"/>
             <a:ext cx="1800000" cy="446314"/>
           </a:xfrm>
           <a:prstGeom prst="rect">
@@ -5238,7 +5238,7 @@
         </p:nvSpPr>
         <p:spPr>
           <a:xfrm>
-            <a:off x="8744220" y="4017376"/>
+            <a:off x="8744220" y="3337233"/>
             <a:ext cx="300082" cy="369332"/>
           </a:xfrm>
           <a:prstGeom prst="rect">
@@ -5273,7 +5273,7 @@
         </p:nvSpPr>
         <p:spPr>
           <a:xfrm>
-            <a:off x="4814039" y="5299816"/>
+            <a:off x="4814039" y="4258677"/>
             <a:ext cx="1800000" cy="446314"/>
           </a:xfrm>
           <a:prstGeom prst="rect">
@@ -5324,7 +5324,7 @@
         </p:nvSpPr>
         <p:spPr>
           <a:xfrm>
-            <a:off x="6934187" y="5299816"/>
+            <a:off x="6934187" y="4258677"/>
             <a:ext cx="1800000" cy="446314"/>
           </a:xfrm>
           <a:prstGeom prst="rect">
@@ -5375,7 +5375,7 @@
         </p:nvSpPr>
         <p:spPr>
           <a:xfrm>
-            <a:off x="6624072" y="5338307"/>
+            <a:off x="6624072" y="4297168"/>
             <a:ext cx="300082" cy="369332"/>
           </a:xfrm>
           <a:prstGeom prst="rect">
@@ -5410,7 +5410,7 @@
         </p:nvSpPr>
         <p:spPr>
           <a:xfrm>
-            <a:off x="9054334" y="5299816"/>
+            <a:off x="9054334" y="4258677"/>
             <a:ext cx="1800000" cy="446314"/>
           </a:xfrm>
           <a:prstGeom prst="rect">
@@ -5461,7 +5461,7 @@
         </p:nvSpPr>
         <p:spPr>
           <a:xfrm>
-            <a:off x="8744220" y="5338307"/>
+            <a:off x="8744220" y="4297168"/>
             <a:ext cx="300082" cy="369332"/>
           </a:xfrm>
           <a:prstGeom prst="rect">
@@ -5500,8 +5500,8 @@
         </p:nvCxnSpPr>
         <p:spPr>
           <a:xfrm rot="5400000">
-            <a:off x="8456953" y="2481503"/>
-            <a:ext cx="874617" cy="2120147"/>
+            <a:off x="8638587" y="1982995"/>
+            <a:ext cx="511348" cy="2120147"/>
           </a:xfrm>
           <a:prstGeom prst="curvedConnector3">
             <a:avLst/>
@@ -5549,8 +5549,8 @@
         </p:nvCxnSpPr>
         <p:spPr>
           <a:xfrm rot="5400000">
-            <a:off x="8456953" y="3802434"/>
-            <a:ext cx="874617" cy="2120147"/>
+            <a:off x="8632435" y="2946809"/>
+            <a:ext cx="513621" cy="2110115"/>
           </a:xfrm>
           <a:prstGeom prst="curvedConnector3">
             <a:avLst>
@@ -5596,7 +5596,7 @@
         </p:nvSpPr>
         <p:spPr>
           <a:xfrm>
-            <a:off x="344443" y="1337023"/>
+            <a:off x="344443" y="1382288"/>
             <a:ext cx="4191936" cy="446314"/>
           </a:xfrm>
           <a:prstGeom prst="rect">
@@ -5654,7 +5654,7 @@
                 <a:latin typeface="Courier New" panose="02070309020205020404" pitchFamily="49" charset="0"/>
                 <a:cs typeface="Courier New" panose="02070309020205020404" pitchFamily="49" charset="0"/>
               </a:rPr>
-              <a:t> adoptopenjdk/openjdk14:jre-14.0.1_7-alpine</a:t>
+              <a:t> adoptopenjdk:8u252-b09-jre-hotspot-bionic</a:t>
             </a:r>
           </a:p>
         </p:txBody>
@@ -5673,7 +5673,7 @@
         </p:nvSpPr>
         <p:spPr>
           <a:xfrm>
-            <a:off x="344443" y="2657954"/>
+            <a:off x="344443" y="2341084"/>
             <a:ext cx="4191936" cy="446314"/>
           </a:xfrm>
           <a:prstGeom prst="rect">
@@ -5750,7 +5750,7 @@
         </p:nvSpPr>
         <p:spPr>
           <a:xfrm>
-            <a:off x="344443" y="3978812"/>
+            <a:off x="344443" y="3298742"/>
             <a:ext cx="4191936" cy="446314"/>
           </a:xfrm>
           <a:prstGeom prst="rect">
@@ -5827,7 +5827,7 @@
         </p:nvSpPr>
         <p:spPr>
           <a:xfrm>
-            <a:off x="344443" y="5299816"/>
+            <a:off x="344443" y="4258677"/>
             <a:ext cx="4191936" cy="446314"/>
           </a:xfrm>
           <a:prstGeom prst="rect">
@@ -5875,7 +5875,7 @@
                 <a:latin typeface="Courier New" panose="02070309020205020404" pitchFamily="49" charset="0"/>
                 <a:cs typeface="Courier New" panose="02070309020205020404" pitchFamily="49" charset="0"/>
               </a:rPr>
-              <a:t>CMD</a:t>
+              <a:t>ENTRYPOINT</a:t>
             </a:r>
             <a:r>
               <a:rPr lang="en-GB" sz="1100" dirty="0">
@@ -5907,8 +5907,8 @@
         </p:nvCxnSpPr>
         <p:spPr>
           <a:xfrm rot="5400000">
-            <a:off x="8451937" y="1165588"/>
-            <a:ext cx="874617" cy="2110115"/>
+            <a:off x="8638022" y="1024768"/>
+            <a:ext cx="512478" cy="2120147"/>
           </a:xfrm>
           <a:prstGeom prst="curvedConnector3">
             <a:avLst/>

--- a/assets/images/Images.pptx
+++ b/assets/images/Images.pptx
@@ -4419,7 +4419,7 @@
           <a:p>
             <a:pPr algn="ctr"/>
             <a:r>
-              <a:rPr lang="en-GB" dirty="0">
+              <a:rPr lang="en-GB">
                 <a:solidFill>
                   <a:schemeClr val="tx1">
                     <a:lumMod val="75000"/>
@@ -4427,8 +4427,16 @@
                   </a:schemeClr>
                 </a:solidFill>
               </a:rPr>
-              <a:t>Docker Container</a:t>
-            </a:r>
+              <a:t>Docker Image</a:t>
+            </a:r>
+            <a:endParaRPr lang="en-GB" dirty="0">
+              <a:solidFill>
+                <a:schemeClr val="tx1">
+                  <a:lumMod val="75000"/>
+                  <a:lumOff val="25000"/>
+                </a:schemeClr>
+              </a:solidFill>
+            </a:endParaRPr>
           </a:p>
         </p:txBody>
       </p:sp>
@@ -4684,7 +4692,7 @@
         </p:nvCxnSpPr>
         <p:spPr>
           <a:xfrm>
-            <a:off x="4670607" y="430306"/>
+            <a:off x="4679661" y="198462"/>
             <a:ext cx="0" cy="6194612"/>
           </a:xfrm>
           <a:prstGeom prst="line">
@@ -4731,7 +4739,7 @@
         </p:nvCxnSpPr>
         <p:spPr>
           <a:xfrm>
-            <a:off x="8889245" y="430306"/>
+            <a:off x="8889245" y="198462"/>
             <a:ext cx="0" cy="6194612"/>
           </a:xfrm>
           <a:prstGeom prst="line">
@@ -6057,8 +6065,8 @@
         </p:nvSpPr>
         <p:spPr>
           <a:xfrm rot="10800000">
-            <a:off x="10814082" y="1249060"/>
-            <a:ext cx="657415" cy="3287082"/>
+            <a:off x="10814081" y="1249060"/>
+            <a:ext cx="657415" cy="2609303"/>
           </a:xfrm>
           <a:prstGeom prst="leftBrace">
             <a:avLst/>
@@ -6109,7 +6117,7 @@
         </p:nvSpPr>
         <p:spPr>
           <a:xfrm rot="5400000">
-            <a:off x="10597187" y="2614721"/>
+            <a:off x="10584703" y="2379571"/>
             <a:ext cx="2117952" cy="369332"/>
           </a:xfrm>
           <a:prstGeom prst="rect">
@@ -6144,7 +6152,7 @@
         </p:nvSpPr>
         <p:spPr>
           <a:xfrm>
-            <a:off x="10404217" y="6140472"/>
+            <a:off x="10663626" y="4948598"/>
             <a:ext cx="1251946" cy="369332"/>
           </a:xfrm>
           <a:prstGeom prst="rect">
@@ -6179,7 +6187,7 @@
         </p:nvCxnSpPr>
         <p:spPr>
           <a:xfrm flipH="1" flipV="1">
-            <a:off x="10479741" y="5827059"/>
+            <a:off x="10394685" y="4791892"/>
             <a:ext cx="268941" cy="313413"/>
           </a:xfrm>
           <a:prstGeom prst="straightConnector1">

--- a/assets/images/Images.pptx
+++ b/assets/images/Images.pptx
@@ -8,6 +8,8 @@
     <p:sldId id="270" r:id="rId2"/>
     <p:sldId id="271" r:id="rId3"/>
     <p:sldId id="269" r:id="rId4"/>
+    <p:sldId id="272" r:id="rId5"/>
+    <p:sldId id="273" r:id="rId6"/>
   </p:sldIdLst>
   <p:sldSz cx="12192000" cy="6858000"/>
   <p:notesSz cx="6858000" cy="9144000"/>
@@ -4419,7 +4421,7 @@
           <a:p>
             <a:pPr algn="ctr"/>
             <a:r>
-              <a:rPr lang="en-GB">
+              <a:rPr lang="en-GB" dirty="0">
                 <a:solidFill>
                   <a:schemeClr val="tx1">
                     <a:lumMod val="75000"/>
@@ -4429,14 +4431,6 @@
               </a:rPr>
               <a:t>Docker Image</a:t>
             </a:r>
-            <a:endParaRPr lang="en-GB" dirty="0">
-              <a:solidFill>
-                <a:schemeClr val="tx1">
-                  <a:lumMod val="75000"/>
-                  <a:lumOff val="25000"/>
-                </a:schemeClr>
-              </a:solidFill>
-            </a:endParaRPr>
           </a:p>
         </p:txBody>
       </p:sp>
@@ -6222,6 +6216,3458 @@
     <p:extLst>
       <p:ext uri="{BB962C8B-B14F-4D97-AF65-F5344CB8AC3E}">
         <p14:creationId xmlns:p14="http://schemas.microsoft.com/office/powerpoint/2010/main" val="4099738580"/>
+      </p:ext>
+    </p:extLst>
+  </p:cSld>
+  <p:clrMapOvr>
+    <a:masterClrMapping/>
+  </p:clrMapOvr>
+</p:sld>
+</file>
+
+<file path=ppt/slides/slide4.xml><?xml version="1.0" encoding="utf-8"?>
+<p:sld xmlns:a="http://schemas.openxmlformats.org/drawingml/2006/main" xmlns:r="http://schemas.openxmlformats.org/officeDocument/2006/relationships" xmlns:p="http://schemas.openxmlformats.org/presentationml/2006/main">
+  <p:cSld>
+    <p:spTree>
+      <p:nvGrpSpPr>
+        <p:cNvPr id="1" name=""/>
+        <p:cNvGrpSpPr/>
+        <p:nvPr/>
+      </p:nvGrpSpPr>
+      <p:grpSpPr>
+        <a:xfrm>
+          <a:off x="0" y="0"/>
+          <a:ext cx="0" cy="0"/>
+          <a:chOff x="0" y="0"/>
+          <a:chExt cx="0" cy="0"/>
+        </a:xfrm>
+      </p:grpSpPr>
+      <p:sp>
+        <p:nvSpPr>
+          <p:cNvPr id="4" name="Rectangle 3">
+            <a:extLst>
+              <a:ext uri="{FF2B5EF4-FFF2-40B4-BE49-F238E27FC236}">
+                <a16:creationId xmlns:a16="http://schemas.microsoft.com/office/drawing/2014/main" id="{9DB614D6-11D5-C04C-8ED8-D3904D3CDE8A}"/>
+              </a:ext>
+            </a:extLst>
+          </p:cNvPr>
+          <p:cNvSpPr/>
+          <p:nvPr/>
+        </p:nvSpPr>
+        <p:spPr>
+          <a:xfrm>
+            <a:off x="452020" y="960505"/>
+            <a:ext cx="1888007" cy="446314"/>
+          </a:xfrm>
+          <a:prstGeom prst="rect">
+            <a:avLst/>
+          </a:prstGeom>
+          <a:solidFill>
+            <a:schemeClr val="accent6">
+              <a:lumMod val="75000"/>
+            </a:schemeClr>
+          </a:solidFill>
+          <a:ln>
+            <a:solidFill>
+              <a:schemeClr val="tx1">
+                <a:lumMod val="75000"/>
+                <a:lumOff val="25000"/>
+              </a:schemeClr>
+            </a:solidFill>
+          </a:ln>
+        </p:spPr>
+        <p:style>
+          <a:lnRef idx="2">
+            <a:schemeClr val="accent1">
+              <a:shade val="50000"/>
+            </a:schemeClr>
+          </a:lnRef>
+          <a:fillRef idx="1">
+            <a:schemeClr val="accent1"/>
+          </a:fillRef>
+          <a:effectRef idx="0">
+            <a:schemeClr val="accent1"/>
+          </a:effectRef>
+          <a:fontRef idx="minor">
+            <a:schemeClr val="lt1"/>
+          </a:fontRef>
+        </p:style>
+        <p:txBody>
+          <a:bodyPr rtlCol="0" anchor="ctr"/>
+          <a:lstStyle/>
+          <a:p>
+            <a:endParaRPr lang="en-GB" sz="900" dirty="0">
+              <a:solidFill>
+                <a:schemeClr val="bg1"/>
+              </a:solidFill>
+              <a:latin typeface="Courier New" panose="02070309020205020404" pitchFamily="49" charset="0"/>
+              <a:cs typeface="Courier New" panose="02070309020205020404" pitchFamily="49" charset="0"/>
+            </a:endParaRPr>
+          </a:p>
+        </p:txBody>
+      </p:sp>
+      <p:sp>
+        <p:nvSpPr>
+          <p:cNvPr id="5" name="Rectangle 4">
+            <a:extLst>
+              <a:ext uri="{FF2B5EF4-FFF2-40B4-BE49-F238E27FC236}">
+                <a16:creationId xmlns:a16="http://schemas.microsoft.com/office/drawing/2014/main" id="{5BFECFE4-8A74-7742-8D6E-2A5FF5163627}"/>
+              </a:ext>
+            </a:extLst>
+          </p:cNvPr>
+          <p:cNvSpPr/>
+          <p:nvPr/>
+        </p:nvSpPr>
+        <p:spPr>
+          <a:xfrm>
+            <a:off x="452020" y="2281436"/>
+            <a:ext cx="1888007" cy="446314"/>
+          </a:xfrm>
+          <a:prstGeom prst="rect">
+            <a:avLst/>
+          </a:prstGeom>
+          <a:solidFill>
+            <a:schemeClr val="accent5">
+              <a:lumMod val="75000"/>
+            </a:schemeClr>
+          </a:solidFill>
+          <a:ln>
+            <a:solidFill>
+              <a:schemeClr val="tx1">
+                <a:lumMod val="75000"/>
+                <a:lumOff val="25000"/>
+              </a:schemeClr>
+            </a:solidFill>
+          </a:ln>
+        </p:spPr>
+        <p:style>
+          <a:lnRef idx="2">
+            <a:schemeClr val="accent1">
+              <a:shade val="50000"/>
+            </a:schemeClr>
+          </a:lnRef>
+          <a:fillRef idx="1">
+            <a:schemeClr val="accent1"/>
+          </a:fillRef>
+          <a:effectRef idx="0">
+            <a:schemeClr val="accent1"/>
+          </a:effectRef>
+          <a:fontRef idx="minor">
+            <a:schemeClr val="lt1"/>
+          </a:fontRef>
+        </p:style>
+        <p:txBody>
+          <a:bodyPr rtlCol="0" anchor="ctr"/>
+          <a:lstStyle/>
+          <a:p>
+            <a:endParaRPr lang="en-GB" sz="900" dirty="0">
+              <a:solidFill>
+                <a:schemeClr val="bg1"/>
+              </a:solidFill>
+              <a:latin typeface="Courier New" panose="02070309020205020404" pitchFamily="49" charset="0"/>
+              <a:cs typeface="Courier New" panose="02070309020205020404" pitchFamily="49" charset="0"/>
+            </a:endParaRPr>
+          </a:p>
+        </p:txBody>
+      </p:sp>
+      <p:sp>
+        <p:nvSpPr>
+          <p:cNvPr id="6" name="Rectangle 5">
+            <a:extLst>
+              <a:ext uri="{FF2B5EF4-FFF2-40B4-BE49-F238E27FC236}">
+                <a16:creationId xmlns:a16="http://schemas.microsoft.com/office/drawing/2014/main" id="{0BCFB0DA-68B3-B946-A35F-EF853A49DC3E}"/>
+              </a:ext>
+            </a:extLst>
+          </p:cNvPr>
+          <p:cNvSpPr/>
+          <p:nvPr/>
+        </p:nvSpPr>
+        <p:spPr>
+          <a:xfrm>
+            <a:off x="452020" y="3602294"/>
+            <a:ext cx="1888007" cy="446314"/>
+          </a:xfrm>
+          <a:prstGeom prst="rect">
+            <a:avLst/>
+          </a:prstGeom>
+          <a:solidFill>
+            <a:schemeClr val="accent3">
+              <a:lumMod val="75000"/>
+            </a:schemeClr>
+          </a:solidFill>
+          <a:ln>
+            <a:solidFill>
+              <a:schemeClr val="tx1">
+                <a:lumMod val="75000"/>
+                <a:lumOff val="25000"/>
+              </a:schemeClr>
+            </a:solidFill>
+          </a:ln>
+        </p:spPr>
+        <p:style>
+          <a:lnRef idx="2">
+            <a:schemeClr val="accent1">
+              <a:shade val="50000"/>
+            </a:schemeClr>
+          </a:lnRef>
+          <a:fillRef idx="1">
+            <a:schemeClr val="accent1"/>
+          </a:fillRef>
+          <a:effectRef idx="0">
+            <a:schemeClr val="accent1"/>
+          </a:effectRef>
+          <a:fontRef idx="minor">
+            <a:schemeClr val="lt1"/>
+          </a:fontRef>
+        </p:style>
+        <p:txBody>
+          <a:bodyPr rtlCol="0" anchor="ctr"/>
+          <a:lstStyle/>
+          <a:p>
+            <a:endParaRPr lang="en-GB" sz="900" dirty="0">
+              <a:solidFill>
+                <a:schemeClr val="bg1"/>
+              </a:solidFill>
+              <a:latin typeface="Courier New" panose="02070309020205020404" pitchFamily="49" charset="0"/>
+              <a:cs typeface="Courier New" panose="02070309020205020404" pitchFamily="49" charset="0"/>
+            </a:endParaRPr>
+          </a:p>
+        </p:txBody>
+      </p:sp>
+      <p:sp>
+        <p:nvSpPr>
+          <p:cNvPr id="7" name="Rectangle 6">
+            <a:extLst>
+              <a:ext uri="{FF2B5EF4-FFF2-40B4-BE49-F238E27FC236}">
+                <a16:creationId xmlns:a16="http://schemas.microsoft.com/office/drawing/2014/main" id="{EEB2D9F9-FD99-144C-A145-7ACAAEADDFE5}"/>
+              </a:ext>
+            </a:extLst>
+          </p:cNvPr>
+          <p:cNvSpPr/>
+          <p:nvPr/>
+        </p:nvSpPr>
+        <p:spPr>
+          <a:xfrm>
+            <a:off x="452020" y="4923298"/>
+            <a:ext cx="1888007" cy="446314"/>
+          </a:xfrm>
+          <a:prstGeom prst="rect">
+            <a:avLst/>
+          </a:prstGeom>
+          <a:solidFill>
+            <a:schemeClr val="accent1">
+              <a:lumMod val="75000"/>
+            </a:schemeClr>
+          </a:solidFill>
+          <a:ln>
+            <a:solidFill>
+              <a:schemeClr val="tx1">
+                <a:lumMod val="75000"/>
+                <a:lumOff val="25000"/>
+              </a:schemeClr>
+            </a:solidFill>
+          </a:ln>
+        </p:spPr>
+        <p:style>
+          <a:lnRef idx="2">
+            <a:schemeClr val="accent1">
+              <a:shade val="50000"/>
+            </a:schemeClr>
+          </a:lnRef>
+          <a:fillRef idx="1">
+            <a:schemeClr val="accent1"/>
+          </a:fillRef>
+          <a:effectRef idx="0">
+            <a:schemeClr val="accent1"/>
+          </a:effectRef>
+          <a:fontRef idx="minor">
+            <a:schemeClr val="lt1"/>
+          </a:fontRef>
+        </p:style>
+        <p:txBody>
+          <a:bodyPr rtlCol="0" anchor="ctr"/>
+          <a:lstStyle/>
+          <a:p>
+            <a:endParaRPr lang="en-GB" sz="900" dirty="0">
+              <a:solidFill>
+                <a:schemeClr val="bg1"/>
+              </a:solidFill>
+              <a:latin typeface="Courier New" panose="02070309020205020404" pitchFamily="49" charset="0"/>
+              <a:cs typeface="Courier New" panose="02070309020205020404" pitchFamily="49" charset="0"/>
+            </a:endParaRPr>
+          </a:p>
+        </p:txBody>
+      </p:sp>
+      <p:sp>
+        <p:nvSpPr>
+          <p:cNvPr id="8" name="Rectangle 7">
+            <a:extLst>
+              <a:ext uri="{FF2B5EF4-FFF2-40B4-BE49-F238E27FC236}">
+                <a16:creationId xmlns:a16="http://schemas.microsoft.com/office/drawing/2014/main" id="{C7183D38-6A9A-B54B-9AB8-CC060C578B2F}"/>
+              </a:ext>
+            </a:extLst>
+          </p:cNvPr>
+          <p:cNvSpPr/>
+          <p:nvPr/>
+        </p:nvSpPr>
+        <p:spPr>
+          <a:xfrm>
+            <a:off x="2920861" y="3602294"/>
+            <a:ext cx="1888007" cy="446314"/>
+          </a:xfrm>
+          <a:prstGeom prst="rect">
+            <a:avLst/>
+          </a:prstGeom>
+          <a:solidFill>
+            <a:schemeClr val="accent3">
+              <a:lumMod val="60000"/>
+              <a:lumOff val="40000"/>
+            </a:schemeClr>
+          </a:solidFill>
+          <a:ln>
+            <a:solidFill>
+              <a:schemeClr val="tx1">
+                <a:lumMod val="75000"/>
+                <a:lumOff val="25000"/>
+              </a:schemeClr>
+            </a:solidFill>
+          </a:ln>
+        </p:spPr>
+        <p:style>
+          <a:lnRef idx="2">
+            <a:schemeClr val="accent1">
+              <a:shade val="50000"/>
+            </a:schemeClr>
+          </a:lnRef>
+          <a:fillRef idx="1">
+            <a:schemeClr val="accent1"/>
+          </a:fillRef>
+          <a:effectRef idx="0">
+            <a:schemeClr val="accent1"/>
+          </a:effectRef>
+          <a:fontRef idx="minor">
+            <a:schemeClr val="lt1"/>
+          </a:fontRef>
+        </p:style>
+        <p:txBody>
+          <a:bodyPr rtlCol="0" anchor="ctr"/>
+          <a:lstStyle/>
+          <a:p>
+            <a:endParaRPr lang="en-GB" sz="900" dirty="0">
+              <a:solidFill>
+                <a:schemeClr val="bg1"/>
+              </a:solidFill>
+              <a:latin typeface="Courier New" panose="02070309020205020404" pitchFamily="49" charset="0"/>
+              <a:cs typeface="Courier New" panose="02070309020205020404" pitchFamily="49" charset="0"/>
+            </a:endParaRPr>
+          </a:p>
+        </p:txBody>
+      </p:sp>
+      <p:sp>
+        <p:nvSpPr>
+          <p:cNvPr id="9" name="Rectangle 8">
+            <a:extLst>
+              <a:ext uri="{FF2B5EF4-FFF2-40B4-BE49-F238E27FC236}">
+                <a16:creationId xmlns:a16="http://schemas.microsoft.com/office/drawing/2014/main" id="{A62B1077-F72B-194C-9D6B-8D45BDE2AE2B}"/>
+              </a:ext>
+            </a:extLst>
+          </p:cNvPr>
+          <p:cNvSpPr/>
+          <p:nvPr/>
+        </p:nvSpPr>
+        <p:spPr>
+          <a:xfrm>
+            <a:off x="2914725" y="4923298"/>
+            <a:ext cx="1888007" cy="446314"/>
+          </a:xfrm>
+          <a:prstGeom prst="rect">
+            <a:avLst/>
+          </a:prstGeom>
+          <a:solidFill>
+            <a:schemeClr val="accent1">
+              <a:lumMod val="60000"/>
+              <a:lumOff val="40000"/>
+            </a:schemeClr>
+          </a:solidFill>
+          <a:ln>
+            <a:solidFill>
+              <a:schemeClr val="tx1">
+                <a:lumMod val="75000"/>
+                <a:lumOff val="25000"/>
+              </a:schemeClr>
+            </a:solidFill>
+          </a:ln>
+        </p:spPr>
+        <p:style>
+          <a:lnRef idx="2">
+            <a:schemeClr val="accent1">
+              <a:shade val="50000"/>
+            </a:schemeClr>
+          </a:lnRef>
+          <a:fillRef idx="1">
+            <a:schemeClr val="accent1"/>
+          </a:fillRef>
+          <a:effectRef idx="0">
+            <a:schemeClr val="accent1"/>
+          </a:effectRef>
+          <a:fontRef idx="minor">
+            <a:schemeClr val="lt1"/>
+          </a:fontRef>
+        </p:style>
+        <p:txBody>
+          <a:bodyPr rtlCol="0" anchor="ctr"/>
+          <a:lstStyle/>
+          <a:p>
+            <a:endParaRPr lang="en-GB" sz="900" dirty="0">
+              <a:solidFill>
+                <a:schemeClr val="bg1"/>
+              </a:solidFill>
+              <a:latin typeface="Courier New" panose="02070309020205020404" pitchFamily="49" charset="0"/>
+              <a:cs typeface="Courier New" panose="02070309020205020404" pitchFamily="49" charset="0"/>
+            </a:endParaRPr>
+          </a:p>
+        </p:txBody>
+      </p:sp>
+      <p:sp>
+        <p:nvSpPr>
+          <p:cNvPr id="10" name="Rectangle 9">
+            <a:extLst>
+              <a:ext uri="{FF2B5EF4-FFF2-40B4-BE49-F238E27FC236}">
+                <a16:creationId xmlns:a16="http://schemas.microsoft.com/office/drawing/2014/main" id="{09B73A7B-8777-8245-91A8-D4ECEF75CD11}"/>
+              </a:ext>
+            </a:extLst>
+          </p:cNvPr>
+          <p:cNvSpPr/>
+          <p:nvPr/>
+        </p:nvSpPr>
+        <p:spPr>
+          <a:xfrm>
+            <a:off x="5380498" y="3602294"/>
+            <a:ext cx="1888007" cy="446314"/>
+          </a:xfrm>
+          <a:prstGeom prst="rect">
+            <a:avLst/>
+          </a:prstGeom>
+          <a:solidFill>
+            <a:schemeClr val="accent3">
+              <a:lumMod val="40000"/>
+              <a:lumOff val="60000"/>
+            </a:schemeClr>
+          </a:solidFill>
+          <a:ln>
+            <a:solidFill>
+              <a:schemeClr val="tx1">
+                <a:lumMod val="75000"/>
+                <a:lumOff val="25000"/>
+              </a:schemeClr>
+            </a:solidFill>
+          </a:ln>
+        </p:spPr>
+        <p:style>
+          <a:lnRef idx="2">
+            <a:schemeClr val="accent1">
+              <a:shade val="50000"/>
+            </a:schemeClr>
+          </a:lnRef>
+          <a:fillRef idx="1">
+            <a:schemeClr val="accent1"/>
+          </a:fillRef>
+          <a:effectRef idx="0">
+            <a:schemeClr val="accent1"/>
+          </a:effectRef>
+          <a:fontRef idx="minor">
+            <a:schemeClr val="lt1"/>
+          </a:fontRef>
+        </p:style>
+        <p:txBody>
+          <a:bodyPr rtlCol="0" anchor="ctr"/>
+          <a:lstStyle/>
+          <a:p>
+            <a:endParaRPr lang="en-GB" sz="900" dirty="0">
+              <a:solidFill>
+                <a:schemeClr val="bg1"/>
+              </a:solidFill>
+              <a:latin typeface="Courier New" panose="02070309020205020404" pitchFamily="49" charset="0"/>
+              <a:cs typeface="Courier New" panose="02070309020205020404" pitchFamily="49" charset="0"/>
+            </a:endParaRPr>
+          </a:p>
+        </p:txBody>
+      </p:sp>
+      <p:sp>
+        <p:nvSpPr>
+          <p:cNvPr id="11" name="Rectangle 10">
+            <a:extLst>
+              <a:ext uri="{FF2B5EF4-FFF2-40B4-BE49-F238E27FC236}">
+                <a16:creationId xmlns:a16="http://schemas.microsoft.com/office/drawing/2014/main" id="{79A7A465-ADA6-4B42-8783-74E41F7AC3D6}"/>
+              </a:ext>
+            </a:extLst>
+          </p:cNvPr>
+          <p:cNvSpPr/>
+          <p:nvPr/>
+        </p:nvSpPr>
+        <p:spPr>
+          <a:xfrm>
+            <a:off x="5377430" y="4923298"/>
+            <a:ext cx="1888007" cy="446314"/>
+          </a:xfrm>
+          <a:prstGeom prst="rect">
+            <a:avLst/>
+          </a:prstGeom>
+          <a:solidFill>
+            <a:schemeClr val="accent1">
+              <a:lumMod val="40000"/>
+              <a:lumOff val="60000"/>
+            </a:schemeClr>
+          </a:solidFill>
+          <a:ln>
+            <a:solidFill>
+              <a:schemeClr val="tx1">
+                <a:lumMod val="75000"/>
+                <a:lumOff val="25000"/>
+              </a:schemeClr>
+            </a:solidFill>
+          </a:ln>
+        </p:spPr>
+        <p:style>
+          <a:lnRef idx="2">
+            <a:schemeClr val="accent1">
+              <a:shade val="50000"/>
+            </a:schemeClr>
+          </a:lnRef>
+          <a:fillRef idx="1">
+            <a:schemeClr val="accent1"/>
+          </a:fillRef>
+          <a:effectRef idx="0">
+            <a:schemeClr val="accent1"/>
+          </a:effectRef>
+          <a:fontRef idx="minor">
+            <a:schemeClr val="lt1"/>
+          </a:fontRef>
+        </p:style>
+        <p:txBody>
+          <a:bodyPr rtlCol="0" anchor="ctr"/>
+          <a:lstStyle/>
+          <a:p>
+            <a:endParaRPr lang="en-GB" sz="900" dirty="0">
+              <a:solidFill>
+                <a:schemeClr val="bg1"/>
+              </a:solidFill>
+              <a:latin typeface="Courier New" panose="02070309020205020404" pitchFamily="49" charset="0"/>
+              <a:cs typeface="Courier New" panose="02070309020205020404" pitchFamily="49" charset="0"/>
+            </a:endParaRPr>
+          </a:p>
+        </p:txBody>
+      </p:sp>
+      <p:sp>
+        <p:nvSpPr>
+          <p:cNvPr id="12" name="Rectangle 11">
+            <a:extLst>
+              <a:ext uri="{FF2B5EF4-FFF2-40B4-BE49-F238E27FC236}">
+                <a16:creationId xmlns:a16="http://schemas.microsoft.com/office/drawing/2014/main" id="{8502EC85-5091-F444-B905-64C0E52D7EA4}"/>
+              </a:ext>
+            </a:extLst>
+          </p:cNvPr>
+          <p:cNvSpPr/>
+          <p:nvPr/>
+        </p:nvSpPr>
+        <p:spPr>
+          <a:xfrm>
+            <a:off x="7840135" y="3602294"/>
+            <a:ext cx="1888007" cy="446314"/>
+          </a:xfrm>
+          <a:prstGeom prst="rect">
+            <a:avLst/>
+          </a:prstGeom>
+          <a:solidFill>
+            <a:schemeClr val="accent3">
+              <a:lumMod val="20000"/>
+              <a:lumOff val="80000"/>
+            </a:schemeClr>
+          </a:solidFill>
+          <a:ln>
+            <a:solidFill>
+              <a:schemeClr val="tx1">
+                <a:lumMod val="75000"/>
+                <a:lumOff val="25000"/>
+              </a:schemeClr>
+            </a:solidFill>
+          </a:ln>
+        </p:spPr>
+        <p:style>
+          <a:lnRef idx="2">
+            <a:schemeClr val="accent1">
+              <a:shade val="50000"/>
+            </a:schemeClr>
+          </a:lnRef>
+          <a:fillRef idx="1">
+            <a:schemeClr val="accent1"/>
+          </a:fillRef>
+          <a:effectRef idx="0">
+            <a:schemeClr val="accent1"/>
+          </a:effectRef>
+          <a:fontRef idx="minor">
+            <a:schemeClr val="lt1"/>
+          </a:fontRef>
+        </p:style>
+        <p:txBody>
+          <a:bodyPr rtlCol="0" anchor="ctr"/>
+          <a:lstStyle/>
+          <a:p>
+            <a:endParaRPr lang="en-GB" sz="900" dirty="0">
+              <a:solidFill>
+                <a:schemeClr val="bg1"/>
+              </a:solidFill>
+              <a:latin typeface="Courier New" panose="02070309020205020404" pitchFamily="49" charset="0"/>
+              <a:cs typeface="Courier New" panose="02070309020205020404" pitchFamily="49" charset="0"/>
+            </a:endParaRPr>
+          </a:p>
+        </p:txBody>
+      </p:sp>
+      <p:sp>
+        <p:nvSpPr>
+          <p:cNvPr id="13" name="Rectangle 12">
+            <a:extLst>
+              <a:ext uri="{FF2B5EF4-FFF2-40B4-BE49-F238E27FC236}">
+                <a16:creationId xmlns:a16="http://schemas.microsoft.com/office/drawing/2014/main" id="{D0CF8E13-F17C-FF43-877F-2E7A1DFA593F}"/>
+              </a:ext>
+            </a:extLst>
+          </p:cNvPr>
+          <p:cNvSpPr/>
+          <p:nvPr/>
+        </p:nvSpPr>
+        <p:spPr>
+          <a:xfrm>
+            <a:off x="7840135" y="4923298"/>
+            <a:ext cx="1888007" cy="446314"/>
+          </a:xfrm>
+          <a:prstGeom prst="rect">
+            <a:avLst/>
+          </a:prstGeom>
+          <a:solidFill>
+            <a:schemeClr val="accent1">
+              <a:lumMod val="20000"/>
+              <a:lumOff val="80000"/>
+            </a:schemeClr>
+          </a:solidFill>
+          <a:ln>
+            <a:solidFill>
+              <a:schemeClr val="tx1">
+                <a:lumMod val="75000"/>
+                <a:lumOff val="25000"/>
+              </a:schemeClr>
+            </a:solidFill>
+          </a:ln>
+        </p:spPr>
+        <p:style>
+          <a:lnRef idx="2">
+            <a:schemeClr val="accent1">
+              <a:shade val="50000"/>
+            </a:schemeClr>
+          </a:lnRef>
+          <a:fillRef idx="1">
+            <a:schemeClr val="accent1"/>
+          </a:fillRef>
+          <a:effectRef idx="0">
+            <a:schemeClr val="accent1"/>
+          </a:effectRef>
+          <a:fontRef idx="minor">
+            <a:schemeClr val="lt1"/>
+          </a:fontRef>
+        </p:style>
+        <p:txBody>
+          <a:bodyPr rtlCol="0" anchor="ctr"/>
+          <a:lstStyle/>
+          <a:p>
+            <a:endParaRPr lang="en-GB" sz="900" dirty="0">
+              <a:solidFill>
+                <a:schemeClr val="bg1"/>
+              </a:solidFill>
+              <a:latin typeface="Courier New" panose="02070309020205020404" pitchFamily="49" charset="0"/>
+              <a:cs typeface="Courier New" panose="02070309020205020404" pitchFamily="49" charset="0"/>
+            </a:endParaRPr>
+          </a:p>
+        </p:txBody>
+      </p:sp>
+      <p:cxnSp>
+        <p:nvCxnSpPr>
+          <p:cNvPr id="15" name="Straight Arrow Connector 14">
+            <a:extLst>
+              <a:ext uri="{FF2B5EF4-FFF2-40B4-BE49-F238E27FC236}">
+                <a16:creationId xmlns:a16="http://schemas.microsoft.com/office/drawing/2014/main" id="{CE8E0CDF-6EBA-BC48-B3E4-BBD23DF3873F}"/>
+              </a:ext>
+            </a:extLst>
+          </p:cNvPr>
+          <p:cNvCxnSpPr>
+            <a:cxnSpLocks/>
+          </p:cNvCxnSpPr>
+          <p:nvPr/>
+        </p:nvCxnSpPr>
+        <p:spPr>
+          <a:xfrm>
+            <a:off x="1396023" y="1406819"/>
+            <a:ext cx="0" cy="874617"/>
+          </a:xfrm>
+          <a:prstGeom prst="straightConnector1">
+            <a:avLst/>
+          </a:prstGeom>
+          <a:ln w="12700">
+            <a:solidFill>
+              <a:schemeClr val="tx1">
+                <a:lumMod val="75000"/>
+                <a:lumOff val="25000"/>
+              </a:schemeClr>
+            </a:solidFill>
+            <a:tailEnd type="triangle"/>
+          </a:ln>
+        </p:spPr>
+        <p:style>
+          <a:lnRef idx="1">
+            <a:schemeClr val="accent1"/>
+          </a:lnRef>
+          <a:fillRef idx="0">
+            <a:schemeClr val="accent1"/>
+          </a:fillRef>
+          <a:effectRef idx="0">
+            <a:schemeClr val="accent1"/>
+          </a:effectRef>
+          <a:fontRef idx="minor">
+            <a:schemeClr val="tx1"/>
+          </a:fontRef>
+        </p:style>
+      </p:cxnSp>
+      <p:cxnSp>
+        <p:nvCxnSpPr>
+          <p:cNvPr id="17" name="Straight Arrow Connector 16">
+            <a:extLst>
+              <a:ext uri="{FF2B5EF4-FFF2-40B4-BE49-F238E27FC236}">
+                <a16:creationId xmlns:a16="http://schemas.microsoft.com/office/drawing/2014/main" id="{18263169-8B78-FF42-B2A3-7891969BF081}"/>
+              </a:ext>
+            </a:extLst>
+          </p:cNvPr>
+          <p:cNvCxnSpPr>
+            <a:cxnSpLocks/>
+          </p:cNvCxnSpPr>
+          <p:nvPr/>
+        </p:nvCxnSpPr>
+        <p:spPr>
+          <a:xfrm>
+            <a:off x="1386820" y="2727750"/>
+            <a:ext cx="0" cy="874544"/>
+          </a:xfrm>
+          <a:prstGeom prst="straightConnector1">
+            <a:avLst/>
+          </a:prstGeom>
+          <a:ln w="12700">
+            <a:solidFill>
+              <a:schemeClr val="tx1">
+                <a:lumMod val="75000"/>
+                <a:lumOff val="25000"/>
+              </a:schemeClr>
+            </a:solidFill>
+            <a:tailEnd type="triangle"/>
+          </a:ln>
+        </p:spPr>
+        <p:style>
+          <a:lnRef idx="1">
+            <a:schemeClr val="accent1"/>
+          </a:lnRef>
+          <a:fillRef idx="0">
+            <a:schemeClr val="accent1"/>
+          </a:fillRef>
+          <a:effectRef idx="0">
+            <a:schemeClr val="accent1"/>
+          </a:effectRef>
+          <a:fontRef idx="minor">
+            <a:schemeClr val="tx1"/>
+          </a:fontRef>
+        </p:style>
+      </p:cxnSp>
+      <p:cxnSp>
+        <p:nvCxnSpPr>
+          <p:cNvPr id="20" name="Straight Arrow Connector 19">
+            <a:extLst>
+              <a:ext uri="{FF2B5EF4-FFF2-40B4-BE49-F238E27FC236}">
+                <a16:creationId xmlns:a16="http://schemas.microsoft.com/office/drawing/2014/main" id="{CA16F982-D9E1-2E4A-A18B-40F55D4451E6}"/>
+              </a:ext>
+            </a:extLst>
+          </p:cNvPr>
+          <p:cNvCxnSpPr>
+            <a:cxnSpLocks/>
+          </p:cNvCxnSpPr>
+          <p:nvPr/>
+        </p:nvCxnSpPr>
+        <p:spPr>
+          <a:xfrm>
+            <a:off x="1386819" y="4048608"/>
+            <a:ext cx="0" cy="874690"/>
+          </a:xfrm>
+          <a:prstGeom prst="straightConnector1">
+            <a:avLst/>
+          </a:prstGeom>
+          <a:ln w="12700">
+            <a:solidFill>
+              <a:schemeClr val="tx1">
+                <a:lumMod val="75000"/>
+                <a:lumOff val="25000"/>
+              </a:schemeClr>
+            </a:solidFill>
+            <a:tailEnd type="triangle"/>
+          </a:ln>
+        </p:spPr>
+        <p:style>
+          <a:lnRef idx="1">
+            <a:schemeClr val="accent1"/>
+          </a:lnRef>
+          <a:fillRef idx="0">
+            <a:schemeClr val="accent1"/>
+          </a:fillRef>
+          <a:effectRef idx="0">
+            <a:schemeClr val="accent1"/>
+          </a:effectRef>
+          <a:fontRef idx="minor">
+            <a:schemeClr val="tx1"/>
+          </a:fontRef>
+        </p:style>
+      </p:cxnSp>
+      <p:cxnSp>
+        <p:nvCxnSpPr>
+          <p:cNvPr id="24" name="Curved Connector 23">
+            <a:extLst>
+              <a:ext uri="{FF2B5EF4-FFF2-40B4-BE49-F238E27FC236}">
+                <a16:creationId xmlns:a16="http://schemas.microsoft.com/office/drawing/2014/main" id="{863E019A-1F27-F141-8FEA-8243A0260B48}"/>
+              </a:ext>
+            </a:extLst>
+          </p:cNvPr>
+          <p:cNvCxnSpPr>
+            <a:stCxn id="5" idx="3"/>
+            <a:endCxn id="8" idx="0"/>
+          </p:cNvCxnSpPr>
+          <p:nvPr/>
+        </p:nvCxnSpPr>
+        <p:spPr>
+          <a:xfrm>
+            <a:off x="2340027" y="2504593"/>
+            <a:ext cx="1524838" cy="1097701"/>
+          </a:xfrm>
+          <a:prstGeom prst="curvedConnector2">
+            <a:avLst/>
+          </a:prstGeom>
+          <a:ln w="12700">
+            <a:solidFill>
+              <a:schemeClr val="tx1">
+                <a:lumMod val="75000"/>
+                <a:lumOff val="25000"/>
+              </a:schemeClr>
+            </a:solidFill>
+            <a:tailEnd type="triangle"/>
+          </a:ln>
+        </p:spPr>
+        <p:style>
+          <a:lnRef idx="1">
+            <a:schemeClr val="accent1"/>
+          </a:lnRef>
+          <a:fillRef idx="0">
+            <a:schemeClr val="accent1"/>
+          </a:fillRef>
+          <a:effectRef idx="0">
+            <a:schemeClr val="accent1"/>
+          </a:effectRef>
+          <a:fontRef idx="minor">
+            <a:schemeClr val="tx1"/>
+          </a:fontRef>
+        </p:style>
+      </p:cxnSp>
+      <p:cxnSp>
+        <p:nvCxnSpPr>
+          <p:cNvPr id="25" name="Curved Connector 24">
+            <a:extLst>
+              <a:ext uri="{FF2B5EF4-FFF2-40B4-BE49-F238E27FC236}">
+                <a16:creationId xmlns:a16="http://schemas.microsoft.com/office/drawing/2014/main" id="{9BDAAE95-FB62-2B48-A48C-948CEFA56260}"/>
+              </a:ext>
+            </a:extLst>
+          </p:cNvPr>
+          <p:cNvCxnSpPr>
+            <a:cxnSpLocks/>
+            <a:stCxn id="4" idx="3"/>
+          </p:cNvCxnSpPr>
+          <p:nvPr/>
+        </p:nvCxnSpPr>
+        <p:spPr>
+          <a:xfrm>
+            <a:off x="2340027" y="1183662"/>
+            <a:ext cx="1524837" cy="2382124"/>
+          </a:xfrm>
+          <a:prstGeom prst="curvedConnector2">
+            <a:avLst/>
+          </a:prstGeom>
+          <a:ln w="12700">
+            <a:solidFill>
+              <a:schemeClr val="tx1">
+                <a:lumMod val="75000"/>
+                <a:lumOff val="25000"/>
+              </a:schemeClr>
+            </a:solidFill>
+            <a:tailEnd type="triangle"/>
+          </a:ln>
+        </p:spPr>
+        <p:style>
+          <a:lnRef idx="1">
+            <a:schemeClr val="accent1"/>
+          </a:lnRef>
+          <a:fillRef idx="0">
+            <a:schemeClr val="accent1"/>
+          </a:fillRef>
+          <a:effectRef idx="0">
+            <a:schemeClr val="accent1"/>
+          </a:effectRef>
+          <a:fontRef idx="minor">
+            <a:schemeClr val="tx1"/>
+          </a:fontRef>
+        </p:style>
+      </p:cxnSp>
+      <p:cxnSp>
+        <p:nvCxnSpPr>
+          <p:cNvPr id="28" name="Curved Connector 27">
+            <a:extLst>
+              <a:ext uri="{FF2B5EF4-FFF2-40B4-BE49-F238E27FC236}">
+                <a16:creationId xmlns:a16="http://schemas.microsoft.com/office/drawing/2014/main" id="{FBFDB019-38CC-D442-9036-9CEE3A3F9B94}"/>
+              </a:ext>
+            </a:extLst>
+          </p:cNvPr>
+          <p:cNvCxnSpPr>
+            <a:cxnSpLocks/>
+            <a:stCxn id="4" idx="3"/>
+            <a:endCxn id="10" idx="0"/>
+          </p:cNvCxnSpPr>
+          <p:nvPr/>
+        </p:nvCxnSpPr>
+        <p:spPr>
+          <a:xfrm>
+            <a:off x="2340027" y="1183662"/>
+            <a:ext cx="3984475" cy="2418632"/>
+          </a:xfrm>
+          <a:prstGeom prst="curvedConnector2">
+            <a:avLst/>
+          </a:prstGeom>
+          <a:ln w="12700">
+            <a:solidFill>
+              <a:schemeClr val="tx1">
+                <a:lumMod val="75000"/>
+                <a:lumOff val="25000"/>
+              </a:schemeClr>
+            </a:solidFill>
+            <a:tailEnd type="triangle"/>
+          </a:ln>
+        </p:spPr>
+        <p:style>
+          <a:lnRef idx="1">
+            <a:schemeClr val="accent1"/>
+          </a:lnRef>
+          <a:fillRef idx="0">
+            <a:schemeClr val="accent1"/>
+          </a:fillRef>
+          <a:effectRef idx="0">
+            <a:schemeClr val="accent1"/>
+          </a:effectRef>
+          <a:fontRef idx="minor">
+            <a:schemeClr val="tx1"/>
+          </a:fontRef>
+        </p:style>
+      </p:cxnSp>
+      <p:cxnSp>
+        <p:nvCxnSpPr>
+          <p:cNvPr id="31" name="Curved Connector 30">
+            <a:extLst>
+              <a:ext uri="{FF2B5EF4-FFF2-40B4-BE49-F238E27FC236}">
+                <a16:creationId xmlns:a16="http://schemas.microsoft.com/office/drawing/2014/main" id="{5A09CE64-EB75-FF44-8969-1A5933BE1B84}"/>
+              </a:ext>
+            </a:extLst>
+          </p:cNvPr>
+          <p:cNvCxnSpPr>
+            <a:cxnSpLocks/>
+            <a:stCxn id="4" idx="3"/>
+            <a:endCxn id="12" idx="0"/>
+          </p:cNvCxnSpPr>
+          <p:nvPr/>
+        </p:nvCxnSpPr>
+        <p:spPr>
+          <a:xfrm>
+            <a:off x="2340027" y="1183662"/>
+            <a:ext cx="6444112" cy="2418632"/>
+          </a:xfrm>
+          <a:prstGeom prst="curvedConnector2">
+            <a:avLst/>
+          </a:prstGeom>
+          <a:ln w="12700">
+            <a:solidFill>
+              <a:schemeClr val="tx1">
+                <a:lumMod val="75000"/>
+                <a:lumOff val="25000"/>
+              </a:schemeClr>
+            </a:solidFill>
+            <a:tailEnd type="triangle"/>
+          </a:ln>
+        </p:spPr>
+        <p:style>
+          <a:lnRef idx="1">
+            <a:schemeClr val="accent1"/>
+          </a:lnRef>
+          <a:fillRef idx="0">
+            <a:schemeClr val="accent1"/>
+          </a:fillRef>
+          <a:effectRef idx="0">
+            <a:schemeClr val="accent1"/>
+          </a:effectRef>
+          <a:fontRef idx="minor">
+            <a:schemeClr val="tx1"/>
+          </a:fontRef>
+        </p:style>
+      </p:cxnSp>
+      <p:cxnSp>
+        <p:nvCxnSpPr>
+          <p:cNvPr id="34" name="Curved Connector 33">
+            <a:extLst>
+              <a:ext uri="{FF2B5EF4-FFF2-40B4-BE49-F238E27FC236}">
+                <a16:creationId xmlns:a16="http://schemas.microsoft.com/office/drawing/2014/main" id="{AEBDF3BC-F6A1-D14A-8DA6-F45F6788DF2A}"/>
+              </a:ext>
+            </a:extLst>
+          </p:cNvPr>
+          <p:cNvCxnSpPr>
+            <a:cxnSpLocks/>
+            <a:stCxn id="5" idx="3"/>
+            <a:endCxn id="10" idx="0"/>
+          </p:cNvCxnSpPr>
+          <p:nvPr/>
+        </p:nvCxnSpPr>
+        <p:spPr>
+          <a:xfrm>
+            <a:off x="2340027" y="2504593"/>
+            <a:ext cx="3984475" cy="1097701"/>
+          </a:xfrm>
+          <a:prstGeom prst="curvedConnector2">
+            <a:avLst/>
+          </a:prstGeom>
+          <a:ln w="12700">
+            <a:solidFill>
+              <a:schemeClr val="tx1">
+                <a:lumMod val="75000"/>
+                <a:lumOff val="25000"/>
+              </a:schemeClr>
+            </a:solidFill>
+            <a:tailEnd type="triangle"/>
+          </a:ln>
+        </p:spPr>
+        <p:style>
+          <a:lnRef idx="1">
+            <a:schemeClr val="accent1"/>
+          </a:lnRef>
+          <a:fillRef idx="0">
+            <a:schemeClr val="accent1"/>
+          </a:fillRef>
+          <a:effectRef idx="0">
+            <a:schemeClr val="accent1"/>
+          </a:effectRef>
+          <a:fontRef idx="minor">
+            <a:schemeClr val="tx1"/>
+          </a:fontRef>
+        </p:style>
+      </p:cxnSp>
+      <p:cxnSp>
+        <p:nvCxnSpPr>
+          <p:cNvPr id="37" name="Curved Connector 36">
+            <a:extLst>
+              <a:ext uri="{FF2B5EF4-FFF2-40B4-BE49-F238E27FC236}">
+                <a16:creationId xmlns:a16="http://schemas.microsoft.com/office/drawing/2014/main" id="{6E56493A-916E-3B4B-90D1-C7E5E346878C}"/>
+              </a:ext>
+            </a:extLst>
+          </p:cNvPr>
+          <p:cNvCxnSpPr>
+            <a:cxnSpLocks/>
+            <a:stCxn id="5" idx="3"/>
+            <a:endCxn id="12" idx="0"/>
+          </p:cNvCxnSpPr>
+          <p:nvPr/>
+        </p:nvCxnSpPr>
+        <p:spPr>
+          <a:xfrm>
+            <a:off x="2340027" y="2504593"/>
+            <a:ext cx="6444112" cy="1097701"/>
+          </a:xfrm>
+          <a:prstGeom prst="curvedConnector2">
+            <a:avLst/>
+          </a:prstGeom>
+          <a:ln w="12700">
+            <a:solidFill>
+              <a:schemeClr val="tx1">
+                <a:lumMod val="75000"/>
+                <a:lumOff val="25000"/>
+              </a:schemeClr>
+            </a:solidFill>
+            <a:tailEnd type="triangle"/>
+          </a:ln>
+        </p:spPr>
+        <p:style>
+          <a:lnRef idx="1">
+            <a:schemeClr val="accent1"/>
+          </a:lnRef>
+          <a:fillRef idx="0">
+            <a:schemeClr val="accent1"/>
+          </a:fillRef>
+          <a:effectRef idx="0">
+            <a:schemeClr val="accent1"/>
+          </a:effectRef>
+          <a:fontRef idx="minor">
+            <a:schemeClr val="tx1"/>
+          </a:fontRef>
+        </p:style>
+      </p:cxnSp>
+      <p:sp>
+        <p:nvSpPr>
+          <p:cNvPr id="40" name="TextBox 39">
+            <a:extLst>
+              <a:ext uri="{FF2B5EF4-FFF2-40B4-BE49-F238E27FC236}">
+                <a16:creationId xmlns:a16="http://schemas.microsoft.com/office/drawing/2014/main" id="{D63B5692-7BE5-884A-8E34-BF2A8048B2C7}"/>
+              </a:ext>
+            </a:extLst>
+          </p:cNvPr>
+          <p:cNvSpPr txBox="1"/>
+          <p:nvPr/>
+        </p:nvSpPr>
+        <p:spPr>
+          <a:xfrm>
+            <a:off x="4156000" y="1688947"/>
+            <a:ext cx="4330866" cy="369332"/>
+          </a:xfrm>
+          <a:prstGeom prst="rect">
+            <a:avLst/>
+          </a:prstGeom>
+          <a:solidFill>
+            <a:schemeClr val="bg1"/>
+          </a:solidFill>
+          <a:ln w="38100">
+            <a:solidFill>
+              <a:srgbClr val="FFFFFF">
+                <a:alpha val="50196"/>
+              </a:srgbClr>
+            </a:solidFill>
+          </a:ln>
+        </p:spPr>
+        <p:txBody>
+          <a:bodyPr wrap="none" rtlCol="0">
+            <a:spAutoFit/>
+          </a:bodyPr>
+          <a:lstStyle/>
+          <a:p>
+            <a:r>
+              <a:rPr lang="en-GB" dirty="0"/>
+              <a:t>The existing intermediate images are reused</a:t>
+            </a:r>
+          </a:p>
+        </p:txBody>
+      </p:sp>
+      <p:sp>
+        <p:nvSpPr>
+          <p:cNvPr id="41" name="TextBox 40">
+            <a:extLst>
+              <a:ext uri="{FF2B5EF4-FFF2-40B4-BE49-F238E27FC236}">
+                <a16:creationId xmlns:a16="http://schemas.microsoft.com/office/drawing/2014/main" id="{856B9F48-A1E8-2243-8CC8-E61363CCE27A}"/>
+              </a:ext>
+            </a:extLst>
+          </p:cNvPr>
+          <p:cNvSpPr txBox="1"/>
+          <p:nvPr/>
+        </p:nvSpPr>
+        <p:spPr>
+          <a:xfrm>
+            <a:off x="860585" y="5874970"/>
+            <a:ext cx="1052468" cy="369332"/>
+          </a:xfrm>
+          <a:prstGeom prst="rect">
+            <a:avLst/>
+          </a:prstGeom>
+          <a:noFill/>
+        </p:spPr>
+        <p:txBody>
+          <a:bodyPr wrap="none" rtlCol="0">
+            <a:spAutoFit/>
+          </a:bodyPr>
+          <a:lstStyle/>
+          <a:p>
+            <a:r>
+              <a:rPr lang="en-GB" dirty="0"/>
+              <a:t>Version 1</a:t>
+            </a:r>
+          </a:p>
+        </p:txBody>
+      </p:sp>
+      <p:sp>
+        <p:nvSpPr>
+          <p:cNvPr id="42" name="TextBox 41">
+            <a:extLst>
+              <a:ext uri="{FF2B5EF4-FFF2-40B4-BE49-F238E27FC236}">
+                <a16:creationId xmlns:a16="http://schemas.microsoft.com/office/drawing/2014/main" id="{AE87BAB6-B18F-1E47-A9C9-14358441DB76}"/>
+              </a:ext>
+            </a:extLst>
+          </p:cNvPr>
+          <p:cNvSpPr txBox="1"/>
+          <p:nvPr/>
+        </p:nvSpPr>
+        <p:spPr>
+          <a:xfrm>
+            <a:off x="3338630" y="5874970"/>
+            <a:ext cx="1052468" cy="369332"/>
+          </a:xfrm>
+          <a:prstGeom prst="rect">
+            <a:avLst/>
+          </a:prstGeom>
+          <a:noFill/>
+        </p:spPr>
+        <p:txBody>
+          <a:bodyPr wrap="none" rtlCol="0">
+            <a:spAutoFit/>
+          </a:bodyPr>
+          <a:lstStyle/>
+          <a:p>
+            <a:r>
+              <a:rPr lang="en-GB" dirty="0"/>
+              <a:t>Version 2</a:t>
+            </a:r>
+          </a:p>
+        </p:txBody>
+      </p:sp>
+      <p:sp>
+        <p:nvSpPr>
+          <p:cNvPr id="43" name="TextBox 42">
+            <a:extLst>
+              <a:ext uri="{FF2B5EF4-FFF2-40B4-BE49-F238E27FC236}">
+                <a16:creationId xmlns:a16="http://schemas.microsoft.com/office/drawing/2014/main" id="{8AEDE4BC-7101-554B-AEF3-6E78A899EE1E}"/>
+              </a:ext>
+            </a:extLst>
+          </p:cNvPr>
+          <p:cNvSpPr txBox="1"/>
+          <p:nvPr/>
+        </p:nvSpPr>
+        <p:spPr>
+          <a:xfrm>
+            <a:off x="5798267" y="5874970"/>
+            <a:ext cx="1052468" cy="369332"/>
+          </a:xfrm>
+          <a:prstGeom prst="rect">
+            <a:avLst/>
+          </a:prstGeom>
+          <a:noFill/>
+        </p:spPr>
+        <p:txBody>
+          <a:bodyPr wrap="none" rtlCol="0">
+            <a:spAutoFit/>
+          </a:bodyPr>
+          <a:lstStyle/>
+          <a:p>
+            <a:r>
+              <a:rPr lang="en-GB" dirty="0"/>
+              <a:t>Version 3</a:t>
+            </a:r>
+          </a:p>
+        </p:txBody>
+      </p:sp>
+      <p:sp>
+        <p:nvSpPr>
+          <p:cNvPr id="44" name="TextBox 43">
+            <a:extLst>
+              <a:ext uri="{FF2B5EF4-FFF2-40B4-BE49-F238E27FC236}">
+                <a16:creationId xmlns:a16="http://schemas.microsoft.com/office/drawing/2014/main" id="{AC989D8A-63BF-1948-A6E7-B98332FE226A}"/>
+              </a:ext>
+            </a:extLst>
+          </p:cNvPr>
+          <p:cNvSpPr txBox="1"/>
+          <p:nvPr/>
+        </p:nvSpPr>
+        <p:spPr>
+          <a:xfrm>
+            <a:off x="8257904" y="5874970"/>
+            <a:ext cx="1052468" cy="369332"/>
+          </a:xfrm>
+          <a:prstGeom prst="rect">
+            <a:avLst/>
+          </a:prstGeom>
+          <a:noFill/>
+        </p:spPr>
+        <p:txBody>
+          <a:bodyPr wrap="none" rtlCol="0">
+            <a:spAutoFit/>
+          </a:bodyPr>
+          <a:lstStyle/>
+          <a:p>
+            <a:r>
+              <a:rPr lang="en-GB" dirty="0"/>
+              <a:t>Version 4</a:t>
+            </a:r>
+          </a:p>
+        </p:txBody>
+      </p:sp>
+      <p:cxnSp>
+        <p:nvCxnSpPr>
+          <p:cNvPr id="45" name="Straight Arrow Connector 44">
+            <a:extLst>
+              <a:ext uri="{FF2B5EF4-FFF2-40B4-BE49-F238E27FC236}">
+                <a16:creationId xmlns:a16="http://schemas.microsoft.com/office/drawing/2014/main" id="{D5BBFC69-9461-564D-AA5D-08EDC47BFE9B}"/>
+              </a:ext>
+            </a:extLst>
+          </p:cNvPr>
+          <p:cNvCxnSpPr>
+            <a:cxnSpLocks/>
+            <a:stCxn id="8" idx="2"/>
+            <a:endCxn id="9" idx="0"/>
+          </p:cNvCxnSpPr>
+          <p:nvPr/>
+        </p:nvCxnSpPr>
+        <p:spPr>
+          <a:xfrm flipH="1">
+            <a:off x="3858729" y="4048608"/>
+            <a:ext cx="6136" cy="874690"/>
+          </a:xfrm>
+          <a:prstGeom prst="straightConnector1">
+            <a:avLst/>
+          </a:prstGeom>
+          <a:ln w="12700">
+            <a:solidFill>
+              <a:schemeClr val="tx1">
+                <a:lumMod val="75000"/>
+                <a:lumOff val="25000"/>
+              </a:schemeClr>
+            </a:solidFill>
+            <a:tailEnd type="triangle"/>
+          </a:ln>
+        </p:spPr>
+        <p:style>
+          <a:lnRef idx="1">
+            <a:schemeClr val="accent1"/>
+          </a:lnRef>
+          <a:fillRef idx="0">
+            <a:schemeClr val="accent1"/>
+          </a:fillRef>
+          <a:effectRef idx="0">
+            <a:schemeClr val="accent1"/>
+          </a:effectRef>
+          <a:fontRef idx="minor">
+            <a:schemeClr val="tx1"/>
+          </a:fontRef>
+        </p:style>
+      </p:cxnSp>
+      <p:cxnSp>
+        <p:nvCxnSpPr>
+          <p:cNvPr id="48" name="Straight Arrow Connector 47">
+            <a:extLst>
+              <a:ext uri="{FF2B5EF4-FFF2-40B4-BE49-F238E27FC236}">
+                <a16:creationId xmlns:a16="http://schemas.microsoft.com/office/drawing/2014/main" id="{C92928E7-E16A-0D4F-9FD9-985543E1C454}"/>
+              </a:ext>
+            </a:extLst>
+          </p:cNvPr>
+          <p:cNvCxnSpPr>
+            <a:cxnSpLocks/>
+            <a:stCxn id="10" idx="2"/>
+            <a:endCxn id="11" idx="0"/>
+          </p:cNvCxnSpPr>
+          <p:nvPr/>
+        </p:nvCxnSpPr>
+        <p:spPr>
+          <a:xfrm flipH="1">
+            <a:off x="6321434" y="4048608"/>
+            <a:ext cx="3068" cy="874690"/>
+          </a:xfrm>
+          <a:prstGeom prst="straightConnector1">
+            <a:avLst/>
+          </a:prstGeom>
+          <a:ln w="12700">
+            <a:solidFill>
+              <a:schemeClr val="tx1">
+                <a:lumMod val="75000"/>
+                <a:lumOff val="25000"/>
+              </a:schemeClr>
+            </a:solidFill>
+            <a:tailEnd type="triangle"/>
+          </a:ln>
+        </p:spPr>
+        <p:style>
+          <a:lnRef idx="1">
+            <a:schemeClr val="accent1"/>
+          </a:lnRef>
+          <a:fillRef idx="0">
+            <a:schemeClr val="accent1"/>
+          </a:fillRef>
+          <a:effectRef idx="0">
+            <a:schemeClr val="accent1"/>
+          </a:effectRef>
+          <a:fontRef idx="minor">
+            <a:schemeClr val="tx1"/>
+          </a:fontRef>
+        </p:style>
+      </p:cxnSp>
+      <p:cxnSp>
+        <p:nvCxnSpPr>
+          <p:cNvPr id="51" name="Straight Arrow Connector 50">
+            <a:extLst>
+              <a:ext uri="{FF2B5EF4-FFF2-40B4-BE49-F238E27FC236}">
+                <a16:creationId xmlns:a16="http://schemas.microsoft.com/office/drawing/2014/main" id="{9F9FE7B8-DD02-9844-A162-0C4A4E4DC0C8}"/>
+              </a:ext>
+            </a:extLst>
+          </p:cNvPr>
+          <p:cNvCxnSpPr>
+            <a:cxnSpLocks/>
+            <a:stCxn id="12" idx="2"/>
+            <a:endCxn id="13" idx="0"/>
+          </p:cNvCxnSpPr>
+          <p:nvPr/>
+        </p:nvCxnSpPr>
+        <p:spPr>
+          <a:xfrm>
+            <a:off x="8784139" y="4048608"/>
+            <a:ext cx="0" cy="874690"/>
+          </a:xfrm>
+          <a:prstGeom prst="straightConnector1">
+            <a:avLst/>
+          </a:prstGeom>
+          <a:ln w="12700">
+            <a:solidFill>
+              <a:schemeClr val="tx1">
+                <a:lumMod val="75000"/>
+                <a:lumOff val="25000"/>
+              </a:schemeClr>
+            </a:solidFill>
+            <a:tailEnd type="triangle"/>
+          </a:ln>
+        </p:spPr>
+        <p:style>
+          <a:lnRef idx="1">
+            <a:schemeClr val="accent1"/>
+          </a:lnRef>
+          <a:fillRef idx="0">
+            <a:schemeClr val="accent1"/>
+          </a:fillRef>
+          <a:effectRef idx="0">
+            <a:schemeClr val="accent1"/>
+          </a:effectRef>
+          <a:fontRef idx="minor">
+            <a:schemeClr val="tx1"/>
+          </a:fontRef>
+        </p:style>
+      </p:cxnSp>
+      <p:sp>
+        <p:nvSpPr>
+          <p:cNvPr id="54" name="TextBox 53">
+            <a:extLst>
+              <a:ext uri="{FF2B5EF4-FFF2-40B4-BE49-F238E27FC236}">
+                <a16:creationId xmlns:a16="http://schemas.microsoft.com/office/drawing/2014/main" id="{00BC0490-40EB-AB41-9573-F26A3EDAE20A}"/>
+              </a:ext>
+            </a:extLst>
+          </p:cNvPr>
+          <p:cNvSpPr txBox="1"/>
+          <p:nvPr/>
+        </p:nvSpPr>
+        <p:spPr>
+          <a:xfrm>
+            <a:off x="9368185" y="2241692"/>
+            <a:ext cx="2757147" cy="923330"/>
+          </a:xfrm>
+          <a:prstGeom prst="rect">
+            <a:avLst/>
+          </a:prstGeom>
+          <a:noFill/>
+        </p:spPr>
+        <p:txBody>
+          <a:bodyPr wrap="square" rtlCol="0">
+            <a:spAutoFit/>
+          </a:bodyPr>
+          <a:lstStyle/>
+          <a:p>
+            <a:r>
+              <a:rPr lang="en-GB" dirty="0"/>
+              <a:t>The </a:t>
+            </a:r>
+            <a:r>
+              <a:rPr lang="en-GB" i="1" dirty="0"/>
+              <a:t>application.jar</a:t>
+            </a:r>
+            <a:r>
+              <a:rPr lang="en-GB" dirty="0"/>
+              <a:t> file contains our code together with the dependencies</a:t>
+            </a:r>
+          </a:p>
+        </p:txBody>
+      </p:sp>
+      <p:cxnSp>
+        <p:nvCxnSpPr>
+          <p:cNvPr id="56" name="Curved Connector 55">
+            <a:extLst>
+              <a:ext uri="{FF2B5EF4-FFF2-40B4-BE49-F238E27FC236}">
+                <a16:creationId xmlns:a16="http://schemas.microsoft.com/office/drawing/2014/main" id="{026DB1A5-0A14-4F47-A989-1CBB5E0D43C9}"/>
+              </a:ext>
+            </a:extLst>
+          </p:cNvPr>
+          <p:cNvCxnSpPr>
+            <a:stCxn id="54" idx="2"/>
+          </p:cNvCxnSpPr>
+          <p:nvPr/>
+        </p:nvCxnSpPr>
+        <p:spPr>
+          <a:xfrm rot="5400000">
+            <a:off x="9942378" y="3021069"/>
+            <a:ext cx="660429" cy="948335"/>
+          </a:xfrm>
+          <a:prstGeom prst="curvedConnector2">
+            <a:avLst/>
+          </a:prstGeom>
+          <a:ln w="12700">
+            <a:solidFill>
+              <a:srgbClr val="404040"/>
+            </a:solidFill>
+            <a:tailEnd type="triangle"/>
+          </a:ln>
+        </p:spPr>
+        <p:style>
+          <a:lnRef idx="1">
+            <a:schemeClr val="accent1"/>
+          </a:lnRef>
+          <a:fillRef idx="0">
+            <a:schemeClr val="accent1"/>
+          </a:fillRef>
+          <a:effectRef idx="0">
+            <a:schemeClr val="accent1"/>
+          </a:effectRef>
+          <a:fontRef idx="minor">
+            <a:schemeClr val="tx1"/>
+          </a:fontRef>
+        </p:style>
+      </p:cxnSp>
+    </p:spTree>
+    <p:extLst>
+      <p:ext uri="{BB962C8B-B14F-4D97-AF65-F5344CB8AC3E}">
+        <p14:creationId xmlns:p14="http://schemas.microsoft.com/office/powerpoint/2010/main" val="3991418035"/>
+      </p:ext>
+    </p:extLst>
+  </p:cSld>
+  <p:clrMapOvr>
+    <a:masterClrMapping/>
+  </p:clrMapOvr>
+</p:sld>
+</file>
+
+<file path=ppt/slides/slide5.xml><?xml version="1.0" encoding="utf-8"?>
+<p:sld xmlns:a="http://schemas.openxmlformats.org/drawingml/2006/main" xmlns:r="http://schemas.openxmlformats.org/officeDocument/2006/relationships" xmlns:p="http://schemas.openxmlformats.org/presentationml/2006/main">
+  <p:cSld>
+    <p:spTree>
+      <p:nvGrpSpPr>
+        <p:cNvPr id="1" name=""/>
+        <p:cNvGrpSpPr/>
+        <p:nvPr/>
+      </p:nvGrpSpPr>
+      <p:grpSpPr>
+        <a:xfrm>
+          <a:off x="0" y="0"/>
+          <a:ext cx="0" cy="0"/>
+          <a:chOff x="0" y="0"/>
+          <a:chExt cx="0" cy="0"/>
+        </a:xfrm>
+      </p:grpSpPr>
+      <p:sp>
+        <p:nvSpPr>
+          <p:cNvPr id="57" name="Rectangle 56">
+            <a:extLst>
+              <a:ext uri="{FF2B5EF4-FFF2-40B4-BE49-F238E27FC236}">
+                <a16:creationId xmlns:a16="http://schemas.microsoft.com/office/drawing/2014/main" id="{15FCEA56-2B25-3246-8B05-8386E50B044E}"/>
+              </a:ext>
+            </a:extLst>
+          </p:cNvPr>
+          <p:cNvSpPr/>
+          <p:nvPr/>
+        </p:nvSpPr>
+        <p:spPr>
+          <a:xfrm>
+            <a:off x="1712260" y="2671483"/>
+            <a:ext cx="1945342" cy="1649506"/>
+          </a:xfrm>
+          <a:prstGeom prst="rect">
+            <a:avLst/>
+          </a:prstGeom>
+          <a:solidFill>
+            <a:schemeClr val="tx2">
+              <a:lumMod val="20000"/>
+              <a:lumOff val="80000"/>
+            </a:schemeClr>
+          </a:solidFill>
+          <a:ln>
+            <a:solidFill>
+              <a:schemeClr val="bg2">
+                <a:lumMod val="75000"/>
+              </a:schemeClr>
+            </a:solidFill>
+          </a:ln>
+        </p:spPr>
+        <p:style>
+          <a:lnRef idx="2">
+            <a:schemeClr val="accent1">
+              <a:shade val="50000"/>
+            </a:schemeClr>
+          </a:lnRef>
+          <a:fillRef idx="1">
+            <a:schemeClr val="accent1"/>
+          </a:fillRef>
+          <a:effectRef idx="0">
+            <a:schemeClr val="accent1"/>
+          </a:effectRef>
+          <a:fontRef idx="minor">
+            <a:schemeClr val="lt1"/>
+          </a:fontRef>
+        </p:style>
+        <p:txBody>
+          <a:bodyPr rtlCol="0" anchor="ctr"/>
+          <a:lstStyle/>
+          <a:p>
+            <a:pPr algn="ctr"/>
+            <a:endParaRPr lang="en-GB"/>
+          </a:p>
+        </p:txBody>
+      </p:sp>
+      <p:sp>
+        <p:nvSpPr>
+          <p:cNvPr id="4" name="Rectangle 3">
+            <a:extLst>
+              <a:ext uri="{FF2B5EF4-FFF2-40B4-BE49-F238E27FC236}">
+                <a16:creationId xmlns:a16="http://schemas.microsoft.com/office/drawing/2014/main" id="{9DB614D6-11D5-C04C-8ED8-D3904D3CDE8A}"/>
+              </a:ext>
+            </a:extLst>
+          </p:cNvPr>
+          <p:cNvSpPr/>
+          <p:nvPr/>
+        </p:nvSpPr>
+        <p:spPr>
+          <a:xfrm>
+            <a:off x="1782648" y="799141"/>
+            <a:ext cx="1800000" cy="450000"/>
+          </a:xfrm>
+          <a:prstGeom prst="rect">
+            <a:avLst/>
+          </a:prstGeom>
+          <a:solidFill>
+            <a:schemeClr val="accent6">
+              <a:lumMod val="75000"/>
+            </a:schemeClr>
+          </a:solidFill>
+          <a:ln>
+            <a:solidFill>
+              <a:schemeClr val="tx1">
+                <a:lumMod val="75000"/>
+                <a:lumOff val="25000"/>
+              </a:schemeClr>
+            </a:solidFill>
+          </a:ln>
+        </p:spPr>
+        <p:style>
+          <a:lnRef idx="2">
+            <a:schemeClr val="accent1">
+              <a:shade val="50000"/>
+            </a:schemeClr>
+          </a:lnRef>
+          <a:fillRef idx="1">
+            <a:schemeClr val="accent1"/>
+          </a:fillRef>
+          <a:effectRef idx="0">
+            <a:schemeClr val="accent1"/>
+          </a:effectRef>
+          <a:fontRef idx="minor">
+            <a:schemeClr val="lt1"/>
+          </a:fontRef>
+        </p:style>
+        <p:txBody>
+          <a:bodyPr rtlCol="0" anchor="ctr"/>
+          <a:lstStyle/>
+          <a:p>
+            <a:endParaRPr lang="en-GB" sz="900" dirty="0">
+              <a:solidFill>
+                <a:schemeClr val="bg1"/>
+              </a:solidFill>
+              <a:latin typeface="Courier New" panose="02070309020205020404" pitchFamily="49" charset="0"/>
+              <a:cs typeface="Courier New" panose="02070309020205020404" pitchFamily="49" charset="0"/>
+            </a:endParaRPr>
+          </a:p>
+        </p:txBody>
+      </p:sp>
+      <p:sp>
+        <p:nvSpPr>
+          <p:cNvPr id="5" name="Rectangle 4">
+            <a:extLst>
+              <a:ext uri="{FF2B5EF4-FFF2-40B4-BE49-F238E27FC236}">
+                <a16:creationId xmlns:a16="http://schemas.microsoft.com/office/drawing/2014/main" id="{5BFECFE4-8A74-7742-8D6E-2A5FF5163627}"/>
+              </a:ext>
+            </a:extLst>
+          </p:cNvPr>
+          <p:cNvSpPr/>
+          <p:nvPr/>
+        </p:nvSpPr>
+        <p:spPr>
+          <a:xfrm>
+            <a:off x="1782648" y="1789839"/>
+            <a:ext cx="1800000" cy="450000"/>
+          </a:xfrm>
+          <a:prstGeom prst="rect">
+            <a:avLst/>
+          </a:prstGeom>
+          <a:solidFill>
+            <a:schemeClr val="accent5">
+              <a:lumMod val="75000"/>
+            </a:schemeClr>
+          </a:solidFill>
+          <a:ln>
+            <a:solidFill>
+              <a:schemeClr val="tx1">
+                <a:lumMod val="75000"/>
+                <a:lumOff val="25000"/>
+              </a:schemeClr>
+            </a:solidFill>
+          </a:ln>
+        </p:spPr>
+        <p:style>
+          <a:lnRef idx="2">
+            <a:schemeClr val="accent1">
+              <a:shade val="50000"/>
+            </a:schemeClr>
+          </a:lnRef>
+          <a:fillRef idx="1">
+            <a:schemeClr val="accent1"/>
+          </a:fillRef>
+          <a:effectRef idx="0">
+            <a:schemeClr val="accent1"/>
+          </a:effectRef>
+          <a:fontRef idx="minor">
+            <a:schemeClr val="lt1"/>
+          </a:fontRef>
+        </p:style>
+        <p:txBody>
+          <a:bodyPr rtlCol="0" anchor="ctr"/>
+          <a:lstStyle/>
+          <a:p>
+            <a:endParaRPr lang="en-GB" sz="900" dirty="0">
+              <a:solidFill>
+                <a:schemeClr val="bg1"/>
+              </a:solidFill>
+              <a:latin typeface="Courier New" panose="02070309020205020404" pitchFamily="49" charset="0"/>
+              <a:cs typeface="Courier New" panose="02070309020205020404" pitchFamily="49" charset="0"/>
+            </a:endParaRPr>
+          </a:p>
+        </p:txBody>
+      </p:sp>
+      <p:sp>
+        <p:nvSpPr>
+          <p:cNvPr id="6" name="Rectangle 5">
+            <a:extLst>
+              <a:ext uri="{FF2B5EF4-FFF2-40B4-BE49-F238E27FC236}">
+                <a16:creationId xmlns:a16="http://schemas.microsoft.com/office/drawing/2014/main" id="{0BCFB0DA-68B3-B946-A35F-EF853A49DC3E}"/>
+              </a:ext>
+            </a:extLst>
+          </p:cNvPr>
+          <p:cNvSpPr/>
+          <p:nvPr/>
+        </p:nvSpPr>
+        <p:spPr>
+          <a:xfrm>
+            <a:off x="1782648" y="3771235"/>
+            <a:ext cx="1800000" cy="450000"/>
+          </a:xfrm>
+          <a:prstGeom prst="rect">
+            <a:avLst/>
+          </a:prstGeom>
+          <a:solidFill>
+            <a:schemeClr val="accent4">
+              <a:lumMod val="75000"/>
+            </a:schemeClr>
+          </a:solidFill>
+          <a:ln>
+            <a:solidFill>
+              <a:schemeClr val="tx1">
+                <a:lumMod val="75000"/>
+                <a:lumOff val="25000"/>
+              </a:schemeClr>
+            </a:solidFill>
+          </a:ln>
+        </p:spPr>
+        <p:style>
+          <a:lnRef idx="2">
+            <a:schemeClr val="accent1">
+              <a:shade val="50000"/>
+            </a:schemeClr>
+          </a:lnRef>
+          <a:fillRef idx="1">
+            <a:schemeClr val="accent1"/>
+          </a:fillRef>
+          <a:effectRef idx="0">
+            <a:schemeClr val="accent1"/>
+          </a:effectRef>
+          <a:fontRef idx="minor">
+            <a:schemeClr val="lt1"/>
+          </a:fontRef>
+        </p:style>
+        <p:txBody>
+          <a:bodyPr rtlCol="0" anchor="ctr"/>
+          <a:lstStyle/>
+          <a:p>
+            <a:endParaRPr lang="en-GB" sz="900" dirty="0">
+              <a:solidFill>
+                <a:schemeClr val="bg1"/>
+              </a:solidFill>
+              <a:latin typeface="Courier New" panose="02070309020205020404" pitchFamily="49" charset="0"/>
+              <a:cs typeface="Courier New" panose="02070309020205020404" pitchFamily="49" charset="0"/>
+            </a:endParaRPr>
+          </a:p>
+        </p:txBody>
+      </p:sp>
+      <p:sp>
+        <p:nvSpPr>
+          <p:cNvPr id="7" name="Rectangle 6">
+            <a:extLst>
+              <a:ext uri="{FF2B5EF4-FFF2-40B4-BE49-F238E27FC236}">
+                <a16:creationId xmlns:a16="http://schemas.microsoft.com/office/drawing/2014/main" id="{EEB2D9F9-FD99-144C-A145-7ACAAEADDFE5}"/>
+              </a:ext>
+            </a:extLst>
+          </p:cNvPr>
+          <p:cNvSpPr/>
+          <p:nvPr/>
+        </p:nvSpPr>
+        <p:spPr>
+          <a:xfrm>
+            <a:off x="1782648" y="4761934"/>
+            <a:ext cx="1800000" cy="450000"/>
+          </a:xfrm>
+          <a:prstGeom prst="rect">
+            <a:avLst/>
+          </a:prstGeom>
+          <a:solidFill>
+            <a:schemeClr val="accent1">
+              <a:lumMod val="75000"/>
+            </a:schemeClr>
+          </a:solidFill>
+          <a:ln>
+            <a:solidFill>
+              <a:schemeClr val="tx1">
+                <a:lumMod val="75000"/>
+                <a:lumOff val="25000"/>
+              </a:schemeClr>
+            </a:solidFill>
+          </a:ln>
+        </p:spPr>
+        <p:style>
+          <a:lnRef idx="2">
+            <a:schemeClr val="accent1">
+              <a:shade val="50000"/>
+            </a:schemeClr>
+          </a:lnRef>
+          <a:fillRef idx="1">
+            <a:schemeClr val="accent1"/>
+          </a:fillRef>
+          <a:effectRef idx="0">
+            <a:schemeClr val="accent1"/>
+          </a:effectRef>
+          <a:fontRef idx="minor">
+            <a:schemeClr val="lt1"/>
+          </a:fontRef>
+        </p:style>
+        <p:txBody>
+          <a:bodyPr rtlCol="0" anchor="ctr"/>
+          <a:lstStyle/>
+          <a:p>
+            <a:endParaRPr lang="en-GB" sz="900" dirty="0">
+              <a:solidFill>
+                <a:schemeClr val="bg1"/>
+              </a:solidFill>
+              <a:latin typeface="Courier New" panose="02070309020205020404" pitchFamily="49" charset="0"/>
+              <a:cs typeface="Courier New" panose="02070309020205020404" pitchFamily="49" charset="0"/>
+            </a:endParaRPr>
+          </a:p>
+        </p:txBody>
+      </p:sp>
+      <p:sp>
+        <p:nvSpPr>
+          <p:cNvPr id="8" name="Rectangle 7">
+            <a:extLst>
+              <a:ext uri="{FF2B5EF4-FFF2-40B4-BE49-F238E27FC236}">
+                <a16:creationId xmlns:a16="http://schemas.microsoft.com/office/drawing/2014/main" id="{C7183D38-6A9A-B54B-9AB8-CC060C578B2F}"/>
+              </a:ext>
+            </a:extLst>
+          </p:cNvPr>
+          <p:cNvSpPr/>
+          <p:nvPr/>
+        </p:nvSpPr>
+        <p:spPr>
+          <a:xfrm>
+            <a:off x="3986308" y="3775116"/>
+            <a:ext cx="1800000" cy="446314"/>
+          </a:xfrm>
+          <a:prstGeom prst="rect">
+            <a:avLst/>
+          </a:prstGeom>
+          <a:solidFill>
+            <a:schemeClr val="accent4">
+              <a:lumMod val="60000"/>
+              <a:lumOff val="40000"/>
+            </a:schemeClr>
+          </a:solidFill>
+          <a:ln>
+            <a:solidFill>
+              <a:schemeClr val="tx1">
+                <a:lumMod val="75000"/>
+                <a:lumOff val="25000"/>
+              </a:schemeClr>
+            </a:solidFill>
+          </a:ln>
+        </p:spPr>
+        <p:style>
+          <a:lnRef idx="2">
+            <a:schemeClr val="accent1">
+              <a:shade val="50000"/>
+            </a:schemeClr>
+          </a:lnRef>
+          <a:fillRef idx="1">
+            <a:schemeClr val="accent1"/>
+          </a:fillRef>
+          <a:effectRef idx="0">
+            <a:schemeClr val="accent1"/>
+          </a:effectRef>
+          <a:fontRef idx="minor">
+            <a:schemeClr val="lt1"/>
+          </a:fontRef>
+        </p:style>
+        <p:txBody>
+          <a:bodyPr rtlCol="0" anchor="ctr"/>
+          <a:lstStyle/>
+          <a:p>
+            <a:endParaRPr lang="en-GB" sz="900" dirty="0">
+              <a:solidFill>
+                <a:schemeClr val="bg1"/>
+              </a:solidFill>
+              <a:latin typeface="Courier New" panose="02070309020205020404" pitchFamily="49" charset="0"/>
+              <a:cs typeface="Courier New" panose="02070309020205020404" pitchFamily="49" charset="0"/>
+            </a:endParaRPr>
+          </a:p>
+        </p:txBody>
+      </p:sp>
+      <p:sp>
+        <p:nvSpPr>
+          <p:cNvPr id="9" name="Rectangle 8">
+            <a:extLst>
+              <a:ext uri="{FF2B5EF4-FFF2-40B4-BE49-F238E27FC236}">
+                <a16:creationId xmlns:a16="http://schemas.microsoft.com/office/drawing/2014/main" id="{A62B1077-F72B-194C-9D6B-8D45BDE2AE2B}"/>
+              </a:ext>
+            </a:extLst>
+          </p:cNvPr>
+          <p:cNvSpPr/>
+          <p:nvPr/>
+        </p:nvSpPr>
+        <p:spPr>
+          <a:xfrm>
+            <a:off x="3986308" y="4774785"/>
+            <a:ext cx="1800000" cy="446314"/>
+          </a:xfrm>
+          <a:prstGeom prst="rect">
+            <a:avLst/>
+          </a:prstGeom>
+          <a:solidFill>
+            <a:schemeClr val="accent1">
+              <a:lumMod val="60000"/>
+              <a:lumOff val="40000"/>
+            </a:schemeClr>
+          </a:solidFill>
+          <a:ln>
+            <a:solidFill>
+              <a:schemeClr val="tx1">
+                <a:lumMod val="75000"/>
+                <a:lumOff val="25000"/>
+              </a:schemeClr>
+            </a:solidFill>
+          </a:ln>
+        </p:spPr>
+        <p:style>
+          <a:lnRef idx="2">
+            <a:schemeClr val="accent1">
+              <a:shade val="50000"/>
+            </a:schemeClr>
+          </a:lnRef>
+          <a:fillRef idx="1">
+            <a:schemeClr val="accent1"/>
+          </a:fillRef>
+          <a:effectRef idx="0">
+            <a:schemeClr val="accent1"/>
+          </a:effectRef>
+          <a:fontRef idx="minor">
+            <a:schemeClr val="lt1"/>
+          </a:fontRef>
+        </p:style>
+        <p:txBody>
+          <a:bodyPr rtlCol="0" anchor="ctr"/>
+          <a:lstStyle/>
+          <a:p>
+            <a:endParaRPr lang="en-GB" sz="900" dirty="0">
+              <a:solidFill>
+                <a:schemeClr val="bg1"/>
+              </a:solidFill>
+              <a:latin typeface="Courier New" panose="02070309020205020404" pitchFamily="49" charset="0"/>
+              <a:cs typeface="Courier New" panose="02070309020205020404" pitchFamily="49" charset="0"/>
+            </a:endParaRPr>
+          </a:p>
+        </p:txBody>
+      </p:sp>
+      <p:sp>
+        <p:nvSpPr>
+          <p:cNvPr id="10" name="Rectangle 9">
+            <a:extLst>
+              <a:ext uri="{FF2B5EF4-FFF2-40B4-BE49-F238E27FC236}">
+                <a16:creationId xmlns:a16="http://schemas.microsoft.com/office/drawing/2014/main" id="{09B73A7B-8777-8245-91A8-D4ECEF75CD11}"/>
+              </a:ext>
+            </a:extLst>
+          </p:cNvPr>
+          <p:cNvSpPr/>
+          <p:nvPr/>
+        </p:nvSpPr>
+        <p:spPr>
+          <a:xfrm>
+            <a:off x="6189968" y="3784087"/>
+            <a:ext cx="1800000" cy="446314"/>
+          </a:xfrm>
+          <a:prstGeom prst="rect">
+            <a:avLst/>
+          </a:prstGeom>
+          <a:solidFill>
+            <a:schemeClr val="accent4">
+              <a:lumMod val="40000"/>
+              <a:lumOff val="60000"/>
+            </a:schemeClr>
+          </a:solidFill>
+          <a:ln>
+            <a:solidFill>
+              <a:schemeClr val="tx1">
+                <a:lumMod val="75000"/>
+                <a:lumOff val="25000"/>
+              </a:schemeClr>
+            </a:solidFill>
+          </a:ln>
+        </p:spPr>
+        <p:style>
+          <a:lnRef idx="2">
+            <a:schemeClr val="accent1">
+              <a:shade val="50000"/>
+            </a:schemeClr>
+          </a:lnRef>
+          <a:fillRef idx="1">
+            <a:schemeClr val="accent1"/>
+          </a:fillRef>
+          <a:effectRef idx="0">
+            <a:schemeClr val="accent1"/>
+          </a:effectRef>
+          <a:fontRef idx="minor">
+            <a:schemeClr val="lt1"/>
+          </a:fontRef>
+        </p:style>
+        <p:txBody>
+          <a:bodyPr rtlCol="0" anchor="ctr"/>
+          <a:lstStyle/>
+          <a:p>
+            <a:endParaRPr lang="en-GB" sz="900" dirty="0">
+              <a:solidFill>
+                <a:schemeClr val="bg1"/>
+              </a:solidFill>
+              <a:latin typeface="Courier New" panose="02070309020205020404" pitchFamily="49" charset="0"/>
+              <a:cs typeface="Courier New" panose="02070309020205020404" pitchFamily="49" charset="0"/>
+            </a:endParaRPr>
+          </a:p>
+        </p:txBody>
+      </p:sp>
+      <p:sp>
+        <p:nvSpPr>
+          <p:cNvPr id="11" name="Rectangle 10">
+            <a:extLst>
+              <a:ext uri="{FF2B5EF4-FFF2-40B4-BE49-F238E27FC236}">
+                <a16:creationId xmlns:a16="http://schemas.microsoft.com/office/drawing/2014/main" id="{79A7A465-ADA6-4B42-8783-74E41F7AC3D6}"/>
+              </a:ext>
+            </a:extLst>
+          </p:cNvPr>
+          <p:cNvSpPr/>
+          <p:nvPr/>
+        </p:nvSpPr>
+        <p:spPr>
+          <a:xfrm>
+            <a:off x="6189968" y="4761934"/>
+            <a:ext cx="1800000" cy="446314"/>
+          </a:xfrm>
+          <a:prstGeom prst="rect">
+            <a:avLst/>
+          </a:prstGeom>
+          <a:solidFill>
+            <a:schemeClr val="accent1">
+              <a:lumMod val="40000"/>
+              <a:lumOff val="60000"/>
+            </a:schemeClr>
+          </a:solidFill>
+          <a:ln>
+            <a:solidFill>
+              <a:schemeClr val="tx1">
+                <a:lumMod val="75000"/>
+                <a:lumOff val="25000"/>
+              </a:schemeClr>
+            </a:solidFill>
+          </a:ln>
+        </p:spPr>
+        <p:style>
+          <a:lnRef idx="2">
+            <a:schemeClr val="accent1">
+              <a:shade val="50000"/>
+            </a:schemeClr>
+          </a:lnRef>
+          <a:fillRef idx="1">
+            <a:schemeClr val="accent1"/>
+          </a:fillRef>
+          <a:effectRef idx="0">
+            <a:schemeClr val="accent1"/>
+          </a:effectRef>
+          <a:fontRef idx="minor">
+            <a:schemeClr val="lt1"/>
+          </a:fontRef>
+        </p:style>
+        <p:txBody>
+          <a:bodyPr rtlCol="0" anchor="ctr"/>
+          <a:lstStyle/>
+          <a:p>
+            <a:endParaRPr lang="en-GB" sz="900" dirty="0">
+              <a:solidFill>
+                <a:schemeClr val="bg1"/>
+              </a:solidFill>
+              <a:latin typeface="Courier New" panose="02070309020205020404" pitchFamily="49" charset="0"/>
+              <a:cs typeface="Courier New" panose="02070309020205020404" pitchFamily="49" charset="0"/>
+            </a:endParaRPr>
+          </a:p>
+        </p:txBody>
+      </p:sp>
+      <p:sp>
+        <p:nvSpPr>
+          <p:cNvPr id="12" name="Rectangle 11">
+            <a:extLst>
+              <a:ext uri="{FF2B5EF4-FFF2-40B4-BE49-F238E27FC236}">
+                <a16:creationId xmlns:a16="http://schemas.microsoft.com/office/drawing/2014/main" id="{8502EC85-5091-F444-B905-64C0E52D7EA4}"/>
+              </a:ext>
+            </a:extLst>
+          </p:cNvPr>
+          <p:cNvSpPr/>
+          <p:nvPr/>
+        </p:nvSpPr>
+        <p:spPr>
+          <a:xfrm>
+            <a:off x="8393628" y="3771235"/>
+            <a:ext cx="1800000" cy="446314"/>
+          </a:xfrm>
+          <a:prstGeom prst="rect">
+            <a:avLst/>
+          </a:prstGeom>
+          <a:solidFill>
+            <a:schemeClr val="accent4">
+              <a:lumMod val="20000"/>
+              <a:lumOff val="80000"/>
+            </a:schemeClr>
+          </a:solidFill>
+          <a:ln>
+            <a:solidFill>
+              <a:schemeClr val="tx1">
+                <a:lumMod val="75000"/>
+                <a:lumOff val="25000"/>
+              </a:schemeClr>
+            </a:solidFill>
+          </a:ln>
+        </p:spPr>
+        <p:style>
+          <a:lnRef idx="2">
+            <a:schemeClr val="accent1">
+              <a:shade val="50000"/>
+            </a:schemeClr>
+          </a:lnRef>
+          <a:fillRef idx="1">
+            <a:schemeClr val="accent1"/>
+          </a:fillRef>
+          <a:effectRef idx="0">
+            <a:schemeClr val="accent1"/>
+          </a:effectRef>
+          <a:fontRef idx="minor">
+            <a:schemeClr val="lt1"/>
+          </a:fontRef>
+        </p:style>
+        <p:txBody>
+          <a:bodyPr rtlCol="0" anchor="ctr"/>
+          <a:lstStyle/>
+          <a:p>
+            <a:endParaRPr lang="en-GB" sz="900" dirty="0">
+              <a:solidFill>
+                <a:schemeClr val="bg1"/>
+              </a:solidFill>
+              <a:latin typeface="Courier New" panose="02070309020205020404" pitchFamily="49" charset="0"/>
+              <a:cs typeface="Courier New" panose="02070309020205020404" pitchFamily="49" charset="0"/>
+            </a:endParaRPr>
+          </a:p>
+        </p:txBody>
+      </p:sp>
+      <p:sp>
+        <p:nvSpPr>
+          <p:cNvPr id="13" name="Rectangle 12">
+            <a:extLst>
+              <a:ext uri="{FF2B5EF4-FFF2-40B4-BE49-F238E27FC236}">
+                <a16:creationId xmlns:a16="http://schemas.microsoft.com/office/drawing/2014/main" id="{D0CF8E13-F17C-FF43-877F-2E7A1DFA593F}"/>
+              </a:ext>
+            </a:extLst>
+          </p:cNvPr>
+          <p:cNvSpPr/>
+          <p:nvPr/>
+        </p:nvSpPr>
+        <p:spPr>
+          <a:xfrm>
+            <a:off x="8393628" y="4760090"/>
+            <a:ext cx="1800000" cy="446314"/>
+          </a:xfrm>
+          <a:prstGeom prst="rect">
+            <a:avLst/>
+          </a:prstGeom>
+          <a:solidFill>
+            <a:schemeClr val="accent1">
+              <a:lumMod val="20000"/>
+              <a:lumOff val="80000"/>
+            </a:schemeClr>
+          </a:solidFill>
+          <a:ln>
+            <a:solidFill>
+              <a:schemeClr val="tx1">
+                <a:lumMod val="75000"/>
+                <a:lumOff val="25000"/>
+              </a:schemeClr>
+            </a:solidFill>
+          </a:ln>
+        </p:spPr>
+        <p:style>
+          <a:lnRef idx="2">
+            <a:schemeClr val="accent1">
+              <a:shade val="50000"/>
+            </a:schemeClr>
+          </a:lnRef>
+          <a:fillRef idx="1">
+            <a:schemeClr val="accent1"/>
+          </a:fillRef>
+          <a:effectRef idx="0">
+            <a:schemeClr val="accent1"/>
+          </a:effectRef>
+          <a:fontRef idx="minor">
+            <a:schemeClr val="lt1"/>
+          </a:fontRef>
+        </p:style>
+        <p:txBody>
+          <a:bodyPr rtlCol="0" anchor="ctr"/>
+          <a:lstStyle/>
+          <a:p>
+            <a:endParaRPr lang="en-GB" sz="900" dirty="0">
+              <a:solidFill>
+                <a:schemeClr val="bg1"/>
+              </a:solidFill>
+              <a:latin typeface="Courier New" panose="02070309020205020404" pitchFamily="49" charset="0"/>
+              <a:cs typeface="Courier New" panose="02070309020205020404" pitchFamily="49" charset="0"/>
+            </a:endParaRPr>
+          </a:p>
+        </p:txBody>
+      </p:sp>
+      <p:cxnSp>
+        <p:nvCxnSpPr>
+          <p:cNvPr id="15" name="Straight Arrow Connector 14">
+            <a:extLst>
+              <a:ext uri="{FF2B5EF4-FFF2-40B4-BE49-F238E27FC236}">
+                <a16:creationId xmlns:a16="http://schemas.microsoft.com/office/drawing/2014/main" id="{CE8E0CDF-6EBA-BC48-B3E4-BBD23DF3873F}"/>
+              </a:ext>
+            </a:extLst>
+          </p:cNvPr>
+          <p:cNvCxnSpPr>
+            <a:cxnSpLocks/>
+            <a:stCxn id="4" idx="2"/>
+            <a:endCxn id="5" idx="0"/>
+          </p:cNvCxnSpPr>
+          <p:nvPr/>
+        </p:nvCxnSpPr>
+        <p:spPr>
+          <a:xfrm>
+            <a:off x="2682648" y="1249141"/>
+            <a:ext cx="0" cy="540698"/>
+          </a:xfrm>
+          <a:prstGeom prst="straightConnector1">
+            <a:avLst/>
+          </a:prstGeom>
+          <a:ln w="12700">
+            <a:solidFill>
+              <a:schemeClr val="tx1">
+                <a:lumMod val="75000"/>
+                <a:lumOff val="25000"/>
+              </a:schemeClr>
+            </a:solidFill>
+            <a:tailEnd type="triangle"/>
+          </a:ln>
+        </p:spPr>
+        <p:style>
+          <a:lnRef idx="1">
+            <a:schemeClr val="accent1"/>
+          </a:lnRef>
+          <a:fillRef idx="0">
+            <a:schemeClr val="accent1"/>
+          </a:fillRef>
+          <a:effectRef idx="0">
+            <a:schemeClr val="accent1"/>
+          </a:effectRef>
+          <a:fontRef idx="minor">
+            <a:schemeClr val="tx1"/>
+          </a:fontRef>
+        </p:style>
+      </p:cxnSp>
+      <p:cxnSp>
+        <p:nvCxnSpPr>
+          <p:cNvPr id="17" name="Straight Arrow Connector 16">
+            <a:extLst>
+              <a:ext uri="{FF2B5EF4-FFF2-40B4-BE49-F238E27FC236}">
+                <a16:creationId xmlns:a16="http://schemas.microsoft.com/office/drawing/2014/main" id="{18263169-8B78-FF42-B2A3-7891969BF081}"/>
+              </a:ext>
+            </a:extLst>
+          </p:cNvPr>
+          <p:cNvCxnSpPr>
+            <a:cxnSpLocks/>
+            <a:stCxn id="5" idx="2"/>
+            <a:endCxn id="32" idx="0"/>
+          </p:cNvCxnSpPr>
+          <p:nvPr/>
+        </p:nvCxnSpPr>
+        <p:spPr>
+          <a:xfrm>
+            <a:off x="2682648" y="2239839"/>
+            <a:ext cx="0" cy="540698"/>
+          </a:xfrm>
+          <a:prstGeom prst="straightConnector1">
+            <a:avLst/>
+          </a:prstGeom>
+          <a:ln w="12700">
+            <a:solidFill>
+              <a:schemeClr val="tx1">
+                <a:lumMod val="75000"/>
+                <a:lumOff val="25000"/>
+              </a:schemeClr>
+            </a:solidFill>
+            <a:tailEnd type="triangle"/>
+          </a:ln>
+        </p:spPr>
+        <p:style>
+          <a:lnRef idx="1">
+            <a:schemeClr val="accent1"/>
+          </a:lnRef>
+          <a:fillRef idx="0">
+            <a:schemeClr val="accent1"/>
+          </a:fillRef>
+          <a:effectRef idx="0">
+            <a:schemeClr val="accent1"/>
+          </a:effectRef>
+          <a:fontRef idx="minor">
+            <a:schemeClr val="tx1"/>
+          </a:fontRef>
+        </p:style>
+      </p:cxnSp>
+      <p:cxnSp>
+        <p:nvCxnSpPr>
+          <p:cNvPr id="20" name="Straight Arrow Connector 19">
+            <a:extLst>
+              <a:ext uri="{FF2B5EF4-FFF2-40B4-BE49-F238E27FC236}">
+                <a16:creationId xmlns:a16="http://schemas.microsoft.com/office/drawing/2014/main" id="{CA16F982-D9E1-2E4A-A18B-40F55D4451E6}"/>
+              </a:ext>
+            </a:extLst>
+          </p:cNvPr>
+          <p:cNvCxnSpPr>
+            <a:cxnSpLocks/>
+            <a:stCxn id="6" idx="2"/>
+            <a:endCxn id="7" idx="0"/>
+          </p:cNvCxnSpPr>
+          <p:nvPr/>
+        </p:nvCxnSpPr>
+        <p:spPr>
+          <a:xfrm>
+            <a:off x="2682648" y="4221235"/>
+            <a:ext cx="0" cy="540699"/>
+          </a:xfrm>
+          <a:prstGeom prst="straightConnector1">
+            <a:avLst/>
+          </a:prstGeom>
+          <a:ln w="12700">
+            <a:solidFill>
+              <a:schemeClr val="tx1">
+                <a:lumMod val="75000"/>
+                <a:lumOff val="25000"/>
+              </a:schemeClr>
+            </a:solidFill>
+            <a:tailEnd type="triangle"/>
+          </a:ln>
+        </p:spPr>
+        <p:style>
+          <a:lnRef idx="1">
+            <a:schemeClr val="accent1"/>
+          </a:lnRef>
+          <a:fillRef idx="0">
+            <a:schemeClr val="accent1"/>
+          </a:fillRef>
+          <a:effectRef idx="0">
+            <a:schemeClr val="accent1"/>
+          </a:effectRef>
+          <a:fontRef idx="minor">
+            <a:schemeClr val="tx1"/>
+          </a:fontRef>
+        </p:style>
+      </p:cxnSp>
+      <p:cxnSp>
+        <p:nvCxnSpPr>
+          <p:cNvPr id="24" name="Curved Connector 23">
+            <a:extLst>
+              <a:ext uri="{FF2B5EF4-FFF2-40B4-BE49-F238E27FC236}">
+                <a16:creationId xmlns:a16="http://schemas.microsoft.com/office/drawing/2014/main" id="{863E019A-1F27-F141-8FEA-8243A0260B48}"/>
+              </a:ext>
+            </a:extLst>
+          </p:cNvPr>
+          <p:cNvCxnSpPr>
+            <a:cxnSpLocks/>
+            <a:stCxn id="5" idx="3"/>
+            <a:endCxn id="8" idx="0"/>
+          </p:cNvCxnSpPr>
+          <p:nvPr/>
+        </p:nvCxnSpPr>
+        <p:spPr>
+          <a:xfrm>
+            <a:off x="3582648" y="2014839"/>
+            <a:ext cx="1303660" cy="1760277"/>
+          </a:xfrm>
+          <a:prstGeom prst="curvedConnector2">
+            <a:avLst/>
+          </a:prstGeom>
+          <a:ln w="12700">
+            <a:solidFill>
+              <a:schemeClr val="tx1">
+                <a:lumMod val="75000"/>
+                <a:lumOff val="25000"/>
+              </a:schemeClr>
+            </a:solidFill>
+            <a:tailEnd type="triangle"/>
+          </a:ln>
+        </p:spPr>
+        <p:style>
+          <a:lnRef idx="1">
+            <a:schemeClr val="accent1"/>
+          </a:lnRef>
+          <a:fillRef idx="0">
+            <a:schemeClr val="accent1"/>
+          </a:fillRef>
+          <a:effectRef idx="0">
+            <a:schemeClr val="accent1"/>
+          </a:effectRef>
+          <a:fontRef idx="minor">
+            <a:schemeClr val="tx1"/>
+          </a:fontRef>
+        </p:style>
+      </p:cxnSp>
+      <p:cxnSp>
+        <p:nvCxnSpPr>
+          <p:cNvPr id="25" name="Curved Connector 24">
+            <a:extLst>
+              <a:ext uri="{FF2B5EF4-FFF2-40B4-BE49-F238E27FC236}">
+                <a16:creationId xmlns:a16="http://schemas.microsoft.com/office/drawing/2014/main" id="{9BDAAE95-FB62-2B48-A48C-948CEFA56260}"/>
+              </a:ext>
+            </a:extLst>
+          </p:cNvPr>
+          <p:cNvCxnSpPr>
+            <a:cxnSpLocks/>
+            <a:stCxn id="4" idx="3"/>
+            <a:endCxn id="8" idx="0"/>
+          </p:cNvCxnSpPr>
+          <p:nvPr/>
+        </p:nvCxnSpPr>
+        <p:spPr>
+          <a:xfrm>
+            <a:off x="3582648" y="1024141"/>
+            <a:ext cx="1303660" cy="2750975"/>
+          </a:xfrm>
+          <a:prstGeom prst="curvedConnector2">
+            <a:avLst/>
+          </a:prstGeom>
+          <a:ln w="12700">
+            <a:solidFill>
+              <a:schemeClr val="tx1">
+                <a:lumMod val="75000"/>
+                <a:lumOff val="25000"/>
+              </a:schemeClr>
+            </a:solidFill>
+            <a:tailEnd type="triangle"/>
+          </a:ln>
+        </p:spPr>
+        <p:style>
+          <a:lnRef idx="1">
+            <a:schemeClr val="accent1"/>
+          </a:lnRef>
+          <a:fillRef idx="0">
+            <a:schemeClr val="accent1"/>
+          </a:fillRef>
+          <a:effectRef idx="0">
+            <a:schemeClr val="accent1"/>
+          </a:effectRef>
+          <a:fontRef idx="minor">
+            <a:schemeClr val="tx1"/>
+          </a:fontRef>
+        </p:style>
+      </p:cxnSp>
+      <p:cxnSp>
+        <p:nvCxnSpPr>
+          <p:cNvPr id="28" name="Curved Connector 27">
+            <a:extLst>
+              <a:ext uri="{FF2B5EF4-FFF2-40B4-BE49-F238E27FC236}">
+                <a16:creationId xmlns:a16="http://schemas.microsoft.com/office/drawing/2014/main" id="{FBFDB019-38CC-D442-9036-9CEE3A3F9B94}"/>
+              </a:ext>
+            </a:extLst>
+          </p:cNvPr>
+          <p:cNvCxnSpPr>
+            <a:cxnSpLocks/>
+            <a:stCxn id="4" idx="3"/>
+            <a:endCxn id="10" idx="0"/>
+          </p:cNvCxnSpPr>
+          <p:nvPr/>
+        </p:nvCxnSpPr>
+        <p:spPr>
+          <a:xfrm>
+            <a:off x="3582648" y="1024141"/>
+            <a:ext cx="3507320" cy="2759946"/>
+          </a:xfrm>
+          <a:prstGeom prst="curvedConnector2">
+            <a:avLst/>
+          </a:prstGeom>
+          <a:ln w="12700">
+            <a:solidFill>
+              <a:schemeClr val="tx1">
+                <a:lumMod val="75000"/>
+                <a:lumOff val="25000"/>
+              </a:schemeClr>
+            </a:solidFill>
+            <a:tailEnd type="triangle"/>
+          </a:ln>
+        </p:spPr>
+        <p:style>
+          <a:lnRef idx="1">
+            <a:schemeClr val="accent1"/>
+          </a:lnRef>
+          <a:fillRef idx="0">
+            <a:schemeClr val="accent1"/>
+          </a:fillRef>
+          <a:effectRef idx="0">
+            <a:schemeClr val="accent1"/>
+          </a:effectRef>
+          <a:fontRef idx="minor">
+            <a:schemeClr val="tx1"/>
+          </a:fontRef>
+        </p:style>
+      </p:cxnSp>
+      <p:cxnSp>
+        <p:nvCxnSpPr>
+          <p:cNvPr id="31" name="Curved Connector 30">
+            <a:extLst>
+              <a:ext uri="{FF2B5EF4-FFF2-40B4-BE49-F238E27FC236}">
+                <a16:creationId xmlns:a16="http://schemas.microsoft.com/office/drawing/2014/main" id="{5A09CE64-EB75-FF44-8969-1A5933BE1B84}"/>
+              </a:ext>
+            </a:extLst>
+          </p:cNvPr>
+          <p:cNvCxnSpPr>
+            <a:cxnSpLocks/>
+            <a:stCxn id="4" idx="3"/>
+            <a:endCxn id="12" idx="0"/>
+          </p:cNvCxnSpPr>
+          <p:nvPr/>
+        </p:nvCxnSpPr>
+        <p:spPr>
+          <a:xfrm>
+            <a:off x="3582648" y="1024141"/>
+            <a:ext cx="5710980" cy="2747094"/>
+          </a:xfrm>
+          <a:prstGeom prst="curvedConnector2">
+            <a:avLst/>
+          </a:prstGeom>
+          <a:ln w="12700">
+            <a:solidFill>
+              <a:schemeClr val="tx1">
+                <a:lumMod val="75000"/>
+                <a:lumOff val="25000"/>
+              </a:schemeClr>
+            </a:solidFill>
+            <a:tailEnd type="triangle"/>
+          </a:ln>
+        </p:spPr>
+        <p:style>
+          <a:lnRef idx="1">
+            <a:schemeClr val="accent1"/>
+          </a:lnRef>
+          <a:fillRef idx="0">
+            <a:schemeClr val="accent1"/>
+          </a:fillRef>
+          <a:effectRef idx="0">
+            <a:schemeClr val="accent1"/>
+          </a:effectRef>
+          <a:fontRef idx="minor">
+            <a:schemeClr val="tx1"/>
+          </a:fontRef>
+        </p:style>
+      </p:cxnSp>
+      <p:cxnSp>
+        <p:nvCxnSpPr>
+          <p:cNvPr id="34" name="Curved Connector 33">
+            <a:extLst>
+              <a:ext uri="{FF2B5EF4-FFF2-40B4-BE49-F238E27FC236}">
+                <a16:creationId xmlns:a16="http://schemas.microsoft.com/office/drawing/2014/main" id="{AEBDF3BC-F6A1-D14A-8DA6-F45F6788DF2A}"/>
+              </a:ext>
+            </a:extLst>
+          </p:cNvPr>
+          <p:cNvCxnSpPr>
+            <a:cxnSpLocks/>
+            <a:stCxn id="5" idx="3"/>
+            <a:endCxn id="10" idx="0"/>
+          </p:cNvCxnSpPr>
+          <p:nvPr/>
+        </p:nvCxnSpPr>
+        <p:spPr>
+          <a:xfrm>
+            <a:off x="3582648" y="2014839"/>
+            <a:ext cx="3507320" cy="1769248"/>
+          </a:xfrm>
+          <a:prstGeom prst="curvedConnector2">
+            <a:avLst/>
+          </a:prstGeom>
+          <a:ln w="12700">
+            <a:solidFill>
+              <a:schemeClr val="tx1">
+                <a:lumMod val="75000"/>
+                <a:lumOff val="25000"/>
+              </a:schemeClr>
+            </a:solidFill>
+            <a:tailEnd type="triangle"/>
+          </a:ln>
+        </p:spPr>
+        <p:style>
+          <a:lnRef idx="1">
+            <a:schemeClr val="accent1"/>
+          </a:lnRef>
+          <a:fillRef idx="0">
+            <a:schemeClr val="accent1"/>
+          </a:fillRef>
+          <a:effectRef idx="0">
+            <a:schemeClr val="accent1"/>
+          </a:effectRef>
+          <a:fontRef idx="minor">
+            <a:schemeClr val="tx1"/>
+          </a:fontRef>
+        </p:style>
+      </p:cxnSp>
+      <p:cxnSp>
+        <p:nvCxnSpPr>
+          <p:cNvPr id="37" name="Curved Connector 36">
+            <a:extLst>
+              <a:ext uri="{FF2B5EF4-FFF2-40B4-BE49-F238E27FC236}">
+                <a16:creationId xmlns:a16="http://schemas.microsoft.com/office/drawing/2014/main" id="{6E56493A-916E-3B4B-90D1-C7E5E346878C}"/>
+              </a:ext>
+            </a:extLst>
+          </p:cNvPr>
+          <p:cNvCxnSpPr>
+            <a:cxnSpLocks/>
+            <a:stCxn id="5" idx="3"/>
+            <a:endCxn id="12" idx="0"/>
+          </p:cNvCxnSpPr>
+          <p:nvPr/>
+        </p:nvCxnSpPr>
+        <p:spPr>
+          <a:xfrm>
+            <a:off x="3582648" y="2014839"/>
+            <a:ext cx="5710980" cy="1756396"/>
+          </a:xfrm>
+          <a:prstGeom prst="curvedConnector2">
+            <a:avLst/>
+          </a:prstGeom>
+          <a:ln w="12700">
+            <a:solidFill>
+              <a:schemeClr val="tx1">
+                <a:lumMod val="75000"/>
+                <a:lumOff val="25000"/>
+              </a:schemeClr>
+            </a:solidFill>
+            <a:tailEnd type="triangle"/>
+          </a:ln>
+        </p:spPr>
+        <p:style>
+          <a:lnRef idx="1">
+            <a:schemeClr val="accent1"/>
+          </a:lnRef>
+          <a:fillRef idx="0">
+            <a:schemeClr val="accent1"/>
+          </a:fillRef>
+          <a:effectRef idx="0">
+            <a:schemeClr val="accent1"/>
+          </a:effectRef>
+          <a:fontRef idx="minor">
+            <a:schemeClr val="tx1"/>
+          </a:fontRef>
+        </p:style>
+      </p:cxnSp>
+      <p:sp>
+        <p:nvSpPr>
+          <p:cNvPr id="40" name="TextBox 39">
+            <a:extLst>
+              <a:ext uri="{FF2B5EF4-FFF2-40B4-BE49-F238E27FC236}">
+                <a16:creationId xmlns:a16="http://schemas.microsoft.com/office/drawing/2014/main" id="{D63B5692-7BE5-884A-8E34-BF2A8048B2C7}"/>
+              </a:ext>
+            </a:extLst>
+          </p:cNvPr>
+          <p:cNvSpPr txBox="1"/>
+          <p:nvPr/>
+        </p:nvSpPr>
+        <p:spPr>
+          <a:xfrm>
+            <a:off x="5455883" y="1527583"/>
+            <a:ext cx="4330866" cy="369332"/>
+          </a:xfrm>
+          <a:prstGeom prst="rect">
+            <a:avLst/>
+          </a:prstGeom>
+          <a:solidFill>
+            <a:schemeClr val="bg1"/>
+          </a:solidFill>
+          <a:ln w="38100">
+            <a:solidFill>
+              <a:srgbClr val="FFFFFF">
+                <a:alpha val="50196"/>
+              </a:srgbClr>
+            </a:solidFill>
+          </a:ln>
+        </p:spPr>
+        <p:txBody>
+          <a:bodyPr wrap="none" rtlCol="0">
+            <a:spAutoFit/>
+          </a:bodyPr>
+          <a:lstStyle/>
+          <a:p>
+            <a:r>
+              <a:rPr lang="en-GB" dirty="0"/>
+              <a:t>The existing intermediate images are reused</a:t>
+            </a:r>
+          </a:p>
+        </p:txBody>
+      </p:sp>
+      <p:sp>
+        <p:nvSpPr>
+          <p:cNvPr id="41" name="TextBox 40">
+            <a:extLst>
+              <a:ext uri="{FF2B5EF4-FFF2-40B4-BE49-F238E27FC236}">
+                <a16:creationId xmlns:a16="http://schemas.microsoft.com/office/drawing/2014/main" id="{856B9F48-A1E8-2243-8CC8-E61363CCE27A}"/>
+              </a:ext>
+            </a:extLst>
+          </p:cNvPr>
+          <p:cNvSpPr txBox="1"/>
+          <p:nvPr/>
+        </p:nvSpPr>
+        <p:spPr>
+          <a:xfrm>
+            <a:off x="2160468" y="5713606"/>
+            <a:ext cx="1052468" cy="369332"/>
+          </a:xfrm>
+          <a:prstGeom prst="rect">
+            <a:avLst/>
+          </a:prstGeom>
+          <a:noFill/>
+        </p:spPr>
+        <p:txBody>
+          <a:bodyPr wrap="none" rtlCol="0">
+            <a:spAutoFit/>
+          </a:bodyPr>
+          <a:lstStyle/>
+          <a:p>
+            <a:r>
+              <a:rPr lang="en-GB" dirty="0"/>
+              <a:t>Version 1</a:t>
+            </a:r>
+          </a:p>
+        </p:txBody>
+      </p:sp>
+      <p:sp>
+        <p:nvSpPr>
+          <p:cNvPr id="42" name="TextBox 41">
+            <a:extLst>
+              <a:ext uri="{FF2B5EF4-FFF2-40B4-BE49-F238E27FC236}">
+                <a16:creationId xmlns:a16="http://schemas.microsoft.com/office/drawing/2014/main" id="{AE87BAB6-B18F-1E47-A9C9-14358441DB76}"/>
+              </a:ext>
+            </a:extLst>
+          </p:cNvPr>
+          <p:cNvSpPr txBox="1"/>
+          <p:nvPr/>
+        </p:nvSpPr>
+        <p:spPr>
+          <a:xfrm>
+            <a:off x="4360074" y="5713606"/>
+            <a:ext cx="1052468" cy="369332"/>
+          </a:xfrm>
+          <a:prstGeom prst="rect">
+            <a:avLst/>
+          </a:prstGeom>
+          <a:noFill/>
+        </p:spPr>
+        <p:txBody>
+          <a:bodyPr wrap="none" rtlCol="0">
+            <a:spAutoFit/>
+          </a:bodyPr>
+          <a:lstStyle/>
+          <a:p>
+            <a:r>
+              <a:rPr lang="en-GB" dirty="0"/>
+              <a:t>Version 2</a:t>
+            </a:r>
+          </a:p>
+        </p:txBody>
+      </p:sp>
+      <p:sp>
+        <p:nvSpPr>
+          <p:cNvPr id="43" name="TextBox 42">
+            <a:extLst>
+              <a:ext uri="{FF2B5EF4-FFF2-40B4-BE49-F238E27FC236}">
+                <a16:creationId xmlns:a16="http://schemas.microsoft.com/office/drawing/2014/main" id="{8AEDE4BC-7101-554B-AEF3-6E78A899EE1E}"/>
+              </a:ext>
+            </a:extLst>
+          </p:cNvPr>
+          <p:cNvSpPr txBox="1"/>
+          <p:nvPr/>
+        </p:nvSpPr>
+        <p:spPr>
+          <a:xfrm>
+            <a:off x="6559680" y="5713606"/>
+            <a:ext cx="1052468" cy="369332"/>
+          </a:xfrm>
+          <a:prstGeom prst="rect">
+            <a:avLst/>
+          </a:prstGeom>
+          <a:noFill/>
+        </p:spPr>
+        <p:txBody>
+          <a:bodyPr wrap="none" rtlCol="0">
+            <a:spAutoFit/>
+          </a:bodyPr>
+          <a:lstStyle/>
+          <a:p>
+            <a:r>
+              <a:rPr lang="en-GB" dirty="0"/>
+              <a:t>Version 3</a:t>
+            </a:r>
+          </a:p>
+        </p:txBody>
+      </p:sp>
+      <p:sp>
+        <p:nvSpPr>
+          <p:cNvPr id="44" name="TextBox 43">
+            <a:extLst>
+              <a:ext uri="{FF2B5EF4-FFF2-40B4-BE49-F238E27FC236}">
+                <a16:creationId xmlns:a16="http://schemas.microsoft.com/office/drawing/2014/main" id="{AC989D8A-63BF-1948-A6E7-B98332FE226A}"/>
+              </a:ext>
+            </a:extLst>
+          </p:cNvPr>
+          <p:cNvSpPr txBox="1"/>
+          <p:nvPr/>
+        </p:nvSpPr>
+        <p:spPr>
+          <a:xfrm>
+            <a:off x="8767394" y="5713606"/>
+            <a:ext cx="1052468" cy="369332"/>
+          </a:xfrm>
+          <a:prstGeom prst="rect">
+            <a:avLst/>
+          </a:prstGeom>
+          <a:noFill/>
+        </p:spPr>
+        <p:txBody>
+          <a:bodyPr wrap="none" rtlCol="0">
+            <a:spAutoFit/>
+          </a:bodyPr>
+          <a:lstStyle/>
+          <a:p>
+            <a:r>
+              <a:rPr lang="en-GB" dirty="0"/>
+              <a:t>Version 4</a:t>
+            </a:r>
+          </a:p>
+        </p:txBody>
+      </p:sp>
+      <p:cxnSp>
+        <p:nvCxnSpPr>
+          <p:cNvPr id="45" name="Straight Arrow Connector 44">
+            <a:extLst>
+              <a:ext uri="{FF2B5EF4-FFF2-40B4-BE49-F238E27FC236}">
+                <a16:creationId xmlns:a16="http://schemas.microsoft.com/office/drawing/2014/main" id="{D5BBFC69-9461-564D-AA5D-08EDC47BFE9B}"/>
+              </a:ext>
+            </a:extLst>
+          </p:cNvPr>
+          <p:cNvCxnSpPr>
+            <a:cxnSpLocks/>
+            <a:stCxn id="8" idx="2"/>
+            <a:endCxn id="9" idx="0"/>
+          </p:cNvCxnSpPr>
+          <p:nvPr/>
+        </p:nvCxnSpPr>
+        <p:spPr>
+          <a:xfrm>
+            <a:off x="4886308" y="4221430"/>
+            <a:ext cx="0" cy="553355"/>
+          </a:xfrm>
+          <a:prstGeom prst="straightConnector1">
+            <a:avLst/>
+          </a:prstGeom>
+          <a:ln w="12700">
+            <a:solidFill>
+              <a:schemeClr val="tx1">
+                <a:lumMod val="75000"/>
+                <a:lumOff val="25000"/>
+              </a:schemeClr>
+            </a:solidFill>
+            <a:tailEnd type="triangle"/>
+          </a:ln>
+        </p:spPr>
+        <p:style>
+          <a:lnRef idx="1">
+            <a:schemeClr val="accent1"/>
+          </a:lnRef>
+          <a:fillRef idx="0">
+            <a:schemeClr val="accent1"/>
+          </a:fillRef>
+          <a:effectRef idx="0">
+            <a:schemeClr val="accent1"/>
+          </a:effectRef>
+          <a:fontRef idx="minor">
+            <a:schemeClr val="tx1"/>
+          </a:fontRef>
+        </p:style>
+      </p:cxnSp>
+      <p:cxnSp>
+        <p:nvCxnSpPr>
+          <p:cNvPr id="48" name="Straight Arrow Connector 47">
+            <a:extLst>
+              <a:ext uri="{FF2B5EF4-FFF2-40B4-BE49-F238E27FC236}">
+                <a16:creationId xmlns:a16="http://schemas.microsoft.com/office/drawing/2014/main" id="{C92928E7-E16A-0D4F-9FD9-985543E1C454}"/>
+              </a:ext>
+            </a:extLst>
+          </p:cNvPr>
+          <p:cNvCxnSpPr>
+            <a:cxnSpLocks/>
+            <a:stCxn id="10" idx="2"/>
+            <a:endCxn id="11" idx="0"/>
+          </p:cNvCxnSpPr>
+          <p:nvPr/>
+        </p:nvCxnSpPr>
+        <p:spPr>
+          <a:xfrm>
+            <a:off x="7089968" y="4230401"/>
+            <a:ext cx="0" cy="531533"/>
+          </a:xfrm>
+          <a:prstGeom prst="straightConnector1">
+            <a:avLst/>
+          </a:prstGeom>
+          <a:ln w="12700">
+            <a:solidFill>
+              <a:schemeClr val="tx1">
+                <a:lumMod val="75000"/>
+                <a:lumOff val="25000"/>
+              </a:schemeClr>
+            </a:solidFill>
+            <a:tailEnd type="triangle"/>
+          </a:ln>
+        </p:spPr>
+        <p:style>
+          <a:lnRef idx="1">
+            <a:schemeClr val="accent1"/>
+          </a:lnRef>
+          <a:fillRef idx="0">
+            <a:schemeClr val="accent1"/>
+          </a:fillRef>
+          <a:effectRef idx="0">
+            <a:schemeClr val="accent1"/>
+          </a:effectRef>
+          <a:fontRef idx="minor">
+            <a:schemeClr val="tx1"/>
+          </a:fontRef>
+        </p:style>
+      </p:cxnSp>
+      <p:cxnSp>
+        <p:nvCxnSpPr>
+          <p:cNvPr id="51" name="Straight Arrow Connector 50">
+            <a:extLst>
+              <a:ext uri="{FF2B5EF4-FFF2-40B4-BE49-F238E27FC236}">
+                <a16:creationId xmlns:a16="http://schemas.microsoft.com/office/drawing/2014/main" id="{9F9FE7B8-DD02-9844-A162-0C4A4E4DC0C8}"/>
+              </a:ext>
+            </a:extLst>
+          </p:cNvPr>
+          <p:cNvCxnSpPr>
+            <a:cxnSpLocks/>
+            <a:stCxn id="12" idx="2"/>
+            <a:endCxn id="13" idx="0"/>
+          </p:cNvCxnSpPr>
+          <p:nvPr/>
+        </p:nvCxnSpPr>
+        <p:spPr>
+          <a:xfrm>
+            <a:off x="9293628" y="4217549"/>
+            <a:ext cx="0" cy="542541"/>
+          </a:xfrm>
+          <a:prstGeom prst="straightConnector1">
+            <a:avLst/>
+          </a:prstGeom>
+          <a:ln w="12700">
+            <a:solidFill>
+              <a:schemeClr val="tx1">
+                <a:lumMod val="75000"/>
+                <a:lumOff val="25000"/>
+              </a:schemeClr>
+            </a:solidFill>
+            <a:tailEnd type="triangle"/>
+          </a:ln>
+        </p:spPr>
+        <p:style>
+          <a:lnRef idx="1">
+            <a:schemeClr val="accent1"/>
+          </a:lnRef>
+          <a:fillRef idx="0">
+            <a:schemeClr val="accent1"/>
+          </a:fillRef>
+          <a:effectRef idx="0">
+            <a:schemeClr val="accent1"/>
+          </a:effectRef>
+          <a:fontRef idx="minor">
+            <a:schemeClr val="tx1"/>
+          </a:fontRef>
+        </p:style>
+      </p:cxnSp>
+      <p:sp>
+        <p:nvSpPr>
+          <p:cNvPr id="54" name="TextBox 53">
+            <a:extLst>
+              <a:ext uri="{FF2B5EF4-FFF2-40B4-BE49-F238E27FC236}">
+                <a16:creationId xmlns:a16="http://schemas.microsoft.com/office/drawing/2014/main" id="{00BC0490-40EB-AB41-9573-F26A3EDAE20A}"/>
+              </a:ext>
+            </a:extLst>
+          </p:cNvPr>
+          <p:cNvSpPr txBox="1"/>
+          <p:nvPr/>
+        </p:nvSpPr>
+        <p:spPr>
+          <a:xfrm>
+            <a:off x="9786749" y="2594304"/>
+            <a:ext cx="2479750" cy="923330"/>
+          </a:xfrm>
+          <a:prstGeom prst="rect">
+            <a:avLst/>
+          </a:prstGeom>
+          <a:noFill/>
+        </p:spPr>
+        <p:txBody>
+          <a:bodyPr wrap="square" rtlCol="0">
+            <a:spAutoFit/>
+          </a:bodyPr>
+          <a:lstStyle/>
+          <a:p>
+            <a:r>
+              <a:rPr lang="en-GB" dirty="0"/>
+              <a:t>The layer contains our code together </a:t>
+            </a:r>
+            <a:r>
+              <a:rPr lang="en-GB" b="1" dirty="0"/>
+              <a:t>without</a:t>
+            </a:r>
+            <a:r>
+              <a:rPr lang="en-GB" dirty="0"/>
+              <a:t> the dependencies</a:t>
+            </a:r>
+          </a:p>
+        </p:txBody>
+      </p:sp>
+      <p:cxnSp>
+        <p:nvCxnSpPr>
+          <p:cNvPr id="56" name="Curved Connector 55">
+            <a:extLst>
+              <a:ext uri="{FF2B5EF4-FFF2-40B4-BE49-F238E27FC236}">
+                <a16:creationId xmlns:a16="http://schemas.microsoft.com/office/drawing/2014/main" id="{026DB1A5-0A14-4F47-A989-1CBB5E0D43C9}"/>
+              </a:ext>
+            </a:extLst>
+          </p:cNvPr>
+          <p:cNvCxnSpPr>
+            <a:cxnSpLocks/>
+            <a:stCxn id="54" idx="2"/>
+          </p:cNvCxnSpPr>
+          <p:nvPr/>
+        </p:nvCxnSpPr>
+        <p:spPr>
+          <a:xfrm rot="5400000">
+            <a:off x="10436661" y="3417281"/>
+            <a:ext cx="489611" cy="690316"/>
+          </a:xfrm>
+          <a:prstGeom prst="curvedConnector2">
+            <a:avLst/>
+          </a:prstGeom>
+          <a:ln w="12700">
+            <a:solidFill>
+              <a:srgbClr val="404040"/>
+            </a:solidFill>
+            <a:tailEnd type="triangle"/>
+          </a:ln>
+        </p:spPr>
+        <p:style>
+          <a:lnRef idx="1">
+            <a:schemeClr val="accent1"/>
+          </a:lnRef>
+          <a:fillRef idx="0">
+            <a:schemeClr val="accent1"/>
+          </a:fillRef>
+          <a:effectRef idx="0">
+            <a:schemeClr val="accent1"/>
+          </a:effectRef>
+          <a:fontRef idx="minor">
+            <a:schemeClr val="tx1"/>
+          </a:fontRef>
+        </p:style>
+      </p:cxnSp>
+      <p:sp>
+        <p:nvSpPr>
+          <p:cNvPr id="32" name="Rectangle 31">
+            <a:extLst>
+              <a:ext uri="{FF2B5EF4-FFF2-40B4-BE49-F238E27FC236}">
+                <a16:creationId xmlns:a16="http://schemas.microsoft.com/office/drawing/2014/main" id="{0F9F04A3-9944-7A42-BCFE-4BF68BB113BD}"/>
+              </a:ext>
+            </a:extLst>
+          </p:cNvPr>
+          <p:cNvSpPr/>
+          <p:nvPr/>
+        </p:nvSpPr>
+        <p:spPr>
+          <a:xfrm>
+            <a:off x="1782648" y="2780537"/>
+            <a:ext cx="1800000" cy="450000"/>
+          </a:xfrm>
+          <a:prstGeom prst="rect">
+            <a:avLst/>
+          </a:prstGeom>
+          <a:solidFill>
+            <a:srgbClr val="D883FF"/>
+          </a:solidFill>
+          <a:ln>
+            <a:solidFill>
+              <a:schemeClr val="tx1">
+                <a:lumMod val="75000"/>
+                <a:lumOff val="25000"/>
+              </a:schemeClr>
+            </a:solidFill>
+          </a:ln>
+        </p:spPr>
+        <p:style>
+          <a:lnRef idx="2">
+            <a:schemeClr val="accent1">
+              <a:shade val="50000"/>
+            </a:schemeClr>
+          </a:lnRef>
+          <a:fillRef idx="1">
+            <a:schemeClr val="accent1"/>
+          </a:fillRef>
+          <a:effectRef idx="0">
+            <a:schemeClr val="accent1"/>
+          </a:effectRef>
+          <a:fontRef idx="minor">
+            <a:schemeClr val="lt1"/>
+          </a:fontRef>
+        </p:style>
+        <p:txBody>
+          <a:bodyPr rtlCol="0" anchor="ctr"/>
+          <a:lstStyle/>
+          <a:p>
+            <a:endParaRPr lang="en-GB" sz="900" dirty="0">
+              <a:solidFill>
+                <a:schemeClr val="bg1"/>
+              </a:solidFill>
+              <a:latin typeface="Courier New" panose="02070309020205020404" pitchFamily="49" charset="0"/>
+              <a:cs typeface="Courier New" panose="02070309020205020404" pitchFamily="49" charset="0"/>
+            </a:endParaRPr>
+          </a:p>
+        </p:txBody>
+      </p:sp>
+      <p:cxnSp>
+        <p:nvCxnSpPr>
+          <p:cNvPr id="52" name="Straight Arrow Connector 51">
+            <a:extLst>
+              <a:ext uri="{FF2B5EF4-FFF2-40B4-BE49-F238E27FC236}">
+                <a16:creationId xmlns:a16="http://schemas.microsoft.com/office/drawing/2014/main" id="{BB10E5A2-7FA0-7946-B366-7FB9F47AB4EA}"/>
+              </a:ext>
+            </a:extLst>
+          </p:cNvPr>
+          <p:cNvCxnSpPr>
+            <a:cxnSpLocks/>
+            <a:stCxn id="32" idx="2"/>
+            <a:endCxn id="6" idx="0"/>
+          </p:cNvCxnSpPr>
+          <p:nvPr/>
+        </p:nvCxnSpPr>
+        <p:spPr>
+          <a:xfrm>
+            <a:off x="2682648" y="3230537"/>
+            <a:ext cx="0" cy="540698"/>
+          </a:xfrm>
+          <a:prstGeom prst="straightConnector1">
+            <a:avLst/>
+          </a:prstGeom>
+          <a:ln w="12700">
+            <a:solidFill>
+              <a:schemeClr val="tx1">
+                <a:lumMod val="75000"/>
+                <a:lumOff val="25000"/>
+              </a:schemeClr>
+            </a:solidFill>
+            <a:tailEnd type="triangle"/>
+          </a:ln>
+        </p:spPr>
+        <p:style>
+          <a:lnRef idx="1">
+            <a:schemeClr val="accent1"/>
+          </a:lnRef>
+          <a:fillRef idx="0">
+            <a:schemeClr val="accent1"/>
+          </a:fillRef>
+          <a:effectRef idx="0">
+            <a:schemeClr val="accent1"/>
+          </a:effectRef>
+          <a:fontRef idx="minor">
+            <a:schemeClr val="tx1"/>
+          </a:fontRef>
+        </p:style>
+      </p:cxnSp>
+      <p:cxnSp>
+        <p:nvCxnSpPr>
+          <p:cNvPr id="67" name="Curved Connector 66">
+            <a:extLst>
+              <a:ext uri="{FF2B5EF4-FFF2-40B4-BE49-F238E27FC236}">
+                <a16:creationId xmlns:a16="http://schemas.microsoft.com/office/drawing/2014/main" id="{465D175E-9792-134E-8757-E666F204EBEE}"/>
+              </a:ext>
+            </a:extLst>
+          </p:cNvPr>
+          <p:cNvCxnSpPr>
+            <a:cxnSpLocks/>
+            <a:stCxn id="32" idx="3"/>
+            <a:endCxn id="8" idx="0"/>
+          </p:cNvCxnSpPr>
+          <p:nvPr/>
+        </p:nvCxnSpPr>
+        <p:spPr>
+          <a:xfrm>
+            <a:off x="3582648" y="3005537"/>
+            <a:ext cx="1303660" cy="769579"/>
+          </a:xfrm>
+          <a:prstGeom prst="curvedConnector2">
+            <a:avLst/>
+          </a:prstGeom>
+          <a:ln w="12700">
+            <a:solidFill>
+              <a:schemeClr val="tx1">
+                <a:lumMod val="75000"/>
+                <a:lumOff val="25000"/>
+              </a:schemeClr>
+            </a:solidFill>
+            <a:tailEnd type="triangle"/>
+          </a:ln>
+        </p:spPr>
+        <p:style>
+          <a:lnRef idx="1">
+            <a:schemeClr val="accent1"/>
+          </a:lnRef>
+          <a:fillRef idx="0">
+            <a:schemeClr val="accent1"/>
+          </a:fillRef>
+          <a:effectRef idx="0">
+            <a:schemeClr val="accent1"/>
+          </a:effectRef>
+          <a:fontRef idx="minor">
+            <a:schemeClr val="tx1"/>
+          </a:fontRef>
+        </p:style>
+      </p:cxnSp>
+      <p:cxnSp>
+        <p:nvCxnSpPr>
+          <p:cNvPr id="70" name="Curved Connector 69">
+            <a:extLst>
+              <a:ext uri="{FF2B5EF4-FFF2-40B4-BE49-F238E27FC236}">
+                <a16:creationId xmlns:a16="http://schemas.microsoft.com/office/drawing/2014/main" id="{360CD16D-6CED-DE47-B5ED-01A0BDDA9030}"/>
+              </a:ext>
+            </a:extLst>
+          </p:cNvPr>
+          <p:cNvCxnSpPr>
+            <a:cxnSpLocks/>
+            <a:stCxn id="32" idx="3"/>
+            <a:endCxn id="10" idx="0"/>
+          </p:cNvCxnSpPr>
+          <p:nvPr/>
+        </p:nvCxnSpPr>
+        <p:spPr>
+          <a:xfrm>
+            <a:off x="3582648" y="3005537"/>
+            <a:ext cx="3507320" cy="778550"/>
+          </a:xfrm>
+          <a:prstGeom prst="curvedConnector2">
+            <a:avLst/>
+          </a:prstGeom>
+          <a:ln w="12700">
+            <a:solidFill>
+              <a:schemeClr val="tx1">
+                <a:lumMod val="75000"/>
+                <a:lumOff val="25000"/>
+              </a:schemeClr>
+            </a:solidFill>
+            <a:tailEnd type="triangle"/>
+          </a:ln>
+        </p:spPr>
+        <p:style>
+          <a:lnRef idx="1">
+            <a:schemeClr val="accent1"/>
+          </a:lnRef>
+          <a:fillRef idx="0">
+            <a:schemeClr val="accent1"/>
+          </a:fillRef>
+          <a:effectRef idx="0">
+            <a:schemeClr val="accent1"/>
+          </a:effectRef>
+          <a:fontRef idx="minor">
+            <a:schemeClr val="tx1"/>
+          </a:fontRef>
+        </p:style>
+      </p:cxnSp>
+      <p:cxnSp>
+        <p:nvCxnSpPr>
+          <p:cNvPr id="73" name="Curved Connector 72">
+            <a:extLst>
+              <a:ext uri="{FF2B5EF4-FFF2-40B4-BE49-F238E27FC236}">
+                <a16:creationId xmlns:a16="http://schemas.microsoft.com/office/drawing/2014/main" id="{4FF4C22C-F285-7D4E-826A-BD24685974E7}"/>
+              </a:ext>
+            </a:extLst>
+          </p:cNvPr>
+          <p:cNvCxnSpPr>
+            <a:cxnSpLocks/>
+            <a:stCxn id="32" idx="3"/>
+            <a:endCxn id="12" idx="0"/>
+          </p:cNvCxnSpPr>
+          <p:nvPr/>
+        </p:nvCxnSpPr>
+        <p:spPr>
+          <a:xfrm>
+            <a:off x="3582648" y="3005537"/>
+            <a:ext cx="5710980" cy="765698"/>
+          </a:xfrm>
+          <a:prstGeom prst="curvedConnector2">
+            <a:avLst/>
+          </a:prstGeom>
+          <a:ln w="12700">
+            <a:solidFill>
+              <a:schemeClr val="tx1">
+                <a:lumMod val="75000"/>
+                <a:lumOff val="25000"/>
+              </a:schemeClr>
+            </a:solidFill>
+            <a:tailEnd type="triangle"/>
+          </a:ln>
+        </p:spPr>
+        <p:style>
+          <a:lnRef idx="1">
+            <a:schemeClr val="accent1"/>
+          </a:lnRef>
+          <a:fillRef idx="0">
+            <a:schemeClr val="accent1"/>
+          </a:fillRef>
+          <a:effectRef idx="0">
+            <a:schemeClr val="accent1"/>
+          </a:effectRef>
+          <a:fontRef idx="minor">
+            <a:schemeClr val="tx1"/>
+          </a:fontRef>
+        </p:style>
+      </p:cxnSp>
+      <p:sp>
+        <p:nvSpPr>
+          <p:cNvPr id="83" name="TextBox 82">
+            <a:extLst>
+              <a:ext uri="{FF2B5EF4-FFF2-40B4-BE49-F238E27FC236}">
+                <a16:creationId xmlns:a16="http://schemas.microsoft.com/office/drawing/2014/main" id="{BA3006C2-3464-BE43-858B-479599C334AB}"/>
+              </a:ext>
+            </a:extLst>
+          </p:cNvPr>
+          <p:cNvSpPr txBox="1"/>
+          <p:nvPr/>
+        </p:nvSpPr>
+        <p:spPr>
+          <a:xfrm>
+            <a:off x="50699" y="2671483"/>
+            <a:ext cx="1642267" cy="646331"/>
+          </a:xfrm>
+          <a:prstGeom prst="rect">
+            <a:avLst/>
+          </a:prstGeom>
+          <a:noFill/>
+        </p:spPr>
+        <p:txBody>
+          <a:bodyPr wrap="square" rtlCol="0">
+            <a:spAutoFit/>
+          </a:bodyPr>
+          <a:lstStyle/>
+          <a:p>
+            <a:pPr algn="r"/>
+            <a:r>
+              <a:rPr lang="en-GB" dirty="0"/>
+              <a:t>The application dependencies</a:t>
+            </a:r>
+          </a:p>
+        </p:txBody>
+      </p:sp>
+      <p:sp>
+        <p:nvSpPr>
+          <p:cNvPr id="84" name="TextBox 83">
+            <a:extLst>
+              <a:ext uri="{FF2B5EF4-FFF2-40B4-BE49-F238E27FC236}">
+                <a16:creationId xmlns:a16="http://schemas.microsoft.com/office/drawing/2014/main" id="{11ECF04E-54D4-F147-8EDE-6258CA5AAD60}"/>
+              </a:ext>
+            </a:extLst>
+          </p:cNvPr>
+          <p:cNvSpPr txBox="1"/>
+          <p:nvPr/>
+        </p:nvSpPr>
+        <p:spPr>
+          <a:xfrm>
+            <a:off x="41318" y="3671226"/>
+            <a:ext cx="1642267" cy="646331"/>
+          </a:xfrm>
+          <a:prstGeom prst="rect">
+            <a:avLst/>
+          </a:prstGeom>
+          <a:noFill/>
+        </p:spPr>
+        <p:txBody>
+          <a:bodyPr wrap="square" rtlCol="0">
+            <a:spAutoFit/>
+          </a:bodyPr>
+          <a:lstStyle/>
+          <a:p>
+            <a:pPr algn="r"/>
+            <a:r>
+              <a:rPr lang="en-GB" dirty="0"/>
+              <a:t>The application code</a:t>
+            </a:r>
+          </a:p>
+        </p:txBody>
+      </p:sp>
+    </p:spTree>
+    <p:extLst>
+      <p:ext uri="{BB962C8B-B14F-4D97-AF65-F5344CB8AC3E}">
+        <p14:creationId xmlns:p14="http://schemas.microsoft.com/office/powerpoint/2010/main" val="4266292443"/>
       </p:ext>
     </p:extLst>
   </p:cSld>
